--- a/project정리/A조 2차 프로젝트 결과보고서.pptx
+++ b/project정리/A조 2차 프로젝트 결과보고서.pptx
@@ -4,6 +4,9 @@
   <p:sldMasterIdLst>
     <p:sldMasterId id="2147483648" r:id="rId1"/>
   </p:sldMasterIdLst>
+  <p:notesMasterIdLst>
+    <p:notesMasterId r:id="rId12"/>
+  </p:notesMasterIdLst>
   <p:sldIdLst>
     <p:sldId id="256" r:id="rId2"/>
     <p:sldId id="257" r:id="rId3"/>
@@ -132,6 +135,439 @@
 </p:presentation>
 </file>
 
+<file path=ppt/notesMasters/notesMaster1.xml><?xml version="1.0" encoding="utf-8"?>
+<p:notesMaster xmlns:a="http://schemas.openxmlformats.org/drawingml/2006/main" xmlns:r="http://schemas.openxmlformats.org/officeDocument/2006/relationships" xmlns:p="http://schemas.openxmlformats.org/presentationml/2006/main">
+  <p:cSld>
+    <p:bg>
+      <p:bgRef idx="1001">
+        <a:schemeClr val="bg1"/>
+      </p:bgRef>
+    </p:bg>
+    <p:spTree>
+      <p:nvGrpSpPr>
+        <p:cNvPr id="1" name=""/>
+        <p:cNvGrpSpPr/>
+        <p:nvPr/>
+      </p:nvGrpSpPr>
+      <p:grpSpPr>
+        <a:xfrm>
+          <a:off x="0" y="0"/>
+          <a:ext cx="0" cy="0"/>
+          <a:chOff x="0" y="0"/>
+          <a:chExt cx="0" cy="0"/>
+        </a:xfrm>
+      </p:grpSpPr>
+      <p:sp>
+        <p:nvSpPr>
+          <p:cNvPr id="2" name="머리글 개체 틀 1"/>
+          <p:cNvSpPr>
+            <a:spLocks noGrp="1"/>
+          </p:cNvSpPr>
+          <p:nvPr>
+            <p:ph type="hdr" sz="quarter"/>
+          </p:nvPr>
+        </p:nvSpPr>
+        <p:spPr>
+          <a:xfrm>
+            <a:off x="0" y="0"/>
+            <a:ext cx="4457700" cy="917575"/>
+          </a:xfrm>
+          <a:prstGeom prst="rect">
+            <a:avLst/>
+          </a:prstGeom>
+        </p:spPr>
+        <p:txBody>
+          <a:bodyPr vert="horz" lIns="91440" tIns="45720" rIns="91440" bIns="45720" rtlCol="0"/>
+          <a:lstStyle>
+            <a:lvl1pPr algn="l">
+              <a:defRPr sz="1200"/>
+            </a:lvl1pPr>
+          </a:lstStyle>
+          <a:p>
+            <a:endParaRPr lang="ko-KR" altLang="en-US"/>
+          </a:p>
+        </p:txBody>
+      </p:sp>
+      <p:sp>
+        <p:nvSpPr>
+          <p:cNvPr id="3" name="날짜 개체 틀 2"/>
+          <p:cNvSpPr>
+            <a:spLocks noGrp="1"/>
+          </p:cNvSpPr>
+          <p:nvPr>
+            <p:ph type="dt" idx="1"/>
+          </p:nvPr>
+        </p:nvSpPr>
+        <p:spPr>
+          <a:xfrm>
+            <a:off x="5827713" y="0"/>
+            <a:ext cx="4457700" cy="917575"/>
+          </a:xfrm>
+          <a:prstGeom prst="rect">
+            <a:avLst/>
+          </a:prstGeom>
+        </p:spPr>
+        <p:txBody>
+          <a:bodyPr vert="horz" lIns="91440" tIns="45720" rIns="91440" bIns="45720" rtlCol="0"/>
+          <a:lstStyle>
+            <a:lvl1pPr algn="r">
+              <a:defRPr sz="1200"/>
+            </a:lvl1pPr>
+          </a:lstStyle>
+          <a:p>
+            <a:fld id="{008BBF0D-431E-44B7-94ED-93FB861F4BD2}" type="datetimeFigureOut">
+              <a:rPr lang="ko-KR" altLang="en-US" smtClean="0"/>
+              <a:t>2025-04-25</a:t>
+            </a:fld>
+            <a:endParaRPr lang="ko-KR" altLang="en-US"/>
+          </a:p>
+        </p:txBody>
+      </p:sp>
+      <p:sp>
+        <p:nvSpPr>
+          <p:cNvPr id="4" name="슬라이드 이미지 개체 틀 3"/>
+          <p:cNvSpPr>
+            <a:spLocks noGrp="1" noRot="1" noChangeAspect="1"/>
+          </p:cNvSpPr>
+          <p:nvPr>
+            <p:ph type="sldImg" idx="2"/>
+          </p:nvPr>
+        </p:nvSpPr>
+        <p:spPr>
+          <a:xfrm>
+            <a:off x="-342900" y="2286000"/>
+            <a:ext cx="10972800" cy="6172200"/>
+          </a:xfrm>
+          <a:prstGeom prst="rect">
+            <a:avLst/>
+          </a:prstGeom>
+          <a:noFill/>
+          <a:ln w="12700">
+            <a:solidFill>
+              <a:prstClr val="black"/>
+            </a:solidFill>
+          </a:ln>
+        </p:spPr>
+        <p:txBody>
+          <a:bodyPr vert="horz" lIns="91440" tIns="45720" rIns="91440" bIns="45720" rtlCol="0" anchor="ctr"/>
+          <a:lstStyle/>
+          <a:p>
+            <a:endParaRPr lang="ko-KR" altLang="en-US"/>
+          </a:p>
+        </p:txBody>
+      </p:sp>
+      <p:sp>
+        <p:nvSpPr>
+          <p:cNvPr id="5" name="슬라이드 노트 개체 틀 4"/>
+          <p:cNvSpPr>
+            <a:spLocks noGrp="1"/>
+          </p:cNvSpPr>
+          <p:nvPr>
+            <p:ph type="body" sz="quarter" idx="3"/>
+          </p:nvPr>
+        </p:nvSpPr>
+        <p:spPr>
+          <a:xfrm>
+            <a:off x="1028700" y="8801100"/>
+            <a:ext cx="8229600" cy="7200900"/>
+          </a:xfrm>
+          <a:prstGeom prst="rect">
+            <a:avLst/>
+          </a:prstGeom>
+        </p:spPr>
+        <p:txBody>
+          <a:bodyPr vert="horz" lIns="91440" tIns="45720" rIns="91440" bIns="45720" rtlCol="0"/>
+          <a:lstStyle/>
+          <a:p>
+            <a:pPr lvl="0"/>
+            <a:r>
+              <a:rPr lang="ko-KR" altLang="en-US"/>
+              <a:t>마스터 텍스트 스타일 편집</a:t>
+            </a:r>
+          </a:p>
+          <a:p>
+            <a:pPr lvl="1"/>
+            <a:r>
+              <a:rPr lang="ko-KR" altLang="en-US"/>
+              <a:t>둘째 수준</a:t>
+            </a:r>
+          </a:p>
+          <a:p>
+            <a:pPr lvl="2"/>
+            <a:r>
+              <a:rPr lang="ko-KR" altLang="en-US"/>
+              <a:t>셋째 수준</a:t>
+            </a:r>
+          </a:p>
+          <a:p>
+            <a:pPr lvl="3"/>
+            <a:r>
+              <a:rPr lang="ko-KR" altLang="en-US"/>
+              <a:t>넷째 수준</a:t>
+            </a:r>
+          </a:p>
+          <a:p>
+            <a:pPr lvl="4"/>
+            <a:r>
+              <a:rPr lang="ko-KR" altLang="en-US"/>
+              <a:t>다섯째 수준</a:t>
+            </a:r>
+          </a:p>
+        </p:txBody>
+      </p:sp>
+      <p:sp>
+        <p:nvSpPr>
+          <p:cNvPr id="6" name="바닥글 개체 틀 5"/>
+          <p:cNvSpPr>
+            <a:spLocks noGrp="1"/>
+          </p:cNvSpPr>
+          <p:nvPr>
+            <p:ph type="ftr" sz="quarter" idx="4"/>
+          </p:nvPr>
+        </p:nvSpPr>
+        <p:spPr>
+          <a:xfrm>
+            <a:off x="0" y="17372013"/>
+            <a:ext cx="4457700" cy="915987"/>
+          </a:xfrm>
+          <a:prstGeom prst="rect">
+            <a:avLst/>
+          </a:prstGeom>
+        </p:spPr>
+        <p:txBody>
+          <a:bodyPr vert="horz" lIns="91440" tIns="45720" rIns="91440" bIns="45720" rtlCol="0" anchor="b"/>
+          <a:lstStyle>
+            <a:lvl1pPr algn="l">
+              <a:defRPr sz="1200"/>
+            </a:lvl1pPr>
+          </a:lstStyle>
+          <a:p>
+            <a:endParaRPr lang="ko-KR" altLang="en-US"/>
+          </a:p>
+        </p:txBody>
+      </p:sp>
+      <p:sp>
+        <p:nvSpPr>
+          <p:cNvPr id="7" name="슬라이드 번호 개체 틀 6"/>
+          <p:cNvSpPr>
+            <a:spLocks noGrp="1"/>
+          </p:cNvSpPr>
+          <p:nvPr>
+            <p:ph type="sldNum" sz="quarter" idx="5"/>
+          </p:nvPr>
+        </p:nvSpPr>
+        <p:spPr>
+          <a:xfrm>
+            <a:off x="5827713" y="17372013"/>
+            <a:ext cx="4457700" cy="915987"/>
+          </a:xfrm>
+          <a:prstGeom prst="rect">
+            <a:avLst/>
+          </a:prstGeom>
+        </p:spPr>
+        <p:txBody>
+          <a:bodyPr vert="horz" lIns="91440" tIns="45720" rIns="91440" bIns="45720" rtlCol="0" anchor="b"/>
+          <a:lstStyle>
+            <a:lvl1pPr algn="r">
+              <a:defRPr sz="1200"/>
+            </a:lvl1pPr>
+          </a:lstStyle>
+          <a:p>
+            <a:fld id="{20EBD42C-504D-44F4-A4E8-51DC10ED1D1D}" type="slidenum">
+              <a:rPr lang="ko-KR" altLang="en-US" smtClean="0"/>
+              <a:t>‹#›</a:t>
+            </a:fld>
+            <a:endParaRPr lang="ko-KR" altLang="en-US"/>
+          </a:p>
+        </p:txBody>
+      </p:sp>
+    </p:spTree>
+    <p:extLst>
+      <p:ext uri="{BB962C8B-B14F-4D97-AF65-F5344CB8AC3E}">
+        <p14:creationId xmlns:p14="http://schemas.microsoft.com/office/powerpoint/2010/main" val="2096167577"/>
+      </p:ext>
+    </p:extLst>
+  </p:cSld>
+  <p:clrMap bg1="lt1" tx1="dk1" bg2="lt2" tx2="dk2" accent1="accent1" accent2="accent2" accent3="accent3" accent4="accent4" accent5="accent5" accent6="accent6" hlink="hlink" folHlink="folHlink"/>
+  <p:notesStyle>
+    <a:lvl1pPr marL="0" algn="l" defTabSz="914400" rtl="0" eaLnBrk="1" latinLnBrk="1" hangingPunct="1">
+      <a:defRPr sz="1200" kern="1200">
+        <a:solidFill>
+          <a:schemeClr val="tx1"/>
+        </a:solidFill>
+        <a:latin typeface="+mn-lt"/>
+        <a:ea typeface="+mn-ea"/>
+        <a:cs typeface="+mn-cs"/>
+      </a:defRPr>
+    </a:lvl1pPr>
+    <a:lvl2pPr marL="457200" algn="l" defTabSz="914400" rtl="0" eaLnBrk="1" latinLnBrk="1" hangingPunct="1">
+      <a:defRPr sz="1200" kern="1200">
+        <a:solidFill>
+          <a:schemeClr val="tx1"/>
+        </a:solidFill>
+        <a:latin typeface="+mn-lt"/>
+        <a:ea typeface="+mn-ea"/>
+        <a:cs typeface="+mn-cs"/>
+      </a:defRPr>
+    </a:lvl2pPr>
+    <a:lvl3pPr marL="914400" algn="l" defTabSz="914400" rtl="0" eaLnBrk="1" latinLnBrk="1" hangingPunct="1">
+      <a:defRPr sz="1200" kern="1200">
+        <a:solidFill>
+          <a:schemeClr val="tx1"/>
+        </a:solidFill>
+        <a:latin typeface="+mn-lt"/>
+        <a:ea typeface="+mn-ea"/>
+        <a:cs typeface="+mn-cs"/>
+      </a:defRPr>
+    </a:lvl3pPr>
+    <a:lvl4pPr marL="1371600" algn="l" defTabSz="914400" rtl="0" eaLnBrk="1" latinLnBrk="1" hangingPunct="1">
+      <a:defRPr sz="1200" kern="1200">
+        <a:solidFill>
+          <a:schemeClr val="tx1"/>
+        </a:solidFill>
+        <a:latin typeface="+mn-lt"/>
+        <a:ea typeface="+mn-ea"/>
+        <a:cs typeface="+mn-cs"/>
+      </a:defRPr>
+    </a:lvl4pPr>
+    <a:lvl5pPr marL="1828800" algn="l" defTabSz="914400" rtl="0" eaLnBrk="1" latinLnBrk="1" hangingPunct="1">
+      <a:defRPr sz="1200" kern="1200">
+        <a:solidFill>
+          <a:schemeClr val="tx1"/>
+        </a:solidFill>
+        <a:latin typeface="+mn-lt"/>
+        <a:ea typeface="+mn-ea"/>
+        <a:cs typeface="+mn-cs"/>
+      </a:defRPr>
+    </a:lvl5pPr>
+    <a:lvl6pPr marL="2286000" algn="l" defTabSz="914400" rtl="0" eaLnBrk="1" latinLnBrk="1" hangingPunct="1">
+      <a:defRPr sz="1200" kern="1200">
+        <a:solidFill>
+          <a:schemeClr val="tx1"/>
+        </a:solidFill>
+        <a:latin typeface="+mn-lt"/>
+        <a:ea typeface="+mn-ea"/>
+        <a:cs typeface="+mn-cs"/>
+      </a:defRPr>
+    </a:lvl6pPr>
+    <a:lvl7pPr marL="2743200" algn="l" defTabSz="914400" rtl="0" eaLnBrk="1" latinLnBrk="1" hangingPunct="1">
+      <a:defRPr sz="1200" kern="1200">
+        <a:solidFill>
+          <a:schemeClr val="tx1"/>
+        </a:solidFill>
+        <a:latin typeface="+mn-lt"/>
+        <a:ea typeface="+mn-ea"/>
+        <a:cs typeface="+mn-cs"/>
+      </a:defRPr>
+    </a:lvl7pPr>
+    <a:lvl8pPr marL="3200400" algn="l" defTabSz="914400" rtl="0" eaLnBrk="1" latinLnBrk="1" hangingPunct="1">
+      <a:defRPr sz="1200" kern="1200">
+        <a:solidFill>
+          <a:schemeClr val="tx1"/>
+        </a:solidFill>
+        <a:latin typeface="+mn-lt"/>
+        <a:ea typeface="+mn-ea"/>
+        <a:cs typeface="+mn-cs"/>
+      </a:defRPr>
+    </a:lvl8pPr>
+    <a:lvl9pPr marL="3657600" algn="l" defTabSz="914400" rtl="0" eaLnBrk="1" latinLnBrk="1" hangingPunct="1">
+      <a:defRPr sz="1200" kern="1200">
+        <a:solidFill>
+          <a:schemeClr val="tx1"/>
+        </a:solidFill>
+        <a:latin typeface="+mn-lt"/>
+        <a:ea typeface="+mn-ea"/>
+        <a:cs typeface="+mn-cs"/>
+      </a:defRPr>
+    </a:lvl9pPr>
+  </p:notesStyle>
+</p:notesMaster>
+</file>
+
+<file path=ppt/notesSlides/notesSlide1.xml><?xml version="1.0" encoding="utf-8"?>
+<p:notes xmlns:a="http://schemas.openxmlformats.org/drawingml/2006/main" xmlns:r="http://schemas.openxmlformats.org/officeDocument/2006/relationships" xmlns:p="http://schemas.openxmlformats.org/presentationml/2006/main">
+  <p:cSld>
+    <p:spTree>
+      <p:nvGrpSpPr>
+        <p:cNvPr id="1" name=""/>
+        <p:cNvGrpSpPr/>
+        <p:nvPr/>
+      </p:nvGrpSpPr>
+      <p:grpSpPr>
+        <a:xfrm>
+          <a:off x="0" y="0"/>
+          <a:ext cx="0" cy="0"/>
+          <a:chOff x="0" y="0"/>
+          <a:chExt cx="0" cy="0"/>
+        </a:xfrm>
+      </p:grpSpPr>
+      <p:sp>
+        <p:nvSpPr>
+          <p:cNvPr id="2" name="슬라이드 이미지 개체 틀 1"/>
+          <p:cNvSpPr>
+            <a:spLocks noGrp="1" noRot="1" noChangeAspect="1"/>
+          </p:cNvSpPr>
+          <p:nvPr>
+            <p:ph type="sldImg"/>
+          </p:nvPr>
+        </p:nvSpPr>
+        <p:spPr/>
+      </p:sp>
+      <p:sp>
+        <p:nvSpPr>
+          <p:cNvPr id="3" name="슬라이드 노트 개체 틀 2"/>
+          <p:cNvSpPr>
+            <a:spLocks noGrp="1"/>
+          </p:cNvSpPr>
+          <p:nvPr>
+            <p:ph type="body" idx="1"/>
+          </p:nvPr>
+        </p:nvSpPr>
+        <p:spPr/>
+        <p:txBody>
+          <a:bodyPr/>
+          <a:lstStyle/>
+          <a:p>
+            <a:endParaRPr lang="ko-KR" altLang="en-US" dirty="0"/>
+          </a:p>
+        </p:txBody>
+      </p:sp>
+      <p:sp>
+        <p:nvSpPr>
+          <p:cNvPr id="4" name="슬라이드 번호 개체 틀 3"/>
+          <p:cNvSpPr>
+            <a:spLocks noGrp="1"/>
+          </p:cNvSpPr>
+          <p:nvPr>
+            <p:ph type="sldNum" sz="quarter" idx="10"/>
+          </p:nvPr>
+        </p:nvSpPr>
+        <p:spPr/>
+        <p:txBody>
+          <a:bodyPr/>
+          <a:lstStyle/>
+          <a:p>
+            <a:fld id="{20EBD42C-504D-44F4-A4E8-51DC10ED1D1D}" type="slidenum">
+              <a:rPr lang="ko-KR" altLang="en-US" smtClean="0"/>
+              <a:t>5</a:t>
+            </a:fld>
+            <a:endParaRPr lang="ko-KR" altLang="en-US"/>
+          </a:p>
+        </p:txBody>
+      </p:sp>
+    </p:spTree>
+    <p:extLst>
+      <p:ext uri="{BB962C8B-B14F-4D97-AF65-F5344CB8AC3E}">
+        <p14:creationId xmlns:p14="http://schemas.microsoft.com/office/powerpoint/2010/main" val="1449828866"/>
+      </p:ext>
+    </p:extLst>
+  </p:cSld>
+  <p:clrMapOvr>
+    <a:masterClrMapping/>
+  </p:clrMapOvr>
+</p:notes>
+</file>
+
 <file path=ppt/slideLayouts/slideLayout1.xml><?xml version="1.0" encoding="utf-8"?>
 <p:sldLayout xmlns:a="http://schemas.openxmlformats.org/drawingml/2006/main" xmlns:r="http://schemas.openxmlformats.org/officeDocument/2006/relationships" xmlns:p="http://schemas.openxmlformats.org/presentationml/2006/main" type="title" preserve="1">
   <p:cSld name="Title Slide">
@@ -311,7 +747,7 @@
           <a:p>
             <a:fld id="{F8166F1F-CE9B-4651-A6AA-CD717754106B}" type="datetimeFigureOut">
               <a:rPr lang="en-US" smtClean="0"/>
-              <a:t>4/24/2025</a:t>
+              <a:t>4/25/2025</a:t>
             </a:fld>
             <a:endParaRPr lang="en-US"/>
           </a:p>
@@ -474,7 +910,7 @@
           <a:p>
             <a:fld id="{A76116CE-C4A3-4A05-B2D7-7C2E9A889C0F}" type="datetimeFigureOut">
               <a:rPr lang="en-US" smtClean="0"/>
-              <a:t>4/24/2025</a:t>
+              <a:t>4/25/2025</a:t>
             </a:fld>
             <a:endParaRPr lang="en-US"/>
           </a:p>
@@ -647,7 +1083,7 @@
           <a:p>
             <a:fld id="{A76116CE-C4A3-4A05-B2D7-7C2E9A889C0F}" type="datetimeFigureOut">
               <a:rPr lang="en-US" smtClean="0"/>
-              <a:t>4/24/2025</a:t>
+              <a:t>4/25/2025</a:t>
             </a:fld>
             <a:endParaRPr lang="en-US"/>
           </a:p>
@@ -812,7 +1248,7 @@
           <a:p>
             <a:fld id="{A76116CE-C4A3-4A05-B2D7-7C2E9A889C0F}" type="datetimeFigureOut">
               <a:rPr lang="en-US" smtClean="0"/>
-              <a:t>4/24/2025</a:t>
+              <a:t>4/25/2025</a:t>
             </a:fld>
             <a:endParaRPr lang="en-US"/>
           </a:p>
@@ -1052,7 +1488,7 @@
           <a:p>
             <a:fld id="{A76116CE-C4A3-4A05-B2D7-7C2E9A889C0F}" type="datetimeFigureOut">
               <a:rPr lang="en-US" smtClean="0"/>
-              <a:t>4/24/2025</a:t>
+              <a:t>4/25/2025</a:t>
             </a:fld>
             <a:endParaRPr lang="en-US"/>
           </a:p>
@@ -1332,7 +1768,7 @@
           <a:p>
             <a:fld id="{A76116CE-C4A3-4A05-B2D7-7C2E9A889C0F}" type="datetimeFigureOut">
               <a:rPr lang="en-US" smtClean="0"/>
-              <a:t>4/24/2025</a:t>
+              <a:t>4/25/2025</a:t>
             </a:fld>
             <a:endParaRPr lang="en-US"/>
           </a:p>
@@ -1746,7 +2182,7 @@
           <a:p>
             <a:fld id="{A76116CE-C4A3-4A05-B2D7-7C2E9A889C0F}" type="datetimeFigureOut">
               <a:rPr lang="en-US" smtClean="0"/>
-              <a:t>4/24/2025</a:t>
+              <a:t>4/25/2025</a:t>
             </a:fld>
             <a:endParaRPr lang="en-US"/>
           </a:p>
@@ -1858,7 +2294,7 @@
           <a:p>
             <a:fld id="{A76116CE-C4A3-4A05-B2D7-7C2E9A889C0F}" type="datetimeFigureOut">
               <a:rPr lang="en-US" smtClean="0"/>
-              <a:t>4/24/2025</a:t>
+              <a:t>4/25/2025</a:t>
             </a:fld>
             <a:endParaRPr lang="en-US"/>
           </a:p>
@@ -1948,7 +2384,7 @@
           <a:p>
             <a:fld id="{A76116CE-C4A3-4A05-B2D7-7C2E9A889C0F}" type="datetimeFigureOut">
               <a:rPr lang="en-US" smtClean="0"/>
-              <a:t>4/24/2025</a:t>
+              <a:t>4/25/2025</a:t>
             </a:fld>
             <a:endParaRPr lang="en-US"/>
           </a:p>
@@ -2218,7 +2654,7 @@
           <a:p>
             <a:fld id="{A76116CE-C4A3-4A05-B2D7-7C2E9A889C0F}" type="datetimeFigureOut">
               <a:rPr lang="en-US" smtClean="0"/>
-              <a:t>4/24/2025</a:t>
+              <a:t>4/25/2025</a:t>
             </a:fld>
             <a:endParaRPr lang="en-US"/>
           </a:p>
@@ -2465,7 +2901,7 @@
           <a:p>
             <a:fld id="{A76116CE-C4A3-4A05-B2D7-7C2E9A889C0F}" type="datetimeFigureOut">
               <a:rPr lang="en-US" smtClean="0"/>
-              <a:t>4/24/2025</a:t>
+              <a:t>4/25/2025</a:t>
             </a:fld>
             <a:endParaRPr lang="en-US"/>
           </a:p>
@@ -2671,7 +3107,7 @@
           <a:p>
             <a:fld id="{F8166F1F-CE9B-4651-A6AA-CD717754106B}" type="datetimeFigureOut">
               <a:rPr lang="en-US" smtClean="0"/>
-              <a:t>4/24/2025</a:t>
+              <a:t>4/25/2025</a:t>
             </a:fld>
             <a:endParaRPr lang="en-US"/>
           </a:p>
@@ -8457,1768 +8893,52 @@
           </a:p>
         </p:txBody>
       </p:sp>
-      <p:sp>
-        <p:nvSpPr>
-          <p:cNvPr id="14" name="직사각형 13">
+      <p:pic>
+        <p:nvPicPr>
+          <p:cNvPr id="20" name="그림 19">
             <a:extLst>
               <a:ext uri="{FF2B5EF4-FFF2-40B4-BE49-F238E27FC236}">
-                <a16:creationId xmlns:a16="http://schemas.microsoft.com/office/drawing/2014/main" id="{FFA05188-7AF2-4414-8EC9-85C8A5DC6C4A}"/>
+                <a16:creationId xmlns:a16="http://schemas.microsoft.com/office/drawing/2014/main" id="{D83C8F64-0151-44E2-9DDF-AEC79540C0C4}"/>
               </a:ext>
             </a:extLst>
           </p:cNvPr>
-          <p:cNvSpPr/>
+          <p:cNvPicPr>
+            <a:picLocks noChangeAspect="1"/>
+          </p:cNvPicPr>
           <p:nvPr/>
-        </p:nvSpPr>
+        </p:nvPicPr>
+        <p:blipFill>
+          <a:blip r:embed="rId5"/>
+          <a:stretch>
+            <a:fillRect/>
+          </a:stretch>
+        </p:blipFill>
         <p:spPr>
           <a:xfrm>
-            <a:off x="4486090" y="2603746"/>
-            <a:ext cx="4886510" cy="4562788"/>
+            <a:off x="658507" y="4718520"/>
+            <a:ext cx="16970985" cy="3542488"/>
           </a:xfrm>
           <a:prstGeom prst="rect">
             <a:avLst/>
           </a:prstGeom>
+          <a:ln>
+            <a:noFill/>
+          </a:ln>
+          <a:effectLst>
+            <a:outerShdw blurRad="190500" algn="tl" rotWithShape="0">
+              <a:srgbClr val="000000">
+                <a:alpha val="70000"/>
+              </a:srgbClr>
+            </a:outerShdw>
+          </a:effectLst>
         </p:spPr>
-        <p:txBody>
-          <a:bodyPr wrap="square">
-            <a:spAutoFit/>
-          </a:bodyPr>
-          <a:lstStyle/>
-          <a:p>
-            <a:r>
-              <a:rPr lang="en-US" altLang="ko-KR" sz="1400" b="1" dirty="0">
-                <a:solidFill>
-                  <a:srgbClr val="646464"/>
-                </a:solidFill>
-                <a:latin typeface="Consolas" panose="020B0609020204030204" pitchFamily="49" charset="0"/>
-              </a:rPr>
-              <a:t>CONTROLLER</a:t>
-            </a:r>
-          </a:p>
-          <a:p>
-            <a:endParaRPr lang="en-US" altLang="ko-KR" sz="1400" b="1" dirty="0">
-              <a:solidFill>
-                <a:srgbClr val="646464"/>
-              </a:solidFill>
-              <a:latin typeface="Consolas" panose="020B0609020204030204" pitchFamily="49" charset="0"/>
-            </a:endParaRPr>
-          </a:p>
-          <a:p>
-            <a:r>
-              <a:rPr lang="en-US" altLang="ko-KR" sz="1050" dirty="0">
-                <a:solidFill>
-                  <a:srgbClr val="646464"/>
-                </a:solidFill>
-                <a:latin typeface="Consolas" panose="020B0609020204030204" pitchFamily="49" charset="0"/>
-              </a:rPr>
-              <a:t>@</a:t>
-            </a:r>
-            <a:r>
-              <a:rPr lang="en-US" altLang="ko-KR" sz="1050" dirty="0" err="1">
-                <a:solidFill>
-                  <a:srgbClr val="646464"/>
-                </a:solidFill>
-                <a:latin typeface="Consolas" panose="020B0609020204030204" pitchFamily="49" charset="0"/>
-              </a:rPr>
-              <a:t>PostMapping</a:t>
-            </a:r>
-            <a:r>
-              <a:rPr lang="en-US" altLang="ko-KR" sz="1050" dirty="0">
-                <a:solidFill>
-                  <a:srgbClr val="000000"/>
-                </a:solidFill>
-                <a:latin typeface="Consolas" panose="020B0609020204030204" pitchFamily="49" charset="0"/>
-              </a:rPr>
-              <a:t>(</a:t>
-            </a:r>
-            <a:r>
-              <a:rPr lang="en-US" altLang="ko-KR" sz="1050" dirty="0">
-                <a:solidFill>
-                  <a:srgbClr val="2A00FF"/>
-                </a:solidFill>
-                <a:latin typeface="Consolas" panose="020B0609020204030204" pitchFamily="49" charset="0"/>
-              </a:rPr>
-              <a:t>"/login"</a:t>
-            </a:r>
-            <a:r>
-              <a:rPr lang="en-US" altLang="ko-KR" sz="1050" dirty="0">
-                <a:solidFill>
-                  <a:srgbClr val="000000"/>
-                </a:solidFill>
-                <a:latin typeface="Consolas" panose="020B0609020204030204" pitchFamily="49" charset="0"/>
-              </a:rPr>
-              <a:t>)</a:t>
-            </a:r>
-          </a:p>
-          <a:p>
-            <a:r>
-              <a:rPr lang="en-US" altLang="ko-KR" sz="1050" b="1" dirty="0">
-                <a:solidFill>
-                  <a:srgbClr val="7F0055"/>
-                </a:solidFill>
-                <a:latin typeface="Consolas" panose="020B0609020204030204" pitchFamily="49" charset="0"/>
-              </a:rPr>
-              <a:t>public</a:t>
-            </a:r>
-            <a:r>
-              <a:rPr lang="en-US" altLang="ko-KR" sz="1050" dirty="0">
-                <a:solidFill>
-                  <a:srgbClr val="000000"/>
-                </a:solidFill>
-                <a:latin typeface="Consolas" panose="020B0609020204030204" pitchFamily="49" charset="0"/>
-              </a:rPr>
-              <a:t> </a:t>
-            </a:r>
-            <a:r>
-              <a:rPr lang="en-US" altLang="ko-KR" sz="1050" dirty="0" err="1">
-                <a:solidFill>
-                  <a:srgbClr val="000000"/>
-                </a:solidFill>
-                <a:latin typeface="Consolas" panose="020B0609020204030204" pitchFamily="49" charset="0"/>
-              </a:rPr>
-              <a:t>ResponseEntity</a:t>
-            </a:r>
-            <a:r>
-              <a:rPr lang="en-US" altLang="ko-KR" sz="1050" dirty="0">
-                <a:solidFill>
-                  <a:srgbClr val="000000"/>
-                </a:solidFill>
-                <a:latin typeface="Consolas" panose="020B0609020204030204" pitchFamily="49" charset="0"/>
-              </a:rPr>
-              <a:t>&lt;?&gt; login(</a:t>
-            </a:r>
-            <a:r>
-              <a:rPr lang="en-US" altLang="ko-KR" sz="1050" dirty="0">
-                <a:solidFill>
-                  <a:srgbClr val="646464"/>
-                </a:solidFill>
-                <a:latin typeface="Consolas" panose="020B0609020204030204" pitchFamily="49" charset="0"/>
-              </a:rPr>
-              <a:t>@</a:t>
-            </a:r>
-            <a:r>
-              <a:rPr lang="en-US" altLang="ko-KR" sz="1050" dirty="0" err="1">
-                <a:solidFill>
-                  <a:srgbClr val="646464"/>
-                </a:solidFill>
-                <a:latin typeface="Consolas" panose="020B0609020204030204" pitchFamily="49" charset="0"/>
-              </a:rPr>
-              <a:t>RequestBody</a:t>
-            </a:r>
-            <a:r>
-              <a:rPr lang="en-US" altLang="ko-KR" sz="1050" dirty="0">
-                <a:solidFill>
-                  <a:srgbClr val="000000"/>
-                </a:solidFill>
-                <a:latin typeface="Consolas" panose="020B0609020204030204" pitchFamily="49" charset="0"/>
-              </a:rPr>
-              <a:t> User </a:t>
-            </a:r>
-            <a:r>
-              <a:rPr lang="en-US" altLang="ko-KR" sz="1050" dirty="0" err="1">
-                <a:solidFill>
-                  <a:srgbClr val="6A3E3E"/>
-                </a:solidFill>
-                <a:latin typeface="Consolas" panose="020B0609020204030204" pitchFamily="49" charset="0"/>
-              </a:rPr>
-              <a:t>userinfo</a:t>
-            </a:r>
-            <a:r>
-              <a:rPr lang="en-US" altLang="ko-KR" sz="1050" dirty="0">
-                <a:solidFill>
-                  <a:srgbClr val="000000"/>
-                </a:solidFill>
-                <a:latin typeface="Consolas" panose="020B0609020204030204" pitchFamily="49" charset="0"/>
-              </a:rPr>
-              <a:t>) {</a:t>
-            </a:r>
-          </a:p>
-          <a:p>
-            <a:r>
-              <a:rPr lang="en-US" altLang="ko-KR" sz="1050" dirty="0">
-                <a:solidFill>
-                  <a:srgbClr val="000000"/>
-                </a:solidFill>
-                <a:latin typeface="Consolas" panose="020B0609020204030204" pitchFamily="49" charset="0"/>
-              </a:rPr>
-              <a:t>String </a:t>
-            </a:r>
-            <a:r>
-              <a:rPr lang="en-US" altLang="ko-KR" sz="1050" u="sng" dirty="0" err="1">
-                <a:solidFill>
-                  <a:srgbClr val="0066CC"/>
-                </a:solidFill>
-                <a:latin typeface="Consolas" panose="020B0609020204030204" pitchFamily="49" charset="0"/>
-              </a:rPr>
-              <a:t>userid</a:t>
-            </a:r>
-            <a:r>
-              <a:rPr lang="en-US" altLang="ko-KR" sz="1050" dirty="0">
-                <a:solidFill>
-                  <a:srgbClr val="000000"/>
-                </a:solidFill>
-                <a:latin typeface="Consolas" panose="020B0609020204030204" pitchFamily="49" charset="0"/>
-              </a:rPr>
-              <a:t> = </a:t>
-            </a:r>
-            <a:r>
-              <a:rPr lang="en-US" altLang="ko-KR" sz="1050" dirty="0" err="1">
-                <a:solidFill>
-                  <a:srgbClr val="6A3E3E"/>
-                </a:solidFill>
-                <a:latin typeface="Consolas" panose="020B0609020204030204" pitchFamily="49" charset="0"/>
-              </a:rPr>
-              <a:t>userinfo</a:t>
-            </a:r>
-            <a:r>
-              <a:rPr lang="en-US" altLang="ko-KR" sz="1050" dirty="0" err="1">
-                <a:solidFill>
-                  <a:srgbClr val="000000"/>
-                </a:solidFill>
-                <a:latin typeface="Consolas" panose="020B0609020204030204" pitchFamily="49" charset="0"/>
-              </a:rPr>
-              <a:t>.getUserid</a:t>
-            </a:r>
-            <a:r>
-              <a:rPr lang="en-US" altLang="ko-KR" sz="1050" dirty="0">
-                <a:solidFill>
-                  <a:srgbClr val="000000"/>
-                </a:solidFill>
-                <a:latin typeface="Consolas" panose="020B0609020204030204" pitchFamily="49" charset="0"/>
-              </a:rPr>
-              <a:t>();</a:t>
-            </a:r>
-          </a:p>
-          <a:p>
-            <a:r>
-              <a:rPr lang="en-US" altLang="ko-KR" sz="1050" dirty="0">
-                <a:solidFill>
-                  <a:srgbClr val="000000"/>
-                </a:solidFill>
-                <a:latin typeface="Consolas" panose="020B0609020204030204" pitchFamily="49" charset="0"/>
-              </a:rPr>
-              <a:t>String </a:t>
-            </a:r>
-            <a:r>
-              <a:rPr lang="en-US" altLang="ko-KR" sz="1050" dirty="0" err="1">
-                <a:solidFill>
-                  <a:srgbClr val="6A3E3E"/>
-                </a:solidFill>
-                <a:latin typeface="Consolas" panose="020B0609020204030204" pitchFamily="49" charset="0"/>
-              </a:rPr>
-              <a:t>userpwd</a:t>
-            </a:r>
-            <a:r>
-              <a:rPr lang="en-US" altLang="ko-KR" sz="1050" dirty="0">
-                <a:solidFill>
-                  <a:srgbClr val="000000"/>
-                </a:solidFill>
-                <a:latin typeface="Consolas" panose="020B0609020204030204" pitchFamily="49" charset="0"/>
-              </a:rPr>
-              <a:t> = </a:t>
-            </a:r>
-            <a:r>
-              <a:rPr lang="en-US" altLang="ko-KR" sz="1050" dirty="0" err="1">
-                <a:solidFill>
-                  <a:srgbClr val="6A3E3E"/>
-                </a:solidFill>
-                <a:latin typeface="Consolas" panose="020B0609020204030204" pitchFamily="49" charset="0"/>
-              </a:rPr>
-              <a:t>userinfo</a:t>
-            </a:r>
-            <a:r>
-              <a:rPr lang="en-US" altLang="ko-KR" sz="1050" dirty="0" err="1">
-                <a:solidFill>
-                  <a:srgbClr val="000000"/>
-                </a:solidFill>
-                <a:latin typeface="Consolas" panose="020B0609020204030204" pitchFamily="49" charset="0"/>
-              </a:rPr>
-              <a:t>.getUserpwd</a:t>
-            </a:r>
-            <a:r>
-              <a:rPr lang="en-US" altLang="ko-KR" sz="1050" dirty="0">
-                <a:solidFill>
-                  <a:srgbClr val="000000"/>
-                </a:solidFill>
-                <a:latin typeface="Consolas" panose="020B0609020204030204" pitchFamily="49" charset="0"/>
-              </a:rPr>
-              <a:t>();</a:t>
-            </a:r>
-          </a:p>
-          <a:p>
-            <a:r>
-              <a:rPr lang="en-US" altLang="ko-KR" sz="1050" dirty="0" err="1">
-                <a:solidFill>
-                  <a:srgbClr val="000000"/>
-                </a:solidFill>
-                <a:latin typeface="Consolas" panose="020B0609020204030204" pitchFamily="49" charset="0"/>
-              </a:rPr>
-              <a:t>System.</a:t>
-            </a:r>
-            <a:r>
-              <a:rPr lang="en-US" altLang="ko-KR" sz="1050" b="1" i="1" dirty="0" err="1">
-                <a:solidFill>
-                  <a:srgbClr val="0000C0"/>
-                </a:solidFill>
-                <a:latin typeface="Consolas" panose="020B0609020204030204" pitchFamily="49" charset="0"/>
-              </a:rPr>
-              <a:t>out</a:t>
-            </a:r>
-            <a:r>
-              <a:rPr lang="en-US" altLang="ko-KR" sz="1050" dirty="0" err="1">
-                <a:solidFill>
-                  <a:srgbClr val="000000"/>
-                </a:solidFill>
-                <a:latin typeface="Consolas" panose="020B0609020204030204" pitchFamily="49" charset="0"/>
-              </a:rPr>
-              <a:t>.println</a:t>
-            </a:r>
-            <a:r>
-              <a:rPr lang="en-US" altLang="ko-KR" sz="1050" dirty="0">
-                <a:solidFill>
-                  <a:srgbClr val="000000"/>
-                </a:solidFill>
-                <a:latin typeface="Consolas" panose="020B0609020204030204" pitchFamily="49" charset="0"/>
-              </a:rPr>
-              <a:t>(</a:t>
-            </a:r>
-            <a:r>
-              <a:rPr lang="en-US" altLang="ko-KR" sz="1050" dirty="0" err="1">
-                <a:solidFill>
-                  <a:srgbClr val="6A3E3E"/>
-                </a:solidFill>
-                <a:latin typeface="Consolas" panose="020B0609020204030204" pitchFamily="49" charset="0"/>
-              </a:rPr>
-              <a:t>userid</a:t>
-            </a:r>
-            <a:r>
-              <a:rPr lang="en-US" altLang="ko-KR" sz="1050" dirty="0">
-                <a:solidFill>
-                  <a:srgbClr val="000000"/>
-                </a:solidFill>
-                <a:latin typeface="Consolas" panose="020B0609020204030204" pitchFamily="49" charset="0"/>
-              </a:rPr>
-              <a:t>);</a:t>
-            </a:r>
-          </a:p>
-          <a:p>
-            <a:r>
-              <a:rPr lang="en-US" altLang="ko-KR" sz="1050" dirty="0" err="1">
-                <a:solidFill>
-                  <a:srgbClr val="000000"/>
-                </a:solidFill>
-                <a:latin typeface="Consolas" panose="020B0609020204030204" pitchFamily="49" charset="0"/>
-              </a:rPr>
-              <a:t>System.</a:t>
-            </a:r>
-            <a:r>
-              <a:rPr lang="en-US" altLang="ko-KR" sz="1050" b="1" i="1" dirty="0" err="1">
-                <a:solidFill>
-                  <a:srgbClr val="0000C0"/>
-                </a:solidFill>
-                <a:latin typeface="Consolas" panose="020B0609020204030204" pitchFamily="49" charset="0"/>
-              </a:rPr>
-              <a:t>out</a:t>
-            </a:r>
-            <a:r>
-              <a:rPr lang="en-US" altLang="ko-KR" sz="1050" dirty="0" err="1">
-                <a:solidFill>
-                  <a:srgbClr val="000000"/>
-                </a:solidFill>
-                <a:latin typeface="Consolas" panose="020B0609020204030204" pitchFamily="49" charset="0"/>
-              </a:rPr>
-              <a:t>.println</a:t>
-            </a:r>
-            <a:r>
-              <a:rPr lang="en-US" altLang="ko-KR" sz="1050" dirty="0">
-                <a:solidFill>
-                  <a:srgbClr val="000000"/>
-                </a:solidFill>
-                <a:latin typeface="Consolas" panose="020B0609020204030204" pitchFamily="49" charset="0"/>
-              </a:rPr>
-              <a:t>(</a:t>
-            </a:r>
-            <a:r>
-              <a:rPr lang="en-US" altLang="ko-KR" sz="1050" dirty="0" err="1">
-                <a:solidFill>
-                  <a:srgbClr val="6A3E3E"/>
-                </a:solidFill>
-                <a:latin typeface="Consolas" panose="020B0609020204030204" pitchFamily="49" charset="0"/>
-              </a:rPr>
-              <a:t>userpwd</a:t>
-            </a:r>
-            <a:r>
-              <a:rPr lang="en-US" altLang="ko-KR" sz="1050" dirty="0">
-                <a:solidFill>
-                  <a:srgbClr val="000000"/>
-                </a:solidFill>
-                <a:latin typeface="Consolas" panose="020B0609020204030204" pitchFamily="49" charset="0"/>
-              </a:rPr>
-              <a:t>);</a:t>
-            </a:r>
-          </a:p>
-          <a:p>
-            <a:r>
-              <a:rPr lang="en-US" altLang="ko-KR" sz="1050" dirty="0">
-                <a:solidFill>
-                  <a:srgbClr val="000000"/>
-                </a:solidFill>
-                <a:latin typeface="Consolas" panose="020B0609020204030204" pitchFamily="49" charset="0"/>
-              </a:rPr>
-              <a:t>User </a:t>
-            </a:r>
-            <a:r>
-              <a:rPr lang="en-US" altLang="ko-KR" sz="1050" dirty="0" err="1">
-                <a:solidFill>
-                  <a:srgbClr val="6A3E3E"/>
-                </a:solidFill>
-                <a:latin typeface="Consolas" panose="020B0609020204030204" pitchFamily="49" charset="0"/>
-              </a:rPr>
-              <a:t>user</a:t>
-            </a:r>
-            <a:r>
-              <a:rPr lang="en-US" altLang="ko-KR" sz="1050" dirty="0">
-                <a:solidFill>
-                  <a:srgbClr val="000000"/>
-                </a:solidFill>
-                <a:latin typeface="Consolas" panose="020B0609020204030204" pitchFamily="49" charset="0"/>
-              </a:rPr>
-              <a:t> = </a:t>
-            </a:r>
-            <a:r>
-              <a:rPr lang="en-US" altLang="ko-KR" sz="1050" dirty="0" err="1">
-                <a:solidFill>
-                  <a:srgbClr val="0000C0"/>
-                </a:solidFill>
-                <a:latin typeface="Consolas" panose="020B0609020204030204" pitchFamily="49" charset="0"/>
-              </a:rPr>
-              <a:t>stockService</a:t>
-            </a:r>
-            <a:r>
-              <a:rPr lang="en-US" altLang="ko-KR" sz="1050" dirty="0" err="1">
-                <a:solidFill>
-                  <a:srgbClr val="000000"/>
-                </a:solidFill>
-                <a:latin typeface="Consolas" panose="020B0609020204030204" pitchFamily="49" charset="0"/>
-              </a:rPr>
-              <a:t>.login</a:t>
-            </a:r>
-            <a:r>
-              <a:rPr lang="en-US" altLang="ko-KR" sz="1050" dirty="0">
-                <a:solidFill>
-                  <a:srgbClr val="000000"/>
-                </a:solidFill>
-                <a:latin typeface="Consolas" panose="020B0609020204030204" pitchFamily="49" charset="0"/>
-              </a:rPr>
-              <a:t>(</a:t>
-            </a:r>
-            <a:r>
-              <a:rPr lang="en-US" altLang="ko-KR" sz="1050" dirty="0" err="1">
-                <a:solidFill>
-                  <a:srgbClr val="6A3E3E"/>
-                </a:solidFill>
-                <a:latin typeface="Consolas" panose="020B0609020204030204" pitchFamily="49" charset="0"/>
-              </a:rPr>
-              <a:t>userid</a:t>
-            </a:r>
-            <a:r>
-              <a:rPr lang="en-US" altLang="ko-KR" sz="1050" dirty="0">
-                <a:solidFill>
-                  <a:srgbClr val="000000"/>
-                </a:solidFill>
-                <a:latin typeface="Consolas" panose="020B0609020204030204" pitchFamily="49" charset="0"/>
-              </a:rPr>
-              <a:t>, </a:t>
-            </a:r>
-            <a:r>
-              <a:rPr lang="en-US" altLang="ko-KR" sz="1050" dirty="0" err="1">
-                <a:solidFill>
-                  <a:srgbClr val="6A3E3E"/>
-                </a:solidFill>
-                <a:latin typeface="Consolas" panose="020B0609020204030204" pitchFamily="49" charset="0"/>
-              </a:rPr>
-              <a:t>userpwd</a:t>
-            </a:r>
-            <a:r>
-              <a:rPr lang="en-US" altLang="ko-KR" sz="1050" dirty="0">
-                <a:solidFill>
-                  <a:srgbClr val="000000"/>
-                </a:solidFill>
-                <a:latin typeface="Consolas" panose="020B0609020204030204" pitchFamily="49" charset="0"/>
-              </a:rPr>
-              <a:t>);</a:t>
-            </a:r>
-          </a:p>
-          <a:p>
-            <a:r>
-              <a:rPr lang="en-US" altLang="ko-KR" sz="1050" dirty="0" err="1">
-                <a:solidFill>
-                  <a:srgbClr val="000000"/>
-                </a:solidFill>
-                <a:latin typeface="Consolas" panose="020B0609020204030204" pitchFamily="49" charset="0"/>
-              </a:rPr>
-              <a:t>System.</a:t>
-            </a:r>
-            <a:r>
-              <a:rPr lang="en-US" altLang="ko-KR" sz="1050" b="1" i="1" dirty="0" err="1">
-                <a:solidFill>
-                  <a:srgbClr val="0000C0"/>
-                </a:solidFill>
-                <a:latin typeface="Consolas" panose="020B0609020204030204" pitchFamily="49" charset="0"/>
-              </a:rPr>
-              <a:t>out</a:t>
-            </a:r>
-            <a:r>
-              <a:rPr lang="en-US" altLang="ko-KR" sz="1050" dirty="0" err="1">
-                <a:solidFill>
-                  <a:srgbClr val="000000"/>
-                </a:solidFill>
-                <a:latin typeface="Consolas" panose="020B0609020204030204" pitchFamily="49" charset="0"/>
-              </a:rPr>
-              <a:t>.println</a:t>
-            </a:r>
-            <a:r>
-              <a:rPr lang="en-US" altLang="ko-KR" sz="1050" dirty="0">
-                <a:solidFill>
-                  <a:srgbClr val="000000"/>
-                </a:solidFill>
-                <a:latin typeface="Consolas" panose="020B0609020204030204" pitchFamily="49" charset="0"/>
-              </a:rPr>
-              <a:t>(</a:t>
-            </a:r>
-            <a:r>
-              <a:rPr lang="en-US" altLang="ko-KR" sz="1050" dirty="0">
-                <a:solidFill>
-                  <a:srgbClr val="6A3E3E"/>
-                </a:solidFill>
-                <a:latin typeface="Consolas" panose="020B0609020204030204" pitchFamily="49" charset="0"/>
-              </a:rPr>
-              <a:t>user</a:t>
-            </a:r>
-            <a:r>
-              <a:rPr lang="en-US" altLang="ko-KR" sz="1050" dirty="0">
-                <a:solidFill>
-                  <a:srgbClr val="000000"/>
-                </a:solidFill>
-                <a:latin typeface="Consolas" panose="020B0609020204030204" pitchFamily="49" charset="0"/>
-              </a:rPr>
-              <a:t>);</a:t>
-            </a:r>
-          </a:p>
-          <a:p>
-            <a:r>
-              <a:rPr lang="en-US" altLang="ko-KR" sz="1050" b="1" dirty="0">
-                <a:solidFill>
-                  <a:srgbClr val="7F0055"/>
-                </a:solidFill>
-                <a:latin typeface="Consolas" panose="020B0609020204030204" pitchFamily="49" charset="0"/>
-              </a:rPr>
-              <a:t>if</a:t>
-            </a:r>
-            <a:r>
-              <a:rPr lang="en-US" altLang="ko-KR" sz="1050" dirty="0">
-                <a:solidFill>
-                  <a:srgbClr val="000000"/>
-                </a:solidFill>
-                <a:latin typeface="Consolas" panose="020B0609020204030204" pitchFamily="49" charset="0"/>
-              </a:rPr>
-              <a:t> (</a:t>
-            </a:r>
-            <a:r>
-              <a:rPr lang="en-US" altLang="ko-KR" sz="1050" dirty="0">
-                <a:solidFill>
-                  <a:srgbClr val="6A3E3E"/>
-                </a:solidFill>
-                <a:latin typeface="Consolas" panose="020B0609020204030204" pitchFamily="49" charset="0"/>
-              </a:rPr>
-              <a:t>user</a:t>
-            </a:r>
-            <a:r>
-              <a:rPr lang="en-US" altLang="ko-KR" sz="1050" dirty="0">
-                <a:solidFill>
-                  <a:srgbClr val="000000"/>
-                </a:solidFill>
-                <a:latin typeface="Consolas" panose="020B0609020204030204" pitchFamily="49" charset="0"/>
-              </a:rPr>
-              <a:t> == </a:t>
-            </a:r>
-            <a:r>
-              <a:rPr lang="en-US" altLang="ko-KR" sz="1050" b="1" dirty="0">
-                <a:solidFill>
-                  <a:srgbClr val="7F0055"/>
-                </a:solidFill>
-                <a:latin typeface="Consolas" panose="020B0609020204030204" pitchFamily="49" charset="0"/>
-              </a:rPr>
-              <a:t>null</a:t>
-            </a:r>
-            <a:r>
-              <a:rPr lang="en-US" altLang="ko-KR" sz="1050" dirty="0">
-                <a:solidFill>
-                  <a:srgbClr val="000000"/>
-                </a:solidFill>
-                <a:latin typeface="Consolas" panose="020B0609020204030204" pitchFamily="49" charset="0"/>
-              </a:rPr>
-              <a:t>) {</a:t>
-            </a:r>
-          </a:p>
-          <a:p>
-            <a:r>
-              <a:rPr lang="en-US" altLang="ko-KR" sz="1050" b="1" dirty="0">
-                <a:solidFill>
-                  <a:srgbClr val="7F0055"/>
-                </a:solidFill>
-                <a:latin typeface="Consolas" panose="020B0609020204030204" pitchFamily="49" charset="0"/>
-              </a:rPr>
-              <a:t>return</a:t>
-            </a:r>
-            <a:r>
-              <a:rPr lang="en-US" altLang="ko-KR" sz="1050" dirty="0">
-                <a:solidFill>
-                  <a:srgbClr val="000000"/>
-                </a:solidFill>
-                <a:latin typeface="Consolas" panose="020B0609020204030204" pitchFamily="49" charset="0"/>
-              </a:rPr>
-              <a:t> </a:t>
-            </a:r>
-            <a:r>
-              <a:rPr lang="en-US" altLang="ko-KR" sz="1050" dirty="0" err="1">
-                <a:solidFill>
-                  <a:srgbClr val="000000"/>
-                </a:solidFill>
-                <a:latin typeface="Consolas" panose="020B0609020204030204" pitchFamily="49" charset="0"/>
-              </a:rPr>
-              <a:t>ResponseEntity.</a:t>
-            </a:r>
-            <a:r>
-              <a:rPr lang="en-US" altLang="ko-KR" sz="1050" i="1" dirty="0" err="1">
-                <a:solidFill>
-                  <a:srgbClr val="000000"/>
-                </a:solidFill>
-                <a:latin typeface="Consolas" panose="020B0609020204030204" pitchFamily="49" charset="0"/>
-              </a:rPr>
-              <a:t>status</a:t>
-            </a:r>
-            <a:r>
-              <a:rPr lang="en-US" altLang="ko-KR" sz="1050" dirty="0">
-                <a:solidFill>
-                  <a:srgbClr val="000000"/>
-                </a:solidFill>
-                <a:latin typeface="Consolas" panose="020B0609020204030204" pitchFamily="49" charset="0"/>
-              </a:rPr>
-              <a:t>(</a:t>
-            </a:r>
-            <a:r>
-              <a:rPr lang="en-US" altLang="ko-KR" sz="1050" dirty="0" err="1">
-                <a:solidFill>
-                  <a:srgbClr val="000000"/>
-                </a:solidFill>
-                <a:latin typeface="Consolas" panose="020B0609020204030204" pitchFamily="49" charset="0"/>
-              </a:rPr>
-              <a:t>HttpStatus.</a:t>
-            </a:r>
-            <a:r>
-              <a:rPr lang="en-US" altLang="ko-KR" sz="1050" b="1" i="1" dirty="0" err="1">
-                <a:solidFill>
-                  <a:srgbClr val="0000C0"/>
-                </a:solidFill>
-                <a:latin typeface="Consolas" panose="020B0609020204030204" pitchFamily="49" charset="0"/>
-              </a:rPr>
-              <a:t>UNAUTHORIZED</a:t>
-            </a:r>
-            <a:r>
-              <a:rPr lang="en-US" altLang="ko-KR" sz="1050" dirty="0">
-                <a:solidFill>
-                  <a:srgbClr val="000000"/>
-                </a:solidFill>
-                <a:latin typeface="Consolas" panose="020B0609020204030204" pitchFamily="49" charset="0"/>
-              </a:rPr>
-              <a:t>).body(</a:t>
-            </a:r>
-            <a:r>
-              <a:rPr lang="en-US" altLang="ko-KR" sz="1050" dirty="0">
-                <a:solidFill>
-                  <a:srgbClr val="2A00FF"/>
-                </a:solidFill>
-                <a:latin typeface="Consolas" panose="020B0609020204030204" pitchFamily="49" charset="0"/>
-              </a:rPr>
-              <a:t>"</a:t>
-            </a:r>
-            <a:r>
-              <a:rPr lang="ko-KR" altLang="en-US" sz="1050" dirty="0">
-                <a:solidFill>
-                  <a:srgbClr val="2A00FF"/>
-                </a:solidFill>
-                <a:latin typeface="Consolas" panose="020B0609020204030204" pitchFamily="49" charset="0"/>
-              </a:rPr>
-              <a:t>아이디</a:t>
-            </a:r>
-            <a:r>
-              <a:rPr lang="en-US" altLang="ko-KR" sz="1050" dirty="0">
-                <a:solidFill>
-                  <a:srgbClr val="2A00FF"/>
-                </a:solidFill>
-                <a:latin typeface="Consolas" panose="020B0609020204030204" pitchFamily="49" charset="0"/>
-              </a:rPr>
-              <a:t>/</a:t>
-            </a:r>
-            <a:r>
-              <a:rPr lang="ko-KR" altLang="en-US" sz="1050" dirty="0">
-                <a:solidFill>
-                  <a:srgbClr val="2A00FF"/>
-                </a:solidFill>
-                <a:latin typeface="Consolas" panose="020B0609020204030204" pitchFamily="49" charset="0"/>
-              </a:rPr>
-              <a:t>비번이 잘못되었습니다</a:t>
-            </a:r>
-            <a:r>
-              <a:rPr lang="en-US" altLang="ko-KR" sz="1050" dirty="0">
-                <a:solidFill>
-                  <a:srgbClr val="2A00FF"/>
-                </a:solidFill>
-                <a:latin typeface="Consolas" panose="020B0609020204030204" pitchFamily="49" charset="0"/>
-              </a:rPr>
-              <a:t>"</a:t>
-            </a:r>
-            <a:r>
-              <a:rPr lang="en-US" altLang="ko-KR" sz="1050" dirty="0">
-                <a:solidFill>
-                  <a:srgbClr val="000000"/>
-                </a:solidFill>
-                <a:latin typeface="Consolas" panose="020B0609020204030204" pitchFamily="49" charset="0"/>
-              </a:rPr>
-              <a:t>);</a:t>
-            </a:r>
-          </a:p>
-          <a:p>
-            <a:r>
-              <a:rPr lang="en-US" altLang="ko-KR" sz="1050" dirty="0">
-                <a:solidFill>
-                  <a:srgbClr val="000000"/>
-                </a:solidFill>
-                <a:latin typeface="Consolas" panose="020B0609020204030204" pitchFamily="49" charset="0"/>
-              </a:rPr>
-              <a:t>}</a:t>
-            </a:r>
-          </a:p>
-          <a:p>
-            <a:br>
-              <a:rPr lang="en-US" altLang="ko-KR" sz="1050" dirty="0">
-                <a:solidFill>
-                  <a:srgbClr val="000000"/>
-                </a:solidFill>
-                <a:latin typeface="Consolas" panose="020B0609020204030204" pitchFamily="49" charset="0"/>
-              </a:rPr>
-            </a:br>
-            <a:endParaRPr lang="en-US" altLang="ko-KR" sz="1050" dirty="0">
-              <a:solidFill>
-                <a:srgbClr val="000000"/>
-              </a:solidFill>
-              <a:latin typeface="Consolas" panose="020B0609020204030204" pitchFamily="49" charset="0"/>
-            </a:endParaRPr>
-          </a:p>
-          <a:p>
-            <a:r>
-              <a:rPr lang="en-US" altLang="ko-KR" sz="1050" dirty="0">
-                <a:solidFill>
-                  <a:srgbClr val="000000"/>
-                </a:solidFill>
-                <a:latin typeface="Consolas" panose="020B0609020204030204" pitchFamily="49" charset="0"/>
-              </a:rPr>
-              <a:t>Map&lt;String, Object&gt; </a:t>
-            </a:r>
-            <a:r>
-              <a:rPr lang="en-US" altLang="ko-KR" sz="1050" dirty="0">
-                <a:solidFill>
-                  <a:srgbClr val="6A3E3E"/>
-                </a:solidFill>
-                <a:latin typeface="Consolas" panose="020B0609020204030204" pitchFamily="49" charset="0"/>
-              </a:rPr>
-              <a:t>result</a:t>
-            </a:r>
-            <a:r>
-              <a:rPr lang="en-US" altLang="ko-KR" sz="1050" dirty="0">
-                <a:solidFill>
-                  <a:srgbClr val="000000"/>
-                </a:solidFill>
-                <a:latin typeface="Consolas" panose="020B0609020204030204" pitchFamily="49" charset="0"/>
-              </a:rPr>
-              <a:t> = </a:t>
-            </a:r>
-            <a:r>
-              <a:rPr lang="en-US" altLang="ko-KR" sz="1050" b="1" dirty="0">
-                <a:solidFill>
-                  <a:srgbClr val="7F0055"/>
-                </a:solidFill>
-                <a:latin typeface="Consolas" panose="020B0609020204030204" pitchFamily="49" charset="0"/>
-              </a:rPr>
-              <a:t>new</a:t>
-            </a:r>
-            <a:r>
-              <a:rPr lang="en-US" altLang="ko-KR" sz="1050" dirty="0">
-                <a:solidFill>
-                  <a:srgbClr val="000000"/>
-                </a:solidFill>
-                <a:latin typeface="Consolas" panose="020B0609020204030204" pitchFamily="49" charset="0"/>
-              </a:rPr>
-              <a:t> HashMap&lt;&gt;();</a:t>
-            </a:r>
-          </a:p>
-          <a:p>
-            <a:r>
-              <a:rPr lang="en-US" altLang="ko-KR" sz="1050" dirty="0" err="1">
-                <a:solidFill>
-                  <a:srgbClr val="6A3E3E"/>
-                </a:solidFill>
-                <a:latin typeface="Consolas" panose="020B0609020204030204" pitchFamily="49" charset="0"/>
-              </a:rPr>
-              <a:t>result</a:t>
-            </a:r>
-            <a:r>
-              <a:rPr lang="en-US" altLang="ko-KR" sz="1050" dirty="0" err="1">
-                <a:solidFill>
-                  <a:srgbClr val="000000"/>
-                </a:solidFill>
-                <a:latin typeface="Consolas" panose="020B0609020204030204" pitchFamily="49" charset="0"/>
-              </a:rPr>
-              <a:t>.put</a:t>
-            </a:r>
-            <a:r>
-              <a:rPr lang="en-US" altLang="ko-KR" sz="1050" dirty="0">
-                <a:solidFill>
-                  <a:srgbClr val="000000"/>
-                </a:solidFill>
-                <a:latin typeface="Consolas" panose="020B0609020204030204" pitchFamily="49" charset="0"/>
-              </a:rPr>
-              <a:t>(</a:t>
-            </a:r>
-            <a:r>
-              <a:rPr lang="en-US" altLang="ko-KR" sz="1050" dirty="0">
-                <a:solidFill>
-                  <a:srgbClr val="2A00FF"/>
-                </a:solidFill>
-                <a:latin typeface="Consolas" panose="020B0609020204030204" pitchFamily="49" charset="0"/>
-              </a:rPr>
-              <a:t>"</a:t>
-            </a:r>
-            <a:r>
-              <a:rPr lang="en-US" altLang="ko-KR" sz="1050" dirty="0" err="1">
-                <a:solidFill>
-                  <a:srgbClr val="2A00FF"/>
-                </a:solidFill>
-                <a:latin typeface="Consolas" panose="020B0609020204030204" pitchFamily="49" charset="0"/>
-              </a:rPr>
-              <a:t>userid</a:t>
-            </a:r>
-            <a:r>
-              <a:rPr lang="en-US" altLang="ko-KR" sz="1050" dirty="0">
-                <a:solidFill>
-                  <a:srgbClr val="2A00FF"/>
-                </a:solidFill>
-                <a:latin typeface="Consolas" panose="020B0609020204030204" pitchFamily="49" charset="0"/>
-              </a:rPr>
-              <a:t>"</a:t>
-            </a:r>
-            <a:r>
-              <a:rPr lang="en-US" altLang="ko-KR" sz="1050" dirty="0">
-                <a:solidFill>
-                  <a:srgbClr val="000000"/>
-                </a:solidFill>
-                <a:latin typeface="Consolas" panose="020B0609020204030204" pitchFamily="49" charset="0"/>
-              </a:rPr>
-              <a:t>, </a:t>
-            </a:r>
-            <a:r>
-              <a:rPr lang="en-US" altLang="ko-KR" sz="1050" dirty="0" err="1">
-                <a:solidFill>
-                  <a:srgbClr val="6A3E3E"/>
-                </a:solidFill>
-                <a:latin typeface="Consolas" panose="020B0609020204030204" pitchFamily="49" charset="0"/>
-              </a:rPr>
-              <a:t>user</a:t>
-            </a:r>
-            <a:r>
-              <a:rPr lang="en-US" altLang="ko-KR" sz="1050" dirty="0" err="1">
-                <a:solidFill>
-                  <a:srgbClr val="000000"/>
-                </a:solidFill>
-                <a:latin typeface="Consolas" panose="020B0609020204030204" pitchFamily="49" charset="0"/>
-              </a:rPr>
-              <a:t>.getUserid</a:t>
-            </a:r>
-            <a:r>
-              <a:rPr lang="en-US" altLang="ko-KR" sz="1050" dirty="0">
-                <a:solidFill>
-                  <a:srgbClr val="000000"/>
-                </a:solidFill>
-                <a:latin typeface="Consolas" panose="020B0609020204030204" pitchFamily="49" charset="0"/>
-              </a:rPr>
-              <a:t>());</a:t>
-            </a:r>
-          </a:p>
-          <a:p>
-            <a:r>
-              <a:rPr lang="en-US" altLang="ko-KR" sz="1050" dirty="0" err="1">
-                <a:solidFill>
-                  <a:srgbClr val="6A3E3E"/>
-                </a:solidFill>
-                <a:latin typeface="Consolas" panose="020B0609020204030204" pitchFamily="49" charset="0"/>
-              </a:rPr>
-              <a:t>result</a:t>
-            </a:r>
-            <a:r>
-              <a:rPr lang="en-US" altLang="ko-KR" sz="1050" dirty="0" err="1">
-                <a:solidFill>
-                  <a:srgbClr val="000000"/>
-                </a:solidFill>
-                <a:latin typeface="Consolas" panose="020B0609020204030204" pitchFamily="49" charset="0"/>
-              </a:rPr>
-              <a:t>.put</a:t>
-            </a:r>
-            <a:r>
-              <a:rPr lang="en-US" altLang="ko-KR" sz="1050" dirty="0">
-                <a:solidFill>
-                  <a:srgbClr val="000000"/>
-                </a:solidFill>
-                <a:latin typeface="Consolas" panose="020B0609020204030204" pitchFamily="49" charset="0"/>
-              </a:rPr>
-              <a:t>(</a:t>
-            </a:r>
-            <a:r>
-              <a:rPr lang="en-US" altLang="ko-KR" sz="1050" dirty="0">
-                <a:solidFill>
-                  <a:srgbClr val="2A00FF"/>
-                </a:solidFill>
-                <a:latin typeface="Consolas" panose="020B0609020204030204" pitchFamily="49" charset="0"/>
-              </a:rPr>
-              <a:t>"role"</a:t>
-            </a:r>
-            <a:r>
-              <a:rPr lang="en-US" altLang="ko-KR" sz="1050" dirty="0">
-                <a:solidFill>
-                  <a:srgbClr val="000000"/>
-                </a:solidFill>
-                <a:latin typeface="Consolas" panose="020B0609020204030204" pitchFamily="49" charset="0"/>
-              </a:rPr>
-              <a:t>, </a:t>
-            </a:r>
-            <a:r>
-              <a:rPr lang="en-US" altLang="ko-KR" sz="1050" dirty="0" err="1">
-                <a:solidFill>
-                  <a:srgbClr val="6A3E3E"/>
-                </a:solidFill>
-                <a:latin typeface="Consolas" panose="020B0609020204030204" pitchFamily="49" charset="0"/>
-              </a:rPr>
-              <a:t>user</a:t>
-            </a:r>
-            <a:r>
-              <a:rPr lang="en-US" altLang="ko-KR" sz="1050" dirty="0" err="1">
-                <a:solidFill>
-                  <a:srgbClr val="000000"/>
-                </a:solidFill>
-                <a:latin typeface="Consolas" panose="020B0609020204030204" pitchFamily="49" charset="0"/>
-              </a:rPr>
-              <a:t>.getRole</a:t>
-            </a:r>
-            <a:r>
-              <a:rPr lang="en-US" altLang="ko-KR" sz="1050" dirty="0">
-                <a:solidFill>
-                  <a:srgbClr val="000000"/>
-                </a:solidFill>
-                <a:latin typeface="Consolas" panose="020B0609020204030204" pitchFamily="49" charset="0"/>
-              </a:rPr>
-              <a:t>());</a:t>
-            </a:r>
-          </a:p>
-          <a:p>
-            <a:r>
-              <a:rPr lang="en-US" altLang="ko-KR" sz="1050" dirty="0" err="1">
-                <a:solidFill>
-                  <a:srgbClr val="6A3E3E"/>
-                </a:solidFill>
-                <a:latin typeface="Consolas" panose="020B0609020204030204" pitchFamily="49" charset="0"/>
-              </a:rPr>
-              <a:t>result</a:t>
-            </a:r>
-            <a:r>
-              <a:rPr lang="en-US" altLang="ko-KR" sz="1050" dirty="0" err="1">
-                <a:solidFill>
-                  <a:srgbClr val="000000"/>
-                </a:solidFill>
-                <a:latin typeface="Consolas" panose="020B0609020204030204" pitchFamily="49" charset="0"/>
-              </a:rPr>
-              <a:t>.put</a:t>
-            </a:r>
-            <a:r>
-              <a:rPr lang="en-US" altLang="ko-KR" sz="1050" dirty="0">
-                <a:solidFill>
-                  <a:srgbClr val="000000"/>
-                </a:solidFill>
-                <a:latin typeface="Consolas" panose="020B0609020204030204" pitchFamily="49" charset="0"/>
-              </a:rPr>
-              <a:t>(</a:t>
-            </a:r>
-            <a:r>
-              <a:rPr lang="en-US" altLang="ko-KR" sz="1050" dirty="0">
-                <a:solidFill>
-                  <a:srgbClr val="2A00FF"/>
-                </a:solidFill>
-                <a:latin typeface="Consolas" panose="020B0609020204030204" pitchFamily="49" charset="0"/>
-              </a:rPr>
-              <a:t>"</a:t>
-            </a:r>
-            <a:r>
-              <a:rPr lang="en-US" altLang="ko-KR" sz="1050" dirty="0" err="1">
-                <a:solidFill>
-                  <a:srgbClr val="2A00FF"/>
-                </a:solidFill>
-                <a:latin typeface="Consolas" panose="020B0609020204030204" pitchFamily="49" charset="0"/>
-              </a:rPr>
-              <a:t>placeid</a:t>
-            </a:r>
-            <a:r>
-              <a:rPr lang="en-US" altLang="ko-KR" sz="1050" dirty="0">
-                <a:solidFill>
-                  <a:srgbClr val="2A00FF"/>
-                </a:solidFill>
-                <a:latin typeface="Consolas" panose="020B0609020204030204" pitchFamily="49" charset="0"/>
-              </a:rPr>
-              <a:t>"</a:t>
-            </a:r>
-            <a:r>
-              <a:rPr lang="en-US" altLang="ko-KR" sz="1050" dirty="0">
-                <a:solidFill>
-                  <a:srgbClr val="000000"/>
-                </a:solidFill>
-                <a:latin typeface="Consolas" panose="020B0609020204030204" pitchFamily="49" charset="0"/>
-              </a:rPr>
-              <a:t>, </a:t>
-            </a:r>
-            <a:r>
-              <a:rPr lang="en-US" altLang="ko-KR" sz="1050" dirty="0" err="1">
-                <a:solidFill>
-                  <a:srgbClr val="6A3E3E"/>
-                </a:solidFill>
-                <a:latin typeface="Consolas" panose="020B0609020204030204" pitchFamily="49" charset="0"/>
-              </a:rPr>
-              <a:t>user</a:t>
-            </a:r>
-            <a:r>
-              <a:rPr lang="en-US" altLang="ko-KR" sz="1050" dirty="0" err="1">
-                <a:solidFill>
-                  <a:srgbClr val="000000"/>
-                </a:solidFill>
-                <a:latin typeface="Consolas" panose="020B0609020204030204" pitchFamily="49" charset="0"/>
-              </a:rPr>
-              <a:t>.getPlaceid</a:t>
-            </a:r>
-            <a:r>
-              <a:rPr lang="en-US" altLang="ko-KR" sz="1050" dirty="0">
-                <a:solidFill>
-                  <a:srgbClr val="000000"/>
-                </a:solidFill>
-                <a:latin typeface="Consolas" panose="020B0609020204030204" pitchFamily="49" charset="0"/>
-              </a:rPr>
-              <a:t>());</a:t>
-            </a:r>
-          </a:p>
-          <a:p>
-            <a:br>
-              <a:rPr lang="en-US" altLang="ko-KR" sz="1050" dirty="0">
-                <a:solidFill>
-                  <a:srgbClr val="000000"/>
-                </a:solidFill>
-                <a:latin typeface="Consolas" panose="020B0609020204030204" pitchFamily="49" charset="0"/>
-              </a:rPr>
-            </a:br>
-            <a:endParaRPr lang="en-US" altLang="ko-KR" sz="1050" dirty="0">
-              <a:solidFill>
-                <a:srgbClr val="000000"/>
-              </a:solidFill>
-              <a:latin typeface="Consolas" panose="020B0609020204030204" pitchFamily="49" charset="0"/>
-            </a:endParaRPr>
-          </a:p>
-          <a:p>
-            <a:r>
-              <a:rPr lang="en-US" altLang="ko-KR" sz="1050" b="1" dirty="0">
-                <a:solidFill>
-                  <a:srgbClr val="7F0055"/>
-                </a:solidFill>
-                <a:latin typeface="Consolas" panose="020B0609020204030204" pitchFamily="49" charset="0"/>
-              </a:rPr>
-              <a:t>return</a:t>
-            </a:r>
-            <a:r>
-              <a:rPr lang="en-US" altLang="ko-KR" sz="1050" dirty="0">
-                <a:solidFill>
-                  <a:srgbClr val="000000"/>
-                </a:solidFill>
-                <a:latin typeface="Consolas" panose="020B0609020204030204" pitchFamily="49" charset="0"/>
-              </a:rPr>
-              <a:t> </a:t>
-            </a:r>
-            <a:r>
-              <a:rPr lang="en-US" altLang="ko-KR" sz="1050" dirty="0" err="1">
-                <a:solidFill>
-                  <a:srgbClr val="000000"/>
-                </a:solidFill>
-                <a:latin typeface="Consolas" panose="020B0609020204030204" pitchFamily="49" charset="0"/>
-              </a:rPr>
-              <a:t>ResponseEntity.</a:t>
-            </a:r>
-            <a:r>
-              <a:rPr lang="en-US" altLang="ko-KR" sz="1050" i="1" dirty="0" err="1">
-                <a:solidFill>
-                  <a:srgbClr val="000000"/>
-                </a:solidFill>
-                <a:latin typeface="Consolas" panose="020B0609020204030204" pitchFamily="49" charset="0"/>
-              </a:rPr>
-              <a:t>ok</a:t>
-            </a:r>
-            <a:r>
-              <a:rPr lang="en-US" altLang="ko-KR" sz="1050" dirty="0">
-                <a:solidFill>
-                  <a:srgbClr val="000000"/>
-                </a:solidFill>
-                <a:latin typeface="Consolas" panose="020B0609020204030204" pitchFamily="49" charset="0"/>
-              </a:rPr>
-              <a:t>(</a:t>
-            </a:r>
-            <a:r>
-              <a:rPr lang="en-US" altLang="ko-KR" sz="1050" dirty="0">
-                <a:solidFill>
-                  <a:srgbClr val="6A3E3E"/>
-                </a:solidFill>
-                <a:latin typeface="Consolas" panose="020B0609020204030204" pitchFamily="49" charset="0"/>
-              </a:rPr>
-              <a:t>result</a:t>
-            </a:r>
-            <a:r>
-              <a:rPr lang="en-US" altLang="ko-KR" sz="1050" dirty="0">
-                <a:solidFill>
-                  <a:srgbClr val="000000"/>
-                </a:solidFill>
-                <a:latin typeface="Consolas" panose="020B0609020204030204" pitchFamily="49" charset="0"/>
-              </a:rPr>
-              <a:t>);</a:t>
-            </a:r>
-          </a:p>
-          <a:p>
-            <a:br>
-              <a:rPr lang="en-US" altLang="ko-KR" sz="1050" dirty="0">
-                <a:solidFill>
-                  <a:srgbClr val="000000"/>
-                </a:solidFill>
-                <a:latin typeface="Consolas" panose="020B0609020204030204" pitchFamily="49" charset="0"/>
-              </a:rPr>
-            </a:br>
-            <a:endParaRPr lang="en-US" altLang="ko-KR" sz="1050" dirty="0">
-              <a:solidFill>
-                <a:srgbClr val="000000"/>
-              </a:solidFill>
-              <a:latin typeface="Consolas" panose="020B0609020204030204" pitchFamily="49" charset="0"/>
-            </a:endParaRPr>
-          </a:p>
-          <a:p>
-            <a:r>
-              <a:rPr lang="en-US" altLang="ko-KR" sz="1050" dirty="0">
-                <a:solidFill>
-                  <a:srgbClr val="000000"/>
-                </a:solidFill>
-                <a:latin typeface="Consolas" panose="020B0609020204030204" pitchFamily="49" charset="0"/>
-              </a:rPr>
-              <a:t>}</a:t>
-            </a:r>
-          </a:p>
-        </p:txBody>
-      </p:sp>
+      </p:pic>
       <p:sp>
         <p:nvSpPr>
-          <p:cNvPr id="15" name="직사각형 14">
+          <p:cNvPr id="21" name="TextBox 20">
             <a:extLst>
               <a:ext uri="{FF2B5EF4-FFF2-40B4-BE49-F238E27FC236}">
-                <a16:creationId xmlns:a16="http://schemas.microsoft.com/office/drawing/2014/main" id="{1CE24BA7-9BEE-4FC1-8EEC-7DC1BD5A496E}"/>
-              </a:ext>
-            </a:extLst>
-          </p:cNvPr>
-          <p:cNvSpPr/>
-          <p:nvPr/>
-        </p:nvSpPr>
-        <p:spPr>
-          <a:xfrm>
-            <a:off x="4486090" y="7048500"/>
-            <a:ext cx="4125895" cy="2631490"/>
-          </a:xfrm>
-          <a:prstGeom prst="rect">
-            <a:avLst/>
-          </a:prstGeom>
-        </p:spPr>
-        <p:txBody>
-          <a:bodyPr wrap="square">
-            <a:spAutoFit/>
-          </a:bodyPr>
-          <a:lstStyle/>
-          <a:p>
-            <a:r>
-              <a:rPr lang="en-US" altLang="ko-KR" sz="1400" b="1" dirty="0">
-                <a:latin typeface="Consolas" panose="020B0609020204030204" pitchFamily="49" charset="0"/>
-              </a:rPr>
-              <a:t>Service</a:t>
-            </a:r>
-          </a:p>
-          <a:p>
-            <a:endParaRPr lang="en-US" altLang="ko-KR" sz="1050" b="1" dirty="0">
-              <a:solidFill>
-                <a:srgbClr val="7F0055"/>
-              </a:solidFill>
-              <a:latin typeface="Consolas" panose="020B0609020204030204" pitchFamily="49" charset="0"/>
-            </a:endParaRPr>
-          </a:p>
-          <a:p>
-            <a:r>
-              <a:rPr lang="en-US" altLang="ko-KR" sz="1050" b="1" dirty="0">
-                <a:solidFill>
-                  <a:srgbClr val="7F0055"/>
-                </a:solidFill>
-                <a:latin typeface="Consolas" panose="020B0609020204030204" pitchFamily="49" charset="0"/>
-              </a:rPr>
-              <a:t>public</a:t>
-            </a:r>
-            <a:r>
-              <a:rPr lang="en-US" altLang="ko-KR" sz="1050" dirty="0">
-                <a:solidFill>
-                  <a:srgbClr val="000000"/>
-                </a:solidFill>
-                <a:latin typeface="Consolas" panose="020B0609020204030204" pitchFamily="49" charset="0"/>
-              </a:rPr>
-              <a:t> User login(String </a:t>
-            </a:r>
-            <a:r>
-              <a:rPr lang="en-US" altLang="ko-KR" sz="1050" dirty="0" err="1">
-                <a:solidFill>
-                  <a:srgbClr val="6A3E3E"/>
-                </a:solidFill>
-                <a:latin typeface="Consolas" panose="020B0609020204030204" pitchFamily="49" charset="0"/>
-              </a:rPr>
-              <a:t>userid</a:t>
-            </a:r>
-            <a:r>
-              <a:rPr lang="en-US" altLang="ko-KR" sz="1050" dirty="0" err="1">
-                <a:solidFill>
-                  <a:srgbClr val="000000"/>
-                </a:solidFill>
-                <a:latin typeface="Consolas" panose="020B0609020204030204" pitchFamily="49" charset="0"/>
-              </a:rPr>
-              <a:t>,String</a:t>
-            </a:r>
-            <a:r>
-              <a:rPr lang="en-US" altLang="ko-KR" sz="1050" dirty="0">
-                <a:solidFill>
-                  <a:srgbClr val="000000"/>
-                </a:solidFill>
-                <a:latin typeface="Consolas" panose="020B0609020204030204" pitchFamily="49" charset="0"/>
-              </a:rPr>
-              <a:t> </a:t>
-            </a:r>
-            <a:r>
-              <a:rPr lang="en-US" altLang="ko-KR" sz="1050" dirty="0" err="1">
-                <a:solidFill>
-                  <a:srgbClr val="6A3E3E"/>
-                </a:solidFill>
-                <a:latin typeface="Consolas" panose="020B0609020204030204" pitchFamily="49" charset="0"/>
-              </a:rPr>
-              <a:t>userpwd</a:t>
-            </a:r>
-            <a:r>
-              <a:rPr lang="en-US" altLang="ko-KR" sz="1050" dirty="0">
-                <a:solidFill>
-                  <a:srgbClr val="000000"/>
-                </a:solidFill>
-                <a:latin typeface="Consolas" panose="020B0609020204030204" pitchFamily="49" charset="0"/>
-              </a:rPr>
-              <a:t>) {</a:t>
-            </a:r>
-          </a:p>
-          <a:p>
-            <a:r>
-              <a:rPr lang="en-US" altLang="ko-KR" sz="1050" dirty="0">
-                <a:solidFill>
-                  <a:srgbClr val="000000"/>
-                </a:solidFill>
-                <a:latin typeface="Consolas" panose="020B0609020204030204" pitchFamily="49" charset="0"/>
-              </a:rPr>
-              <a:t>User </a:t>
-            </a:r>
-            <a:r>
-              <a:rPr lang="en-US" altLang="ko-KR" sz="1050" dirty="0">
-                <a:solidFill>
-                  <a:srgbClr val="6A3E3E"/>
-                </a:solidFill>
-                <a:latin typeface="Consolas" panose="020B0609020204030204" pitchFamily="49" charset="0"/>
-              </a:rPr>
-              <a:t>user</a:t>
-            </a:r>
-            <a:r>
-              <a:rPr lang="en-US" altLang="ko-KR" sz="1050" dirty="0">
-                <a:solidFill>
-                  <a:srgbClr val="000000"/>
-                </a:solidFill>
-                <a:latin typeface="Consolas" panose="020B0609020204030204" pitchFamily="49" charset="0"/>
-              </a:rPr>
-              <a:t>= </a:t>
-            </a:r>
-            <a:r>
-              <a:rPr lang="en-US" altLang="ko-KR" sz="1050" dirty="0" err="1">
-                <a:solidFill>
-                  <a:srgbClr val="0000C0"/>
-                </a:solidFill>
-                <a:latin typeface="Consolas" panose="020B0609020204030204" pitchFamily="49" charset="0"/>
-              </a:rPr>
-              <a:t>stockmapper</a:t>
-            </a:r>
-            <a:r>
-              <a:rPr lang="en-US" altLang="ko-KR" sz="1050" dirty="0" err="1">
-                <a:solidFill>
-                  <a:srgbClr val="000000"/>
-                </a:solidFill>
-                <a:latin typeface="Consolas" panose="020B0609020204030204" pitchFamily="49" charset="0"/>
-              </a:rPr>
-              <a:t>.findByUserId</a:t>
-            </a:r>
-            <a:r>
-              <a:rPr lang="en-US" altLang="ko-KR" sz="1050" dirty="0">
-                <a:solidFill>
-                  <a:srgbClr val="000000"/>
-                </a:solidFill>
-                <a:latin typeface="Consolas" panose="020B0609020204030204" pitchFamily="49" charset="0"/>
-              </a:rPr>
-              <a:t>(</a:t>
-            </a:r>
-            <a:r>
-              <a:rPr lang="en-US" altLang="ko-KR" sz="1050" dirty="0" err="1">
-                <a:solidFill>
-                  <a:srgbClr val="6A3E3E"/>
-                </a:solidFill>
-                <a:latin typeface="Consolas" panose="020B0609020204030204" pitchFamily="49" charset="0"/>
-              </a:rPr>
-              <a:t>userid</a:t>
-            </a:r>
-            <a:r>
-              <a:rPr lang="en-US" altLang="ko-KR" sz="1050" dirty="0">
-                <a:solidFill>
-                  <a:srgbClr val="000000"/>
-                </a:solidFill>
-                <a:latin typeface="Consolas" panose="020B0609020204030204" pitchFamily="49" charset="0"/>
-              </a:rPr>
-              <a:t>);</a:t>
-            </a:r>
-          </a:p>
-          <a:p>
-            <a:r>
-              <a:rPr lang="en-US" altLang="ko-KR" sz="1050" dirty="0" err="1">
-                <a:solidFill>
-                  <a:srgbClr val="000000"/>
-                </a:solidFill>
-                <a:latin typeface="Consolas" panose="020B0609020204030204" pitchFamily="49" charset="0"/>
-              </a:rPr>
-              <a:t>System.</a:t>
-            </a:r>
-            <a:r>
-              <a:rPr lang="en-US" altLang="ko-KR" sz="1050" b="1" i="1" dirty="0" err="1">
-                <a:solidFill>
-                  <a:srgbClr val="0000C0"/>
-                </a:solidFill>
-                <a:latin typeface="Consolas" panose="020B0609020204030204" pitchFamily="49" charset="0"/>
-              </a:rPr>
-              <a:t>out</a:t>
-            </a:r>
-            <a:r>
-              <a:rPr lang="en-US" altLang="ko-KR" sz="1050" dirty="0" err="1">
-                <a:solidFill>
-                  <a:srgbClr val="000000"/>
-                </a:solidFill>
-                <a:latin typeface="Consolas" panose="020B0609020204030204" pitchFamily="49" charset="0"/>
-              </a:rPr>
-              <a:t>.println</a:t>
-            </a:r>
-            <a:r>
-              <a:rPr lang="en-US" altLang="ko-KR" sz="1050" dirty="0">
-                <a:solidFill>
-                  <a:srgbClr val="000000"/>
-                </a:solidFill>
-                <a:latin typeface="Consolas" panose="020B0609020204030204" pitchFamily="49" charset="0"/>
-              </a:rPr>
-              <a:t>(</a:t>
-            </a:r>
-            <a:r>
-              <a:rPr lang="en-US" altLang="ko-KR" sz="1050" dirty="0">
-                <a:solidFill>
-                  <a:srgbClr val="2A00FF"/>
-                </a:solidFill>
-                <a:latin typeface="Consolas" panose="020B0609020204030204" pitchFamily="49" charset="0"/>
-              </a:rPr>
-              <a:t>"</a:t>
-            </a:r>
-            <a:r>
-              <a:rPr lang="ko-KR" altLang="en-US" sz="1050" dirty="0">
-                <a:solidFill>
-                  <a:srgbClr val="2A00FF"/>
-                </a:solidFill>
-                <a:latin typeface="Consolas" panose="020B0609020204030204" pitchFamily="49" charset="0"/>
-              </a:rPr>
-              <a:t>서비스 </a:t>
-            </a:r>
-            <a:r>
-              <a:rPr lang="en-US" altLang="ko-KR" sz="1050" dirty="0">
-                <a:solidFill>
-                  <a:srgbClr val="2A00FF"/>
-                </a:solidFill>
-                <a:latin typeface="Consolas" panose="020B0609020204030204" pitchFamily="49" charset="0"/>
-              </a:rPr>
-              <a:t>: "</a:t>
-            </a:r>
-            <a:r>
-              <a:rPr lang="en-US" altLang="ko-KR" sz="1050" dirty="0">
-                <a:solidFill>
-                  <a:srgbClr val="000000"/>
-                </a:solidFill>
-                <a:latin typeface="Consolas" panose="020B0609020204030204" pitchFamily="49" charset="0"/>
-              </a:rPr>
-              <a:t>+</a:t>
-            </a:r>
-            <a:r>
-              <a:rPr lang="en-US" altLang="ko-KR" sz="1050" dirty="0">
-                <a:solidFill>
-                  <a:srgbClr val="6A3E3E"/>
-                </a:solidFill>
-                <a:latin typeface="Consolas" panose="020B0609020204030204" pitchFamily="49" charset="0"/>
-              </a:rPr>
-              <a:t>user</a:t>
-            </a:r>
-            <a:r>
-              <a:rPr lang="en-US" altLang="ko-KR" sz="1050" dirty="0">
-                <a:solidFill>
-                  <a:srgbClr val="000000"/>
-                </a:solidFill>
-                <a:latin typeface="Consolas" panose="020B0609020204030204" pitchFamily="49" charset="0"/>
-              </a:rPr>
-              <a:t>);</a:t>
-            </a:r>
-          </a:p>
-          <a:p>
-            <a:r>
-              <a:rPr lang="en-US" altLang="ko-KR" sz="1050" b="1" dirty="0">
-                <a:solidFill>
-                  <a:srgbClr val="7F0055"/>
-                </a:solidFill>
-                <a:latin typeface="Consolas" panose="020B0609020204030204" pitchFamily="49" charset="0"/>
-              </a:rPr>
-              <a:t>if</a:t>
-            </a:r>
-            <a:r>
-              <a:rPr lang="en-US" altLang="ko-KR" sz="1050" dirty="0">
-                <a:solidFill>
-                  <a:srgbClr val="000000"/>
-                </a:solidFill>
-                <a:latin typeface="Consolas" panose="020B0609020204030204" pitchFamily="49" charset="0"/>
-              </a:rPr>
-              <a:t>(</a:t>
-            </a:r>
-            <a:r>
-              <a:rPr lang="en-US" altLang="ko-KR" sz="1050" dirty="0">
-                <a:solidFill>
-                  <a:srgbClr val="6A3E3E"/>
-                </a:solidFill>
-                <a:latin typeface="Consolas" panose="020B0609020204030204" pitchFamily="49" charset="0"/>
-              </a:rPr>
-              <a:t>user</a:t>
-            </a:r>
-            <a:r>
-              <a:rPr lang="en-US" altLang="ko-KR" sz="1050" dirty="0">
-                <a:solidFill>
-                  <a:srgbClr val="000000"/>
-                </a:solidFill>
-                <a:latin typeface="Consolas" panose="020B0609020204030204" pitchFamily="49" charset="0"/>
-              </a:rPr>
-              <a:t> == </a:t>
-            </a:r>
-            <a:r>
-              <a:rPr lang="en-US" altLang="ko-KR" sz="1050" b="1" dirty="0">
-                <a:solidFill>
-                  <a:srgbClr val="7F0055"/>
-                </a:solidFill>
-                <a:latin typeface="Consolas" panose="020B0609020204030204" pitchFamily="49" charset="0"/>
-              </a:rPr>
-              <a:t>null</a:t>
-            </a:r>
-            <a:r>
-              <a:rPr lang="en-US" altLang="ko-KR" sz="1050" dirty="0">
-                <a:solidFill>
-                  <a:srgbClr val="000000"/>
-                </a:solidFill>
-                <a:latin typeface="Consolas" panose="020B0609020204030204" pitchFamily="49" charset="0"/>
-              </a:rPr>
-              <a:t>) {</a:t>
-            </a:r>
-          </a:p>
-          <a:p>
-            <a:r>
-              <a:rPr lang="en-US" altLang="ko-KR" sz="1050" b="1" dirty="0">
-                <a:solidFill>
-                  <a:srgbClr val="7F0055"/>
-                </a:solidFill>
-                <a:latin typeface="Consolas" panose="020B0609020204030204" pitchFamily="49" charset="0"/>
-              </a:rPr>
-              <a:t>return</a:t>
-            </a:r>
-            <a:r>
-              <a:rPr lang="en-US" altLang="ko-KR" sz="1050" dirty="0">
-                <a:solidFill>
-                  <a:srgbClr val="000000"/>
-                </a:solidFill>
-                <a:latin typeface="Consolas" panose="020B0609020204030204" pitchFamily="49" charset="0"/>
-              </a:rPr>
-              <a:t> </a:t>
-            </a:r>
-            <a:r>
-              <a:rPr lang="en-US" altLang="ko-KR" sz="1050" b="1" dirty="0">
-                <a:solidFill>
-                  <a:srgbClr val="7F0055"/>
-                </a:solidFill>
-                <a:latin typeface="Consolas" panose="020B0609020204030204" pitchFamily="49" charset="0"/>
-              </a:rPr>
-              <a:t>null</a:t>
-            </a:r>
-            <a:r>
-              <a:rPr lang="en-US" altLang="ko-KR" sz="1050" dirty="0">
-                <a:solidFill>
-                  <a:srgbClr val="000000"/>
-                </a:solidFill>
-                <a:latin typeface="Consolas" panose="020B0609020204030204" pitchFamily="49" charset="0"/>
-              </a:rPr>
-              <a:t>;</a:t>
-            </a:r>
-          </a:p>
-          <a:p>
-            <a:r>
-              <a:rPr lang="en-US" altLang="ko-KR" sz="1050" dirty="0">
-                <a:solidFill>
-                  <a:srgbClr val="000000"/>
-                </a:solidFill>
-                <a:latin typeface="Consolas" panose="020B0609020204030204" pitchFamily="49" charset="0"/>
-              </a:rPr>
-              <a:t>} </a:t>
-            </a:r>
-          </a:p>
-          <a:p>
-            <a:r>
-              <a:rPr lang="en-US" altLang="ko-KR" sz="1050" b="1" dirty="0">
-                <a:solidFill>
-                  <a:srgbClr val="7F0055"/>
-                </a:solidFill>
-                <a:latin typeface="Consolas" panose="020B0609020204030204" pitchFamily="49" charset="0"/>
-              </a:rPr>
-              <a:t>if</a:t>
-            </a:r>
-            <a:r>
-              <a:rPr lang="en-US" altLang="ko-KR" sz="1050" dirty="0">
-                <a:solidFill>
-                  <a:srgbClr val="000000"/>
-                </a:solidFill>
-                <a:latin typeface="Consolas" panose="020B0609020204030204" pitchFamily="49" charset="0"/>
-              </a:rPr>
-              <a:t>(!</a:t>
-            </a:r>
-            <a:r>
-              <a:rPr lang="en-US" altLang="ko-KR" sz="1050" dirty="0" err="1">
-                <a:solidFill>
-                  <a:srgbClr val="6A3E3E"/>
-                </a:solidFill>
-                <a:latin typeface="Consolas" panose="020B0609020204030204" pitchFamily="49" charset="0"/>
-              </a:rPr>
-              <a:t>user</a:t>
-            </a:r>
-            <a:r>
-              <a:rPr lang="en-US" altLang="ko-KR" sz="1050" dirty="0" err="1">
-                <a:solidFill>
-                  <a:srgbClr val="000000"/>
-                </a:solidFill>
-                <a:latin typeface="Consolas" panose="020B0609020204030204" pitchFamily="49" charset="0"/>
-              </a:rPr>
-              <a:t>.getUserpwd</a:t>
-            </a:r>
-            <a:r>
-              <a:rPr lang="en-US" altLang="ko-KR" sz="1050" dirty="0">
-                <a:solidFill>
-                  <a:srgbClr val="000000"/>
-                </a:solidFill>
-                <a:latin typeface="Consolas" panose="020B0609020204030204" pitchFamily="49" charset="0"/>
-              </a:rPr>
-              <a:t>().equals(</a:t>
-            </a:r>
-            <a:r>
-              <a:rPr lang="en-US" altLang="ko-KR" sz="1050" dirty="0" err="1">
-                <a:solidFill>
-                  <a:srgbClr val="6A3E3E"/>
-                </a:solidFill>
-                <a:latin typeface="Consolas" panose="020B0609020204030204" pitchFamily="49" charset="0"/>
-              </a:rPr>
-              <a:t>userpwd</a:t>
-            </a:r>
-            <a:r>
-              <a:rPr lang="en-US" altLang="ko-KR" sz="1050" dirty="0">
-                <a:solidFill>
-                  <a:srgbClr val="000000"/>
-                </a:solidFill>
-                <a:latin typeface="Consolas" panose="020B0609020204030204" pitchFamily="49" charset="0"/>
-              </a:rPr>
-              <a:t>)) {</a:t>
-            </a:r>
-          </a:p>
-          <a:p>
-            <a:r>
-              <a:rPr lang="en-US" altLang="ko-KR" sz="1050" b="1" dirty="0">
-                <a:solidFill>
-                  <a:srgbClr val="7F0055"/>
-                </a:solidFill>
-                <a:latin typeface="Consolas" panose="020B0609020204030204" pitchFamily="49" charset="0"/>
-              </a:rPr>
-              <a:t>return</a:t>
-            </a:r>
-            <a:r>
-              <a:rPr lang="en-US" altLang="ko-KR" sz="1050" dirty="0">
-                <a:solidFill>
-                  <a:srgbClr val="000000"/>
-                </a:solidFill>
-                <a:latin typeface="Consolas" panose="020B0609020204030204" pitchFamily="49" charset="0"/>
-              </a:rPr>
-              <a:t> </a:t>
-            </a:r>
-            <a:r>
-              <a:rPr lang="en-US" altLang="ko-KR" sz="1050" b="1" dirty="0">
-                <a:solidFill>
-                  <a:srgbClr val="7F0055"/>
-                </a:solidFill>
-                <a:latin typeface="Consolas" panose="020B0609020204030204" pitchFamily="49" charset="0"/>
-              </a:rPr>
-              <a:t>null</a:t>
-            </a:r>
-            <a:r>
-              <a:rPr lang="en-US" altLang="ko-KR" sz="1050" dirty="0">
-                <a:solidFill>
-                  <a:srgbClr val="000000"/>
-                </a:solidFill>
-                <a:latin typeface="Consolas" panose="020B0609020204030204" pitchFamily="49" charset="0"/>
-              </a:rPr>
-              <a:t>;</a:t>
-            </a:r>
-          </a:p>
-          <a:p>
-            <a:r>
-              <a:rPr lang="en-US" altLang="ko-KR" sz="1050" dirty="0">
-                <a:solidFill>
-                  <a:srgbClr val="000000"/>
-                </a:solidFill>
-                <a:latin typeface="Consolas" panose="020B0609020204030204" pitchFamily="49" charset="0"/>
-              </a:rPr>
-              <a:t>}</a:t>
-            </a:r>
-          </a:p>
-          <a:p>
-            <a:br>
-              <a:rPr lang="en-US" altLang="ko-KR" sz="1050" dirty="0">
-                <a:solidFill>
-                  <a:srgbClr val="000000"/>
-                </a:solidFill>
-                <a:latin typeface="Consolas" panose="020B0609020204030204" pitchFamily="49" charset="0"/>
-              </a:rPr>
-            </a:br>
-            <a:endParaRPr lang="en-US" altLang="ko-KR" sz="1050" dirty="0">
-              <a:solidFill>
-                <a:srgbClr val="000000"/>
-              </a:solidFill>
-              <a:latin typeface="Consolas" panose="020B0609020204030204" pitchFamily="49" charset="0"/>
-            </a:endParaRPr>
-          </a:p>
-          <a:p>
-            <a:r>
-              <a:rPr lang="en-US" altLang="ko-KR" sz="1050" b="1" dirty="0">
-                <a:solidFill>
-                  <a:srgbClr val="7F0055"/>
-                </a:solidFill>
-                <a:latin typeface="Consolas" panose="020B0609020204030204" pitchFamily="49" charset="0"/>
-              </a:rPr>
-              <a:t>return</a:t>
-            </a:r>
-            <a:r>
-              <a:rPr lang="en-US" altLang="ko-KR" sz="1050" dirty="0">
-                <a:solidFill>
-                  <a:srgbClr val="000000"/>
-                </a:solidFill>
-                <a:latin typeface="Consolas" panose="020B0609020204030204" pitchFamily="49" charset="0"/>
-              </a:rPr>
-              <a:t> </a:t>
-            </a:r>
-            <a:r>
-              <a:rPr lang="en-US" altLang="ko-KR" sz="1050" dirty="0">
-                <a:solidFill>
-                  <a:srgbClr val="6A3E3E"/>
-                </a:solidFill>
-                <a:latin typeface="Consolas" panose="020B0609020204030204" pitchFamily="49" charset="0"/>
-              </a:rPr>
-              <a:t>user</a:t>
-            </a:r>
-            <a:r>
-              <a:rPr lang="en-US" altLang="ko-KR" sz="1050" dirty="0">
-                <a:solidFill>
-                  <a:srgbClr val="000000"/>
-                </a:solidFill>
-                <a:latin typeface="Consolas" panose="020B0609020204030204" pitchFamily="49" charset="0"/>
-              </a:rPr>
-              <a:t>; </a:t>
-            </a:r>
-            <a:r>
-              <a:rPr lang="en-US" altLang="ko-KR" sz="1050" dirty="0">
-                <a:solidFill>
-                  <a:srgbClr val="3F7F5F"/>
-                </a:solidFill>
-                <a:latin typeface="Consolas" panose="020B0609020204030204" pitchFamily="49" charset="0"/>
-              </a:rPr>
-              <a:t>// </a:t>
-            </a:r>
-            <a:r>
-              <a:rPr lang="ko-KR" altLang="en-US" sz="1050" dirty="0">
-                <a:solidFill>
-                  <a:srgbClr val="3F7F5F"/>
-                </a:solidFill>
-                <a:latin typeface="Consolas" panose="020B0609020204030204" pitchFamily="49" charset="0"/>
-              </a:rPr>
-              <a:t>로그인 성공</a:t>
-            </a:r>
-            <a:endParaRPr lang="ko-KR" altLang="en-US" sz="1050" dirty="0">
-              <a:solidFill>
-                <a:srgbClr val="000000"/>
-              </a:solidFill>
-              <a:latin typeface="Consolas" panose="020B0609020204030204" pitchFamily="49" charset="0"/>
-            </a:endParaRPr>
-          </a:p>
-          <a:p>
-            <a:r>
-              <a:rPr lang="en-US" altLang="ko-KR" sz="1050" dirty="0">
-                <a:solidFill>
-                  <a:srgbClr val="000000"/>
-                </a:solidFill>
-                <a:latin typeface="Consolas" panose="020B0609020204030204" pitchFamily="49" charset="0"/>
-              </a:rPr>
-              <a:t>}</a:t>
-            </a:r>
-          </a:p>
-        </p:txBody>
-      </p:sp>
-      <p:sp>
-        <p:nvSpPr>
-          <p:cNvPr id="2" name="TextBox 1">
-            <a:extLst>
-              <a:ext uri="{FF2B5EF4-FFF2-40B4-BE49-F238E27FC236}">
-                <a16:creationId xmlns:a16="http://schemas.microsoft.com/office/drawing/2014/main" id="{1F213BBB-911B-46D3-BEE4-56A1AEB93108}"/>
+                <a16:creationId xmlns:a16="http://schemas.microsoft.com/office/drawing/2014/main" id="{B63AA0C6-2862-42F8-904F-50874CEF3351}"/>
               </a:ext>
             </a:extLst>
           </p:cNvPr>
@@ -10227,8 +8947,8 @@
         </p:nvSpPr>
         <p:spPr>
           <a:xfrm>
-            <a:off x="5672737" y="1710630"/>
-            <a:ext cx="1752600" cy="553998"/>
+            <a:off x="7681452" y="3429119"/>
+            <a:ext cx="10145233" cy="830997"/>
           </a:xfrm>
           <a:prstGeom prst="rect">
             <a:avLst/>
@@ -10242,18 +8962,166 @@
           <a:lstStyle/>
           <a:p>
             <a:r>
-              <a:rPr lang="ko-KR" altLang="en-US" sz="3000" b="1" dirty="0"/>
-              <a:t>적용 전</a:t>
+              <a:rPr lang="en-US" altLang="ko-KR" sz="2400" b="1" dirty="0" err="1"/>
+              <a:t>BCryptPasswordEncoder</a:t>
+            </a:r>
+            <a:r>
+              <a:rPr lang="ko-KR" altLang="en-US" sz="2400" dirty="0"/>
+              <a:t>를 사용하여 </a:t>
+            </a:r>
+            <a:r>
+              <a:rPr lang="ko-KR" altLang="en-US" sz="2400" b="1" dirty="0"/>
+              <a:t>회원가입</a:t>
+            </a:r>
+            <a:r>
+              <a:rPr lang="ko-KR" altLang="en-US" sz="2400" dirty="0"/>
+              <a:t>시 비밀번호를 암호화 저장</a:t>
+            </a:r>
+            <a:endParaRPr lang="en-US" altLang="ko-KR" sz="2400" dirty="0"/>
+          </a:p>
+          <a:p>
+            <a:r>
+              <a:rPr lang="en-US" altLang="ko-KR" sz="2400" b="1" dirty="0" err="1"/>
+              <a:t>BCryptPasswordEncoder</a:t>
+            </a:r>
+            <a:r>
+              <a:rPr lang="ko-KR" altLang="en-US" sz="2400" dirty="0"/>
+              <a:t>로 비교하여 </a:t>
+            </a:r>
+            <a:r>
+              <a:rPr lang="ko-KR" altLang="en-US" sz="2400" b="1" dirty="0" err="1"/>
+              <a:t>로그인</a:t>
+            </a:r>
+            <a:r>
+              <a:rPr lang="ko-KR" altLang="en-US" sz="2400" dirty="0" err="1"/>
+              <a:t>시</a:t>
+            </a:r>
+            <a:r>
+              <a:rPr lang="ko-KR" altLang="en-US" sz="2400" dirty="0"/>
+              <a:t> 비밀번호 일치유무 확인</a:t>
             </a:r>
           </a:p>
         </p:txBody>
       </p:sp>
       <p:sp>
         <p:nvSpPr>
-          <p:cNvPr id="4" name="화살표: 오른쪽 3">
+          <p:cNvPr id="5" name="TextBox 4">
             <a:extLst>
               <a:ext uri="{FF2B5EF4-FFF2-40B4-BE49-F238E27FC236}">
-                <a16:creationId xmlns:a16="http://schemas.microsoft.com/office/drawing/2014/main" id="{FC8F32DE-A408-491B-A22D-19E96055B475}"/>
+                <a16:creationId xmlns:a16="http://schemas.microsoft.com/office/drawing/2014/main" id="{974F7940-4863-4288-B817-60AE134A2B98}"/>
+              </a:ext>
+            </a:extLst>
+          </p:cNvPr>
+          <p:cNvSpPr txBox="1"/>
+          <p:nvPr/>
+        </p:nvSpPr>
+        <p:spPr>
+          <a:xfrm>
+            <a:off x="5448299" y="1643911"/>
+            <a:ext cx="7391400" cy="1169551"/>
+          </a:xfrm>
+          <a:prstGeom prst="rect">
+            <a:avLst/>
+          </a:prstGeom>
+          <a:noFill/>
+        </p:spPr>
+        <p:txBody>
+          <a:bodyPr wrap="square" rtlCol="0">
+            <a:spAutoFit/>
+          </a:bodyPr>
+          <a:lstStyle/>
+          <a:p>
+            <a:r>
+              <a:rPr lang="ko-KR" altLang="en-US" sz="7000" b="1" dirty="0"/>
+              <a:t>비밀번호 암호화</a:t>
+            </a:r>
+          </a:p>
+        </p:txBody>
+      </p:sp>
+      <p:cxnSp>
+        <p:nvCxnSpPr>
+          <p:cNvPr id="8" name="직선 연결선 7">
+            <a:extLst>
+              <a:ext uri="{FF2B5EF4-FFF2-40B4-BE49-F238E27FC236}">
+                <a16:creationId xmlns:a16="http://schemas.microsoft.com/office/drawing/2014/main" id="{6C8E6A14-DF57-4A9B-B7FE-E1C4871DAD7E}"/>
+              </a:ext>
+            </a:extLst>
+          </p:cNvPr>
+          <p:cNvCxnSpPr>
+            <a:cxnSpLocks/>
+          </p:cNvCxnSpPr>
+          <p:nvPr/>
+        </p:nvCxnSpPr>
+        <p:spPr>
+          <a:xfrm flipH="1">
+            <a:off x="990600" y="7200900"/>
+            <a:ext cx="16306800" cy="0"/>
+          </a:xfrm>
+          <a:prstGeom prst="line">
+            <a:avLst/>
+          </a:prstGeom>
+          <a:ln w="38100"/>
+        </p:spPr>
+        <p:style>
+          <a:lnRef idx="1">
+            <a:schemeClr val="accent2"/>
+          </a:lnRef>
+          <a:fillRef idx="0">
+            <a:schemeClr val="accent2"/>
+          </a:fillRef>
+          <a:effectRef idx="0">
+            <a:schemeClr val="accent2"/>
+          </a:effectRef>
+          <a:fontRef idx="minor">
+            <a:schemeClr val="tx1"/>
+          </a:fontRef>
+        </p:style>
+      </p:cxnSp>
+      <p:cxnSp>
+        <p:nvCxnSpPr>
+          <p:cNvPr id="24" name="직선 연결선 23">
+            <a:extLst>
+              <a:ext uri="{FF2B5EF4-FFF2-40B4-BE49-F238E27FC236}">
+                <a16:creationId xmlns:a16="http://schemas.microsoft.com/office/drawing/2014/main" id="{BE229DFF-F068-4BD7-8532-60D81EA28284}"/>
+              </a:ext>
+            </a:extLst>
+          </p:cNvPr>
+          <p:cNvCxnSpPr>
+            <a:cxnSpLocks/>
+          </p:cNvCxnSpPr>
+          <p:nvPr/>
+        </p:nvCxnSpPr>
+        <p:spPr>
+          <a:xfrm flipH="1">
+            <a:off x="981334" y="7886700"/>
+            <a:ext cx="16306800" cy="0"/>
+          </a:xfrm>
+          <a:prstGeom prst="line">
+            <a:avLst/>
+          </a:prstGeom>
+          <a:ln w="38100"/>
+        </p:spPr>
+        <p:style>
+          <a:lnRef idx="1">
+            <a:schemeClr val="accent3"/>
+          </a:lnRef>
+          <a:fillRef idx="0">
+            <a:schemeClr val="accent3"/>
+          </a:fillRef>
+          <a:effectRef idx="0">
+            <a:schemeClr val="accent3"/>
+          </a:effectRef>
+          <a:fontRef idx="minor">
+            <a:schemeClr val="tx1"/>
+          </a:fontRef>
+        </p:style>
+      </p:cxnSp>
+      <p:sp>
+        <p:nvSpPr>
+          <p:cNvPr id="23" name="화살표: 오른쪽 22">
+            <a:extLst>
+              <a:ext uri="{FF2B5EF4-FFF2-40B4-BE49-F238E27FC236}">
+                <a16:creationId xmlns:a16="http://schemas.microsoft.com/office/drawing/2014/main" id="{022255B5-98FF-4C72-ABBE-608D9F7C7975}"/>
               </a:ext>
             </a:extLst>
           </p:cNvPr>
@@ -10261,22 +9129,22 @@
           <p:nvPr/>
         </p:nvSpPr>
         <p:spPr>
-          <a:xfrm>
-            <a:off x="9372600" y="5829300"/>
-            <a:ext cx="1289866" cy="457200"/>
+          <a:xfrm rot="18267972">
+            <a:off x="1738986" y="7838180"/>
+            <a:ext cx="1833857" cy="507226"/>
           </a:xfrm>
           <a:prstGeom prst="rightArrow">
             <a:avLst>
-              <a:gd name="adj1" fmla="val 28182"/>
-              <a:gd name="adj2" fmla="val 111818"/>
+              <a:gd name="adj1" fmla="val 20230"/>
+              <a:gd name="adj2" fmla="val 133809"/>
             </a:avLst>
           </a:prstGeom>
           <a:solidFill>
-            <a:schemeClr val="tx1"/>
+            <a:srgbClr val="FF0000"/>
           </a:solidFill>
           <a:ln>
             <a:solidFill>
-              <a:schemeClr val="tx1"/>
+              <a:srgbClr val="FF0000"/>
             </a:solidFill>
           </a:ln>
         </p:spPr>
@@ -10301,22 +9169,16 @@
           <a:lstStyle/>
           <a:p>
             <a:pPr algn="ctr"/>
-            <a:endParaRPr lang="ko-KR" altLang="en-US" dirty="0">
-              <a:ln>
-                <a:solidFill>
-                  <a:schemeClr val="tx1"/>
-                </a:solidFill>
-              </a:ln>
-            </a:endParaRPr>
+            <a:endParaRPr lang="ko-KR" altLang="en-US"/>
           </a:p>
         </p:txBody>
       </p:sp>
       <p:sp>
         <p:nvSpPr>
-          <p:cNvPr id="18" name="직사각형 17">
+          <p:cNvPr id="30" name="화살표: 오른쪽 29">
             <a:extLst>
               <a:ext uri="{FF2B5EF4-FFF2-40B4-BE49-F238E27FC236}">
-                <a16:creationId xmlns:a16="http://schemas.microsoft.com/office/drawing/2014/main" id="{1111581D-E739-4707-8E37-E044222F9E63}"/>
+                <a16:creationId xmlns:a16="http://schemas.microsoft.com/office/drawing/2014/main" id="{FF85A135-EEC3-4BBE-9AA1-58E2A83B85B8}"/>
               </a:ext>
             </a:extLst>
           </p:cNvPr>
@@ -10324,591 +9186,56 @@
           <p:nvPr/>
         </p:nvSpPr>
         <p:spPr>
-          <a:xfrm>
-            <a:off x="11762903" y="4747617"/>
-            <a:ext cx="4992414" cy="3077766"/>
-          </a:xfrm>
-          <a:prstGeom prst="rect">
-            <a:avLst/>
+          <a:xfrm rot="18267972">
+            <a:off x="3925874" y="8532583"/>
+            <a:ext cx="1833857" cy="507226"/>
+          </a:xfrm>
+          <a:prstGeom prst="rightArrow">
+            <a:avLst>
+              <a:gd name="adj1" fmla="val 20230"/>
+              <a:gd name="adj2" fmla="val 133809"/>
+            </a:avLst>
           </a:prstGeom>
+          <a:solidFill>
+            <a:schemeClr val="accent3"/>
+          </a:solidFill>
+          <a:ln>
+            <a:solidFill>
+              <a:schemeClr val="accent3"/>
+            </a:solidFill>
+          </a:ln>
         </p:spPr>
+        <p:style>
+          <a:lnRef idx="2">
+            <a:schemeClr val="accent1">
+              <a:shade val="50000"/>
+            </a:schemeClr>
+          </a:lnRef>
+          <a:fillRef idx="1">
+            <a:schemeClr val="accent1"/>
+          </a:fillRef>
+          <a:effectRef idx="0">
+            <a:schemeClr val="accent1"/>
+          </a:effectRef>
+          <a:fontRef idx="minor">
+            <a:schemeClr val="lt1"/>
+          </a:fontRef>
+        </p:style>
         <p:txBody>
-          <a:bodyPr wrap="square">
-            <a:spAutoFit/>
-          </a:bodyPr>
+          <a:bodyPr rtlCol="0" anchor="ctr"/>
           <a:lstStyle/>
           <a:p>
-            <a:r>
-              <a:rPr lang="en-US" altLang="ko-KR" sz="1400" b="1" dirty="0">
-                <a:latin typeface="Consolas" panose="020B0609020204030204" pitchFamily="49" charset="0"/>
-              </a:rPr>
-              <a:t>Service</a:t>
-            </a:r>
-          </a:p>
-          <a:p>
-            <a:endParaRPr lang="en-US" altLang="ko-KR" sz="1200" b="1" dirty="0">
-              <a:solidFill>
-                <a:srgbClr val="7F0055"/>
-              </a:solidFill>
-              <a:latin typeface="Consolas" panose="020B0609020204030204" pitchFamily="49" charset="0"/>
-            </a:endParaRPr>
-          </a:p>
-          <a:p>
-            <a:r>
-              <a:rPr lang="en-US" altLang="ko-KR" sz="1200" b="1" dirty="0">
-                <a:solidFill>
-                  <a:srgbClr val="7F0055"/>
-                </a:solidFill>
-                <a:latin typeface="Consolas" panose="020B0609020204030204" pitchFamily="49" charset="0"/>
-              </a:rPr>
-              <a:t>public</a:t>
-            </a:r>
-            <a:r>
-              <a:rPr lang="en-US" altLang="ko-KR" sz="1200" dirty="0">
-                <a:solidFill>
-                  <a:srgbClr val="000000"/>
-                </a:solidFill>
-                <a:latin typeface="Consolas" panose="020B0609020204030204" pitchFamily="49" charset="0"/>
-              </a:rPr>
-              <a:t> User login(String </a:t>
-            </a:r>
-            <a:r>
-              <a:rPr lang="en-US" altLang="ko-KR" sz="1200" dirty="0" err="1">
-                <a:solidFill>
-                  <a:srgbClr val="6A3E3E"/>
-                </a:solidFill>
-                <a:latin typeface="Consolas" panose="020B0609020204030204" pitchFamily="49" charset="0"/>
-              </a:rPr>
-              <a:t>userid</a:t>
-            </a:r>
-            <a:r>
-              <a:rPr lang="en-US" altLang="ko-KR" sz="1200" dirty="0" err="1">
-                <a:solidFill>
-                  <a:srgbClr val="000000"/>
-                </a:solidFill>
-                <a:latin typeface="Consolas" panose="020B0609020204030204" pitchFamily="49" charset="0"/>
-              </a:rPr>
-              <a:t>,String</a:t>
-            </a:r>
-            <a:r>
-              <a:rPr lang="en-US" altLang="ko-KR" sz="1200" dirty="0">
-                <a:solidFill>
-                  <a:srgbClr val="000000"/>
-                </a:solidFill>
-                <a:latin typeface="Consolas" panose="020B0609020204030204" pitchFamily="49" charset="0"/>
-              </a:rPr>
-              <a:t> </a:t>
-            </a:r>
-            <a:r>
-              <a:rPr lang="en-US" altLang="ko-KR" sz="1200" dirty="0" err="1">
-                <a:solidFill>
-                  <a:srgbClr val="6A3E3E"/>
-                </a:solidFill>
-                <a:latin typeface="Consolas" panose="020B0609020204030204" pitchFamily="49" charset="0"/>
-              </a:rPr>
-              <a:t>userpwd</a:t>
-            </a:r>
-            <a:r>
-              <a:rPr lang="en-US" altLang="ko-KR" sz="1200" dirty="0">
-                <a:solidFill>
-                  <a:srgbClr val="000000"/>
-                </a:solidFill>
-                <a:latin typeface="Consolas" panose="020B0609020204030204" pitchFamily="49" charset="0"/>
-              </a:rPr>
-              <a:t>) {</a:t>
-            </a:r>
-          </a:p>
-          <a:p>
-            <a:r>
-              <a:rPr lang="en-US" altLang="ko-KR" sz="1200" dirty="0">
-                <a:solidFill>
-                  <a:srgbClr val="000000"/>
-                </a:solidFill>
-                <a:latin typeface="Consolas" panose="020B0609020204030204" pitchFamily="49" charset="0"/>
-              </a:rPr>
-              <a:t>User </a:t>
-            </a:r>
-            <a:r>
-              <a:rPr lang="en-US" altLang="ko-KR" sz="1200" dirty="0">
-                <a:solidFill>
-                  <a:srgbClr val="6A3E3E"/>
-                </a:solidFill>
-                <a:latin typeface="Consolas" panose="020B0609020204030204" pitchFamily="49" charset="0"/>
-              </a:rPr>
-              <a:t>user</a:t>
-            </a:r>
-            <a:r>
-              <a:rPr lang="en-US" altLang="ko-KR" sz="1200" dirty="0">
-                <a:solidFill>
-                  <a:srgbClr val="000000"/>
-                </a:solidFill>
-                <a:latin typeface="Consolas" panose="020B0609020204030204" pitchFamily="49" charset="0"/>
-              </a:rPr>
-              <a:t>= </a:t>
-            </a:r>
-            <a:r>
-              <a:rPr lang="en-US" altLang="ko-KR" sz="1200" dirty="0" err="1">
-                <a:solidFill>
-                  <a:srgbClr val="0000C0"/>
-                </a:solidFill>
-                <a:latin typeface="Consolas" panose="020B0609020204030204" pitchFamily="49" charset="0"/>
-              </a:rPr>
-              <a:t>stockmapper</a:t>
-            </a:r>
-            <a:r>
-              <a:rPr lang="en-US" altLang="ko-KR" sz="1200" dirty="0" err="1">
-                <a:solidFill>
-                  <a:srgbClr val="000000"/>
-                </a:solidFill>
-                <a:latin typeface="Consolas" panose="020B0609020204030204" pitchFamily="49" charset="0"/>
-              </a:rPr>
-              <a:t>.findByUserId</a:t>
-            </a:r>
-            <a:r>
-              <a:rPr lang="en-US" altLang="ko-KR" sz="1200" dirty="0">
-                <a:solidFill>
-                  <a:srgbClr val="000000"/>
-                </a:solidFill>
-                <a:latin typeface="Consolas" panose="020B0609020204030204" pitchFamily="49" charset="0"/>
-              </a:rPr>
-              <a:t>(</a:t>
-            </a:r>
-            <a:r>
-              <a:rPr lang="en-US" altLang="ko-KR" sz="1200" dirty="0" err="1">
-                <a:solidFill>
-                  <a:srgbClr val="6A3E3E"/>
-                </a:solidFill>
-                <a:latin typeface="Consolas" panose="020B0609020204030204" pitchFamily="49" charset="0"/>
-              </a:rPr>
-              <a:t>userid</a:t>
-            </a:r>
-            <a:r>
-              <a:rPr lang="en-US" altLang="ko-KR" sz="1200" dirty="0">
-                <a:solidFill>
-                  <a:srgbClr val="000000"/>
-                </a:solidFill>
-                <a:latin typeface="Consolas" panose="020B0609020204030204" pitchFamily="49" charset="0"/>
-              </a:rPr>
-              <a:t>);</a:t>
-            </a:r>
-          </a:p>
-          <a:p>
-            <a:r>
-              <a:rPr lang="en-US" altLang="ko-KR" sz="1200" dirty="0" err="1">
-                <a:solidFill>
-                  <a:srgbClr val="000000"/>
-                </a:solidFill>
-                <a:latin typeface="Consolas" panose="020B0609020204030204" pitchFamily="49" charset="0"/>
-              </a:rPr>
-              <a:t>System.</a:t>
-            </a:r>
-            <a:r>
-              <a:rPr lang="en-US" altLang="ko-KR" sz="1200" b="1" i="1" dirty="0" err="1">
-                <a:solidFill>
-                  <a:srgbClr val="0000C0"/>
-                </a:solidFill>
-                <a:latin typeface="Consolas" panose="020B0609020204030204" pitchFamily="49" charset="0"/>
-              </a:rPr>
-              <a:t>out</a:t>
-            </a:r>
-            <a:r>
-              <a:rPr lang="en-US" altLang="ko-KR" sz="1200" dirty="0" err="1">
-                <a:solidFill>
-                  <a:srgbClr val="000000"/>
-                </a:solidFill>
-                <a:latin typeface="Consolas" panose="020B0609020204030204" pitchFamily="49" charset="0"/>
-              </a:rPr>
-              <a:t>.println</a:t>
-            </a:r>
-            <a:r>
-              <a:rPr lang="en-US" altLang="ko-KR" sz="1200" dirty="0">
-                <a:solidFill>
-                  <a:srgbClr val="000000"/>
-                </a:solidFill>
-                <a:latin typeface="Consolas" panose="020B0609020204030204" pitchFamily="49" charset="0"/>
-              </a:rPr>
-              <a:t>(</a:t>
-            </a:r>
-            <a:r>
-              <a:rPr lang="en-US" altLang="ko-KR" sz="1200" dirty="0">
-                <a:solidFill>
-                  <a:srgbClr val="2A00FF"/>
-                </a:solidFill>
-                <a:latin typeface="Consolas" panose="020B0609020204030204" pitchFamily="49" charset="0"/>
-              </a:rPr>
-              <a:t>"</a:t>
-            </a:r>
-            <a:r>
-              <a:rPr lang="ko-KR" altLang="en-US" sz="1200" dirty="0">
-                <a:solidFill>
-                  <a:srgbClr val="2A00FF"/>
-                </a:solidFill>
-                <a:latin typeface="Consolas" panose="020B0609020204030204" pitchFamily="49" charset="0"/>
-              </a:rPr>
-              <a:t>서비스 </a:t>
-            </a:r>
-            <a:r>
-              <a:rPr lang="en-US" altLang="ko-KR" sz="1200" dirty="0">
-                <a:solidFill>
-                  <a:srgbClr val="2A00FF"/>
-                </a:solidFill>
-                <a:latin typeface="Consolas" panose="020B0609020204030204" pitchFamily="49" charset="0"/>
-              </a:rPr>
-              <a:t>: "</a:t>
-            </a:r>
-            <a:r>
-              <a:rPr lang="en-US" altLang="ko-KR" sz="1200" dirty="0">
-                <a:solidFill>
-                  <a:srgbClr val="000000"/>
-                </a:solidFill>
-                <a:latin typeface="Consolas" panose="020B0609020204030204" pitchFamily="49" charset="0"/>
-              </a:rPr>
-              <a:t>+</a:t>
-            </a:r>
-            <a:r>
-              <a:rPr lang="en-US" altLang="ko-KR" sz="1200" dirty="0">
-                <a:solidFill>
-                  <a:srgbClr val="6A3E3E"/>
-                </a:solidFill>
-                <a:latin typeface="Consolas" panose="020B0609020204030204" pitchFamily="49" charset="0"/>
-              </a:rPr>
-              <a:t>user</a:t>
-            </a:r>
-            <a:r>
-              <a:rPr lang="en-US" altLang="ko-KR" sz="1200" dirty="0">
-                <a:solidFill>
-                  <a:srgbClr val="000000"/>
-                </a:solidFill>
-                <a:latin typeface="Consolas" panose="020B0609020204030204" pitchFamily="49" charset="0"/>
-              </a:rPr>
-              <a:t>);</a:t>
-            </a:r>
-          </a:p>
-          <a:p>
-            <a:r>
-              <a:rPr lang="en-US" altLang="ko-KR" sz="1200" b="1" dirty="0">
-                <a:solidFill>
-                  <a:srgbClr val="7F0055"/>
-                </a:solidFill>
-                <a:latin typeface="Consolas" panose="020B0609020204030204" pitchFamily="49" charset="0"/>
-              </a:rPr>
-              <a:t>if</a:t>
-            </a:r>
-            <a:r>
-              <a:rPr lang="en-US" altLang="ko-KR" sz="1200" dirty="0">
-                <a:solidFill>
-                  <a:srgbClr val="000000"/>
-                </a:solidFill>
-                <a:latin typeface="Consolas" panose="020B0609020204030204" pitchFamily="49" charset="0"/>
-              </a:rPr>
-              <a:t>(</a:t>
-            </a:r>
-            <a:r>
-              <a:rPr lang="en-US" altLang="ko-KR" sz="1200" dirty="0">
-                <a:solidFill>
-                  <a:srgbClr val="6A3E3E"/>
-                </a:solidFill>
-                <a:latin typeface="Consolas" panose="020B0609020204030204" pitchFamily="49" charset="0"/>
-              </a:rPr>
-              <a:t>user</a:t>
-            </a:r>
-            <a:r>
-              <a:rPr lang="en-US" altLang="ko-KR" sz="1200" dirty="0">
-                <a:solidFill>
-                  <a:srgbClr val="000000"/>
-                </a:solidFill>
-                <a:latin typeface="Consolas" panose="020B0609020204030204" pitchFamily="49" charset="0"/>
-              </a:rPr>
-              <a:t> == </a:t>
-            </a:r>
-            <a:r>
-              <a:rPr lang="en-US" altLang="ko-KR" sz="1200" b="1" dirty="0">
-                <a:solidFill>
-                  <a:srgbClr val="7F0055"/>
-                </a:solidFill>
-                <a:latin typeface="Consolas" panose="020B0609020204030204" pitchFamily="49" charset="0"/>
-              </a:rPr>
-              <a:t>null</a:t>
-            </a:r>
-            <a:r>
-              <a:rPr lang="en-US" altLang="ko-KR" sz="1200" dirty="0">
-                <a:solidFill>
-                  <a:srgbClr val="000000"/>
-                </a:solidFill>
-                <a:latin typeface="Consolas" panose="020B0609020204030204" pitchFamily="49" charset="0"/>
-              </a:rPr>
-              <a:t>) {</a:t>
-            </a:r>
-          </a:p>
-          <a:p>
-            <a:r>
-              <a:rPr lang="en-US" altLang="ko-KR" sz="1200" b="1" dirty="0">
-                <a:solidFill>
-                  <a:srgbClr val="7F0055"/>
-                </a:solidFill>
-                <a:latin typeface="Consolas" panose="020B0609020204030204" pitchFamily="49" charset="0"/>
-              </a:rPr>
-              <a:t>return</a:t>
-            </a:r>
-            <a:r>
-              <a:rPr lang="en-US" altLang="ko-KR" sz="1200" dirty="0">
-                <a:solidFill>
-                  <a:srgbClr val="000000"/>
-                </a:solidFill>
-                <a:latin typeface="Consolas" panose="020B0609020204030204" pitchFamily="49" charset="0"/>
-              </a:rPr>
-              <a:t> </a:t>
-            </a:r>
-            <a:r>
-              <a:rPr lang="en-US" altLang="ko-KR" sz="1200" b="1" dirty="0">
-                <a:solidFill>
-                  <a:srgbClr val="7F0055"/>
-                </a:solidFill>
-                <a:latin typeface="Consolas" panose="020B0609020204030204" pitchFamily="49" charset="0"/>
-              </a:rPr>
-              <a:t>null</a:t>
-            </a:r>
-            <a:r>
-              <a:rPr lang="en-US" altLang="ko-KR" sz="1200" dirty="0">
-                <a:solidFill>
-                  <a:srgbClr val="000000"/>
-                </a:solidFill>
-                <a:latin typeface="Consolas" panose="020B0609020204030204" pitchFamily="49" charset="0"/>
-              </a:rPr>
-              <a:t>;</a:t>
-            </a:r>
-          </a:p>
-          <a:p>
-            <a:r>
-              <a:rPr lang="en-US" altLang="ko-KR" sz="1200" dirty="0">
-                <a:solidFill>
-                  <a:srgbClr val="000000"/>
-                </a:solidFill>
-                <a:latin typeface="Consolas" panose="020B0609020204030204" pitchFamily="49" charset="0"/>
-              </a:rPr>
-              <a:t>} </a:t>
-            </a:r>
-          </a:p>
-          <a:p>
-            <a:r>
-              <a:rPr lang="en-US" altLang="ko-KR" sz="1200" b="1" dirty="0">
-                <a:solidFill>
-                  <a:srgbClr val="7F0055"/>
-                </a:solidFill>
-                <a:latin typeface="Consolas" panose="020B0609020204030204" pitchFamily="49" charset="0"/>
-              </a:rPr>
-              <a:t>if</a:t>
-            </a:r>
-            <a:r>
-              <a:rPr lang="en-US" altLang="ko-KR" sz="1200" dirty="0">
-                <a:solidFill>
-                  <a:srgbClr val="000000"/>
-                </a:solidFill>
-                <a:latin typeface="Consolas" panose="020B0609020204030204" pitchFamily="49" charset="0"/>
-              </a:rPr>
-              <a:t>(!</a:t>
-            </a:r>
-            <a:r>
-              <a:rPr lang="en-US" altLang="ko-KR" sz="1200" dirty="0" err="1">
-                <a:solidFill>
-                  <a:srgbClr val="0000C0"/>
-                </a:solidFill>
-                <a:latin typeface="Consolas" panose="020B0609020204030204" pitchFamily="49" charset="0"/>
-              </a:rPr>
-              <a:t>passwordEncoder</a:t>
-            </a:r>
-            <a:r>
-              <a:rPr lang="en-US" altLang="ko-KR" sz="1200" dirty="0" err="1">
-                <a:solidFill>
-                  <a:srgbClr val="000000"/>
-                </a:solidFill>
-                <a:latin typeface="Consolas" panose="020B0609020204030204" pitchFamily="49" charset="0"/>
-              </a:rPr>
-              <a:t>.matches</a:t>
-            </a:r>
-            <a:r>
-              <a:rPr lang="en-US" altLang="ko-KR" sz="1200" dirty="0">
-                <a:solidFill>
-                  <a:srgbClr val="000000"/>
-                </a:solidFill>
-                <a:latin typeface="Consolas" panose="020B0609020204030204" pitchFamily="49" charset="0"/>
-              </a:rPr>
-              <a:t>(</a:t>
-            </a:r>
-            <a:r>
-              <a:rPr lang="en-US" altLang="ko-KR" sz="1200" dirty="0" err="1">
-                <a:solidFill>
-                  <a:srgbClr val="6A3E3E"/>
-                </a:solidFill>
-                <a:latin typeface="Consolas" panose="020B0609020204030204" pitchFamily="49" charset="0"/>
-              </a:rPr>
-              <a:t>userpwd</a:t>
-            </a:r>
-            <a:r>
-              <a:rPr lang="en-US" altLang="ko-KR" sz="1200" dirty="0">
-                <a:solidFill>
-                  <a:srgbClr val="000000"/>
-                </a:solidFill>
-                <a:latin typeface="Consolas" panose="020B0609020204030204" pitchFamily="49" charset="0"/>
-              </a:rPr>
-              <a:t>, </a:t>
-            </a:r>
-            <a:r>
-              <a:rPr lang="en-US" altLang="ko-KR" sz="1200" dirty="0" err="1">
-                <a:solidFill>
-                  <a:srgbClr val="6A3E3E"/>
-                </a:solidFill>
-                <a:latin typeface="Consolas" panose="020B0609020204030204" pitchFamily="49" charset="0"/>
-              </a:rPr>
-              <a:t>user</a:t>
-            </a:r>
-            <a:r>
-              <a:rPr lang="en-US" altLang="ko-KR" sz="1200" dirty="0" err="1">
-                <a:solidFill>
-                  <a:srgbClr val="000000"/>
-                </a:solidFill>
-                <a:latin typeface="Consolas" panose="020B0609020204030204" pitchFamily="49" charset="0"/>
-              </a:rPr>
-              <a:t>.getUserpwd</a:t>
-            </a:r>
-            <a:r>
-              <a:rPr lang="en-US" altLang="ko-KR" sz="1200" dirty="0">
-                <a:solidFill>
-                  <a:srgbClr val="000000"/>
-                </a:solidFill>
-                <a:latin typeface="Consolas" panose="020B0609020204030204" pitchFamily="49" charset="0"/>
-              </a:rPr>
-              <a:t>())) {</a:t>
-            </a:r>
-          </a:p>
-          <a:p>
-            <a:r>
-              <a:rPr lang="en-US" altLang="ko-KR" sz="1200" b="1" dirty="0">
-                <a:solidFill>
-                  <a:srgbClr val="7F0055"/>
-                </a:solidFill>
-                <a:latin typeface="Consolas" panose="020B0609020204030204" pitchFamily="49" charset="0"/>
-              </a:rPr>
-              <a:t>return</a:t>
-            </a:r>
-            <a:r>
-              <a:rPr lang="en-US" altLang="ko-KR" sz="1200" dirty="0">
-                <a:solidFill>
-                  <a:srgbClr val="000000"/>
-                </a:solidFill>
-                <a:latin typeface="Consolas" panose="020B0609020204030204" pitchFamily="49" charset="0"/>
-              </a:rPr>
-              <a:t> </a:t>
-            </a:r>
-            <a:r>
-              <a:rPr lang="en-US" altLang="ko-KR" sz="1200" b="1" dirty="0">
-                <a:solidFill>
-                  <a:srgbClr val="7F0055"/>
-                </a:solidFill>
-                <a:latin typeface="Consolas" panose="020B0609020204030204" pitchFamily="49" charset="0"/>
-              </a:rPr>
-              <a:t>null</a:t>
-            </a:r>
-            <a:r>
-              <a:rPr lang="en-US" altLang="ko-KR" sz="1200" dirty="0">
-                <a:solidFill>
-                  <a:srgbClr val="000000"/>
-                </a:solidFill>
-                <a:latin typeface="Consolas" panose="020B0609020204030204" pitchFamily="49" charset="0"/>
-              </a:rPr>
-              <a:t>;</a:t>
-            </a:r>
-          </a:p>
-          <a:p>
-            <a:r>
-              <a:rPr lang="en-US" altLang="ko-KR" sz="1200" dirty="0">
-                <a:solidFill>
-                  <a:srgbClr val="000000"/>
-                </a:solidFill>
-                <a:latin typeface="Consolas" panose="020B0609020204030204" pitchFamily="49" charset="0"/>
-              </a:rPr>
-              <a:t>}</a:t>
-            </a:r>
-          </a:p>
-          <a:p>
-            <a:br>
-              <a:rPr lang="en-US" altLang="ko-KR" sz="1200" dirty="0">
-                <a:solidFill>
-                  <a:srgbClr val="000000"/>
-                </a:solidFill>
-                <a:latin typeface="Consolas" panose="020B0609020204030204" pitchFamily="49" charset="0"/>
-              </a:rPr>
-            </a:br>
-            <a:endParaRPr lang="en-US" altLang="ko-KR" sz="1200" dirty="0">
-              <a:solidFill>
-                <a:srgbClr val="000000"/>
-              </a:solidFill>
-              <a:latin typeface="Consolas" panose="020B0609020204030204" pitchFamily="49" charset="0"/>
-            </a:endParaRPr>
-          </a:p>
-          <a:p>
-            <a:r>
-              <a:rPr lang="en-US" altLang="ko-KR" sz="1200" b="1" dirty="0">
-                <a:solidFill>
-                  <a:srgbClr val="7F0055"/>
-                </a:solidFill>
-                <a:latin typeface="Consolas" panose="020B0609020204030204" pitchFamily="49" charset="0"/>
-              </a:rPr>
-              <a:t>return</a:t>
-            </a:r>
-            <a:r>
-              <a:rPr lang="en-US" altLang="ko-KR" sz="1200" dirty="0">
-                <a:solidFill>
-                  <a:srgbClr val="000000"/>
-                </a:solidFill>
-                <a:latin typeface="Consolas" panose="020B0609020204030204" pitchFamily="49" charset="0"/>
-              </a:rPr>
-              <a:t> </a:t>
-            </a:r>
-            <a:r>
-              <a:rPr lang="en-US" altLang="ko-KR" sz="1200" dirty="0">
-                <a:solidFill>
-                  <a:srgbClr val="6A3E3E"/>
-                </a:solidFill>
-                <a:latin typeface="Consolas" panose="020B0609020204030204" pitchFamily="49" charset="0"/>
-              </a:rPr>
-              <a:t>user</a:t>
-            </a:r>
-            <a:r>
-              <a:rPr lang="en-US" altLang="ko-KR" sz="1200" dirty="0">
-                <a:solidFill>
-                  <a:srgbClr val="000000"/>
-                </a:solidFill>
-                <a:latin typeface="Consolas" panose="020B0609020204030204" pitchFamily="49" charset="0"/>
-              </a:rPr>
-              <a:t>; </a:t>
-            </a:r>
-            <a:endParaRPr lang="ko-KR" altLang="en-US" sz="1200" dirty="0">
-              <a:solidFill>
-                <a:srgbClr val="000000"/>
-              </a:solidFill>
-              <a:latin typeface="Consolas" panose="020B0609020204030204" pitchFamily="49" charset="0"/>
-            </a:endParaRPr>
-          </a:p>
-          <a:p>
-            <a:r>
-              <a:rPr lang="en-US" altLang="ko-KR" sz="1200" dirty="0">
-                <a:solidFill>
-                  <a:srgbClr val="000000"/>
-                </a:solidFill>
-                <a:latin typeface="Consolas" panose="020B0609020204030204" pitchFamily="49" charset="0"/>
-              </a:rPr>
-              <a:t>}</a:t>
-            </a:r>
+            <a:pPr algn="ctr"/>
+            <a:endParaRPr lang="ko-KR" altLang="en-US" dirty="0"/>
           </a:p>
         </p:txBody>
       </p:sp>
       <p:sp>
         <p:nvSpPr>
-          <p:cNvPr id="19" name="TextBox 18">
+          <p:cNvPr id="25" name="TextBox 24">
             <a:extLst>
               <a:ext uri="{FF2B5EF4-FFF2-40B4-BE49-F238E27FC236}">
-                <a16:creationId xmlns:a16="http://schemas.microsoft.com/office/drawing/2014/main" id="{958B6D15-9D38-4147-BB42-D71FAD7F13C9}"/>
+                <a16:creationId xmlns:a16="http://schemas.microsoft.com/office/drawing/2014/main" id="{91563730-F096-43FD-A7A8-C84F5DFC5F33}"/>
               </a:ext>
             </a:extLst>
           </p:cNvPr>
@@ -10917,8 +9244,8 @@
         </p:nvSpPr>
         <p:spPr>
           <a:xfrm>
-            <a:off x="12925610" y="1713097"/>
-            <a:ext cx="1752600" cy="553998"/>
+            <a:off x="1543762" y="8978761"/>
+            <a:ext cx="2545717" cy="461665"/>
           </a:xfrm>
           <a:prstGeom prst="rect">
             <a:avLst/>
@@ -10932,48 +9259,18 @@
           <a:lstStyle/>
           <a:p>
             <a:r>
-              <a:rPr lang="ko-KR" altLang="en-US" sz="3000" b="1" dirty="0"/>
-              <a:t>적용 후</a:t>
+              <a:rPr lang="ko-KR" altLang="en-US" sz="2400" b="1" dirty="0"/>
+              <a:t>적용 전</a:t>
             </a:r>
           </a:p>
         </p:txBody>
       </p:sp>
-      <p:pic>
-        <p:nvPicPr>
-          <p:cNvPr id="20" name="그림 19">
+      <p:sp>
+        <p:nvSpPr>
+          <p:cNvPr id="32" name="TextBox 31">
             <a:extLst>
               <a:ext uri="{FF2B5EF4-FFF2-40B4-BE49-F238E27FC236}">
-                <a16:creationId xmlns:a16="http://schemas.microsoft.com/office/drawing/2014/main" id="{D83C8F64-0151-44E2-9DDF-AEC79540C0C4}"/>
-              </a:ext>
-            </a:extLst>
-          </p:cNvPr>
-          <p:cNvPicPr>
-            <a:picLocks noChangeAspect="1"/>
-          </p:cNvPicPr>
-          <p:nvPr/>
-        </p:nvPicPr>
-        <p:blipFill>
-          <a:blip r:embed="rId5"/>
-          <a:stretch>
-            <a:fillRect/>
-          </a:stretch>
-        </p:blipFill>
-        <p:spPr>
-          <a:xfrm>
-            <a:off x="9648915" y="8115300"/>
-            <a:ext cx="8305990" cy="1733775"/>
-          </a:xfrm>
-          <a:prstGeom prst="rect">
-            <a:avLst/>
-          </a:prstGeom>
-        </p:spPr>
-      </p:pic>
-      <p:sp>
-        <p:nvSpPr>
-          <p:cNvPr id="21" name="TextBox 20">
-            <a:extLst>
-              <a:ext uri="{FF2B5EF4-FFF2-40B4-BE49-F238E27FC236}">
-                <a16:creationId xmlns:a16="http://schemas.microsoft.com/office/drawing/2014/main" id="{B63AA0C6-2862-42F8-904F-50874CEF3351}"/>
+                <a16:creationId xmlns:a16="http://schemas.microsoft.com/office/drawing/2014/main" id="{38464E20-014D-4217-95C6-7AE24E728C67}"/>
               </a:ext>
             </a:extLst>
           </p:cNvPr>
@@ -10982,8 +9279,8 @@
         </p:nvSpPr>
         <p:spPr>
           <a:xfrm>
-            <a:off x="11293599" y="2554566"/>
-            <a:ext cx="5938345" cy="2031325"/>
+            <a:off x="3886200" y="9683281"/>
+            <a:ext cx="2545717" cy="461665"/>
           </a:xfrm>
           <a:prstGeom prst="rect">
             <a:avLst/>
@@ -10997,61 +9294,9 @@
           <a:lstStyle/>
           <a:p>
             <a:r>
-              <a:rPr lang="ko-KR" altLang="en-US" dirty="0"/>
-              <a:t>기존 비밀번호 </a:t>
-            </a:r>
-            <a:r>
-              <a:rPr lang="ko-KR" altLang="en-US" dirty="0" err="1"/>
-              <a:t>평문</a:t>
-            </a:r>
-            <a:r>
-              <a:rPr lang="ko-KR" altLang="en-US" dirty="0"/>
-              <a:t> 비교를 하였지만</a:t>
-            </a:r>
-            <a:br>
-              <a:rPr lang="en-US" altLang="ko-KR" dirty="0"/>
-            </a:br>
-            <a:br>
-              <a:rPr lang="en-US" altLang="ko-KR" dirty="0"/>
-            </a:br>
-            <a:r>
-              <a:rPr lang="en-US" altLang="ko-KR" dirty="0" err="1"/>
-              <a:t>BCryptPasswordEncoder</a:t>
-            </a:r>
-            <a:r>
-              <a:rPr lang="ko-KR" altLang="en-US" dirty="0"/>
-              <a:t>를 사용하여 비밀번호를</a:t>
-            </a:r>
-            <a:endParaRPr lang="en-US" altLang="ko-KR" dirty="0"/>
-          </a:p>
-          <a:p>
-            <a:r>
-              <a:rPr lang="en-US" altLang="ko-KR" dirty="0"/>
-              <a:t>DB</a:t>
-            </a:r>
-            <a:r>
-              <a:rPr lang="ko-KR" altLang="en-US" dirty="0"/>
-              <a:t>에 저장할 때 암호화를 하고 비밀번호를 </a:t>
-            </a:r>
-            <a:r>
-              <a:rPr lang="ko-KR" altLang="en-US" dirty="0" err="1"/>
-              <a:t>비교할땐</a:t>
-            </a:r>
-            <a:r>
-              <a:rPr lang="ko-KR" altLang="en-US" dirty="0"/>
-              <a:t> </a:t>
-            </a:r>
-            <a:endParaRPr lang="en-US" altLang="ko-KR" dirty="0"/>
-          </a:p>
-          <a:p>
-            <a:r>
-              <a:rPr lang="ko-KR" altLang="en-US" dirty="0"/>
-              <a:t>복호화를 진행하여 해당 비밀번호가 일치하면 로그인이 되는 구조 </a:t>
-            </a:r>
-            <a:endParaRPr lang="en-US" altLang="ko-KR" dirty="0"/>
-          </a:p>
-          <a:p>
-            <a:endParaRPr lang="ko-KR" altLang="en-US" dirty="0"/>
+              <a:rPr lang="ko-KR" altLang="en-US" sz="2400" b="1" dirty="0"/>
+              <a:t>적용 후</a:t>
+            </a:r>
           </a:p>
         </p:txBody>
       </p:sp>
@@ -11108,7 +9353,7 @@
             <p:nvPr/>
           </p:nvPicPr>
           <p:blipFill>
-            <a:blip r:embed="rId2" cstate="print"/>
+            <a:blip r:embed="rId3" cstate="print"/>
             <a:stretch>
               <a:fillRect/>
             </a:stretch>
@@ -11147,7 +9392,7 @@
             <p:nvPr/>
           </p:nvPicPr>
           <p:blipFill>
-            <a:blip r:embed="rId3" cstate="print"/>
+            <a:blip r:embed="rId4" cstate="print"/>
             <a:stretch>
               <a:fillRect/>
             </a:stretch>
@@ -11186,7 +9431,7 @@
             <p:nvPr/>
           </p:nvPicPr>
           <p:blipFill>
-            <a:blip r:embed="rId4" cstate="print"/>
+            <a:blip r:embed="rId5" cstate="print"/>
             <a:stretch>
               <a:fillRect/>
             </a:stretch>
@@ -11333,14 +9578,14 @@
           <p:nvPr/>
         </p:nvPicPr>
         <p:blipFill>
-          <a:blip r:embed="rId5"/>
+          <a:blip r:embed="rId6"/>
           <a:stretch>
             <a:fillRect/>
           </a:stretch>
         </p:blipFill>
         <p:spPr>
           <a:xfrm>
-            <a:off x="10972800" y="3444508"/>
+            <a:off x="11153775" y="3660611"/>
             <a:ext cx="6143625" cy="5619750"/>
           </a:xfrm>
           <a:prstGeom prst="rect">
@@ -11363,14 +9608,14 @@
           <p:nvPr/>
         </p:nvPicPr>
         <p:blipFill>
-          <a:blip r:embed="rId6"/>
+          <a:blip r:embed="rId7"/>
           <a:stretch>
             <a:fillRect/>
           </a:stretch>
         </p:blipFill>
         <p:spPr>
           <a:xfrm>
-            <a:off x="3835400" y="3444508"/>
+            <a:off x="3835400" y="3658631"/>
             <a:ext cx="5867400" cy="5619750"/>
           </a:xfrm>
           <a:prstGeom prst="rect">
@@ -11392,7 +9637,7 @@
         </p:nvSpPr>
         <p:spPr>
           <a:xfrm>
-            <a:off x="6019800" y="2373843"/>
+            <a:off x="5892800" y="2890510"/>
             <a:ext cx="1752600" cy="553998"/>
           </a:xfrm>
           <a:prstGeom prst="rect">
@@ -11427,7 +9672,7 @@
         </p:nvSpPr>
         <p:spPr>
           <a:xfrm>
-            <a:off x="13258800" y="2351901"/>
+            <a:off x="13349287" y="2881800"/>
             <a:ext cx="1752600" cy="553998"/>
           </a:xfrm>
           <a:prstGeom prst="rect">
@@ -11508,6 +9753,186 @@
                 </a:solidFill>
               </a:ln>
             </a:endParaRPr>
+          </a:p>
+        </p:txBody>
+      </p:sp>
+      <p:sp>
+        <p:nvSpPr>
+          <p:cNvPr id="17" name="TextBox 16">
+            <a:extLst>
+              <a:ext uri="{FF2B5EF4-FFF2-40B4-BE49-F238E27FC236}">
+                <a16:creationId xmlns:a16="http://schemas.microsoft.com/office/drawing/2014/main" id="{698EF119-680C-48E2-9F93-89D8DF3212A0}"/>
+              </a:ext>
+            </a:extLst>
+          </p:cNvPr>
+          <p:cNvSpPr txBox="1"/>
+          <p:nvPr/>
+        </p:nvSpPr>
+        <p:spPr>
+          <a:xfrm>
+            <a:off x="7943866" y="1089707"/>
+            <a:ext cx="4952181" cy="1169551"/>
+          </a:xfrm>
+          <a:prstGeom prst="rect">
+            <a:avLst/>
+          </a:prstGeom>
+          <a:noFill/>
+        </p:spPr>
+        <p:txBody>
+          <a:bodyPr wrap="square" rtlCol="0">
+            <a:spAutoFit/>
+          </a:bodyPr>
+          <a:lstStyle/>
+          <a:p>
+            <a:r>
+              <a:rPr lang="en-US" altLang="ko-KR" sz="7000" b="1" dirty="0" err="1"/>
+              <a:t>Recaptcha</a:t>
+            </a:r>
+            <a:endParaRPr lang="ko-KR" altLang="en-US" sz="7000" b="1" dirty="0"/>
+          </a:p>
+        </p:txBody>
+      </p:sp>
+      <p:sp>
+        <p:nvSpPr>
+          <p:cNvPr id="2" name="TextBox 1">
+            <a:extLst>
+              <a:ext uri="{FF2B5EF4-FFF2-40B4-BE49-F238E27FC236}">
+                <a16:creationId xmlns:a16="http://schemas.microsoft.com/office/drawing/2014/main" id="{82176CE9-326E-41B3-A232-CE818AC416ED}"/>
+              </a:ext>
+            </a:extLst>
+          </p:cNvPr>
+          <p:cNvSpPr txBox="1"/>
+          <p:nvPr/>
+        </p:nvSpPr>
+        <p:spPr>
+          <a:xfrm>
+            <a:off x="6769100" y="2242374"/>
+            <a:ext cx="6747109" cy="477054"/>
+          </a:xfrm>
+          <a:prstGeom prst="rect">
+            <a:avLst/>
+          </a:prstGeom>
+          <a:noFill/>
+        </p:spPr>
+        <p:txBody>
+          <a:bodyPr wrap="square" rtlCol="0">
+            <a:spAutoFit/>
+          </a:bodyPr>
+          <a:lstStyle/>
+          <a:p>
+            <a:r>
+              <a:rPr lang="ko-KR" altLang="en-US" sz="2500" dirty="0"/>
+              <a:t>무차별적인 매크로 접속을 막기 위한 </a:t>
+            </a:r>
+            <a:r>
+              <a:rPr lang="ko-KR" altLang="en-US" sz="2500" b="1" dirty="0" err="1"/>
+              <a:t>캡챠</a:t>
+            </a:r>
+            <a:r>
+              <a:rPr lang="ko-KR" altLang="en-US" sz="2500" dirty="0"/>
+              <a:t> 적용</a:t>
+            </a:r>
+          </a:p>
+        </p:txBody>
+      </p:sp>
+      <p:sp>
+        <p:nvSpPr>
+          <p:cNvPr id="18" name="화살표: 오른쪽 17">
+            <a:extLst>
+              <a:ext uri="{FF2B5EF4-FFF2-40B4-BE49-F238E27FC236}">
+                <a16:creationId xmlns:a16="http://schemas.microsoft.com/office/drawing/2014/main" id="{FCBEEF96-79F7-47FF-A2FD-48A6647404BD}"/>
+              </a:ext>
+            </a:extLst>
+          </p:cNvPr>
+          <p:cNvSpPr/>
+          <p:nvPr/>
+        </p:nvSpPr>
+        <p:spPr>
+          <a:xfrm rot="18605415">
+            <a:off x="11556591" y="7263709"/>
+            <a:ext cx="1061266" cy="457200"/>
+          </a:xfrm>
+          <a:prstGeom prst="rightArrow">
+            <a:avLst>
+              <a:gd name="adj1" fmla="val 28182"/>
+              <a:gd name="adj2" fmla="val 111818"/>
+            </a:avLst>
+          </a:prstGeom>
+          <a:solidFill>
+            <a:schemeClr val="bg2"/>
+          </a:solidFill>
+          <a:ln>
+            <a:solidFill>
+              <a:schemeClr val="tx1">
+                <a:lumMod val="95000"/>
+                <a:lumOff val="5000"/>
+              </a:schemeClr>
+            </a:solidFill>
+          </a:ln>
+        </p:spPr>
+        <p:style>
+          <a:lnRef idx="2">
+            <a:schemeClr val="accent1">
+              <a:shade val="50000"/>
+            </a:schemeClr>
+          </a:lnRef>
+          <a:fillRef idx="1">
+            <a:schemeClr val="accent1"/>
+          </a:fillRef>
+          <a:effectRef idx="0">
+            <a:schemeClr val="accent1"/>
+          </a:effectRef>
+          <a:fontRef idx="minor">
+            <a:schemeClr val="lt1"/>
+          </a:fontRef>
+        </p:style>
+        <p:txBody>
+          <a:bodyPr rtlCol="0" anchor="ctr"/>
+          <a:lstStyle/>
+          <a:p>
+            <a:pPr algn="ctr"/>
+            <a:endParaRPr lang="ko-KR" altLang="en-US" dirty="0">
+              <a:ln>
+                <a:solidFill>
+                  <a:schemeClr val="tx1"/>
+                </a:solidFill>
+              </a:ln>
+            </a:endParaRPr>
+          </a:p>
+        </p:txBody>
+      </p:sp>
+      <p:sp>
+        <p:nvSpPr>
+          <p:cNvPr id="8" name="TextBox 7">
+            <a:extLst>
+              <a:ext uri="{FF2B5EF4-FFF2-40B4-BE49-F238E27FC236}">
+                <a16:creationId xmlns:a16="http://schemas.microsoft.com/office/drawing/2014/main" id="{D6267279-066F-4B95-B2C0-452A163F7E2C}"/>
+              </a:ext>
+            </a:extLst>
+          </p:cNvPr>
+          <p:cNvSpPr txBox="1"/>
+          <p:nvPr/>
+        </p:nvSpPr>
+        <p:spPr>
+          <a:xfrm>
+            <a:off x="11277600" y="7900958"/>
+            <a:ext cx="1033221" cy="492443"/>
+          </a:xfrm>
+          <a:prstGeom prst="rect">
+            <a:avLst/>
+          </a:prstGeom>
+          <a:noFill/>
+        </p:spPr>
+        <p:txBody>
+          <a:bodyPr wrap="square" rtlCol="0">
+            <a:spAutoFit/>
+          </a:bodyPr>
+          <a:lstStyle/>
+          <a:p>
+            <a:r>
+              <a:rPr lang="ko-KR" altLang="en-US" sz="2600" b="1" dirty="0"/>
+              <a:t>추가</a:t>
+            </a:r>
           </a:p>
         </p:txBody>
       </p:sp>
@@ -11788,8 +10213,8 @@
         </p:nvSpPr>
         <p:spPr>
           <a:xfrm>
-            <a:off x="5105400" y="2906374"/>
-            <a:ext cx="8801100" cy="830997"/>
+            <a:off x="3733800" y="2991237"/>
+            <a:ext cx="14781427" cy="707886"/>
           </a:xfrm>
           <a:prstGeom prst="rect">
             <a:avLst/>
@@ -11803,52 +10228,68 @@
           <a:lstStyle/>
           <a:p>
             <a:r>
-              <a:rPr lang="en-US" altLang="ko-KR" sz="2400" dirty="0" err="1"/>
-              <a:t>Mybatis</a:t>
-            </a:r>
-            <a:r>
-              <a:rPr lang="ko-KR" altLang="en-US" sz="2400" dirty="0"/>
-              <a:t>를 통한 </a:t>
-            </a:r>
-            <a:r>
-              <a:rPr lang="en-US" altLang="ko-KR" sz="2400" dirty="0"/>
-              <a:t>.xml </a:t>
-            </a:r>
-            <a:r>
-              <a:rPr lang="ko-KR" altLang="en-US" sz="2400" dirty="0"/>
-              <a:t>쿼리 작성문에서 </a:t>
-            </a:r>
-            <a:r>
-              <a:rPr lang="en-US" altLang="ko-KR" sz="2400" dirty="0"/>
-              <a:t>${} </a:t>
-            </a:r>
-            <a:r>
-              <a:rPr lang="ko-KR" altLang="en-US" sz="2400" dirty="0"/>
-              <a:t>으로 작성하여 </a:t>
-            </a:r>
-            <a:r>
-              <a:rPr lang="en-US" altLang="ko-KR" sz="2400" dirty="0" err="1"/>
-              <a:t>sql</a:t>
-            </a:r>
-            <a:r>
-              <a:rPr lang="ko-KR" altLang="en-US" sz="2400" dirty="0"/>
+              <a:rPr lang="en-US" altLang="ko-KR" sz="4000" b="1" dirty="0"/>
+              <a:t>SQL</a:t>
+            </a:r>
+            <a:r>
+              <a:rPr lang="ko-KR" altLang="en-US" sz="4000" b="1" dirty="0"/>
               <a:t> </a:t>
             </a:r>
             <a:r>
-              <a:rPr lang="ko-KR" altLang="en-US" sz="2400" dirty="0" err="1"/>
+              <a:rPr lang="ko-KR" altLang="en-US" sz="4000" b="1" dirty="0" err="1"/>
               <a:t>인젝션</a:t>
             </a:r>
             <a:r>
-              <a:rPr lang="ko-KR" altLang="en-US" sz="2400" dirty="0"/>
-              <a:t> 공격이 가능한 쿼리가 있나 체크하고 </a:t>
-            </a:r>
-            <a:r>
-              <a:rPr lang="en-US" altLang="ko-KR" sz="2400" dirty="0"/>
-              <a:t>#{} </a:t>
-            </a:r>
-            <a:r>
-              <a:rPr lang="ko-KR" altLang="en-US" sz="2400" dirty="0"/>
-              <a:t>으로 바꾸었음</a:t>
+              <a:rPr lang="ko-KR" altLang="en-US" sz="4000" b="1" dirty="0"/>
+              <a:t> 공격</a:t>
+            </a:r>
+            <a:r>
+              <a:rPr lang="ko-KR" altLang="en-US" sz="4000" dirty="0"/>
+              <a:t>이 가능한 쿼리</a:t>
+            </a:r>
+            <a:r>
+              <a:rPr lang="en-US" altLang="ko-KR" sz="4000" dirty="0"/>
+              <a:t>(</a:t>
+            </a:r>
+            <a:r>
+              <a:rPr lang="en-US" altLang="ko-KR" sz="4000" b="1" dirty="0">
+                <a:solidFill>
+                  <a:srgbClr val="FF0000"/>
+                </a:solidFill>
+              </a:rPr>
+              <a:t>${}</a:t>
+            </a:r>
+            <a:r>
+              <a:rPr lang="en-US" altLang="ko-KR" sz="4000" dirty="0"/>
+              <a:t>)</a:t>
+            </a:r>
+            <a:r>
+              <a:rPr lang="ko-KR" altLang="en-US" sz="4000" dirty="0"/>
+              <a:t>가 있나 체크</a:t>
+            </a:r>
+            <a:r>
+              <a:rPr lang="en-US" altLang="ko-KR" sz="4000" dirty="0"/>
+              <a:t>,</a:t>
+            </a:r>
+            <a:r>
+              <a:rPr lang="ko-KR" altLang="en-US" sz="4000" dirty="0"/>
+              <a:t> </a:t>
+            </a:r>
+            <a:r>
+              <a:rPr lang="en-US" altLang="ko-KR" sz="4000" b="1" dirty="0">
+                <a:solidFill>
+                  <a:srgbClr val="FF0000"/>
+                </a:solidFill>
+              </a:rPr>
+              <a:t>#{}</a:t>
+            </a:r>
+            <a:r>
+              <a:rPr lang="en-US" altLang="ko-KR" sz="4000" dirty="0"/>
+              <a:t> </a:t>
+            </a:r>
+            <a:r>
+              <a:rPr lang="ko-KR" altLang="en-US" sz="4000" dirty="0"/>
+              <a:t>으로 변경</a:t>
             </a:r>
           </a:p>
         </p:txBody>
@@ -11867,8 +10308,8 @@
         </p:nvSpPr>
         <p:spPr>
           <a:xfrm>
-            <a:off x="8077200" y="1770395"/>
-            <a:ext cx="3505200" cy="861774"/>
+            <a:off x="5868015" y="1319965"/>
+            <a:ext cx="7289390" cy="1200329"/>
           </a:xfrm>
           <a:prstGeom prst="rect">
             <a:avLst/>
@@ -11882,10 +10323,17 @@
           <a:lstStyle/>
           <a:p>
             <a:r>
-              <a:rPr lang="en-US" altLang="ko-KR" sz="5000" b="1" dirty="0" err="1"/>
-              <a:t>mybatis</a:t>
-            </a:r>
-            <a:endParaRPr lang="ko-KR" altLang="en-US" sz="5000" b="1" dirty="0"/>
+              <a:rPr lang="en-US" altLang="ko-KR" sz="7200" b="1" dirty="0"/>
+              <a:t>SQL</a:t>
+            </a:r>
+            <a:r>
+              <a:rPr lang="ko-KR" altLang="en-US" sz="7200" b="1" dirty="0" err="1"/>
+              <a:t>인젝션</a:t>
+            </a:r>
+            <a:r>
+              <a:rPr lang="ko-KR" altLang="en-US" sz="7200" b="1" dirty="0"/>
+              <a:t> 방어</a:t>
+            </a:r>
           </a:p>
         </p:txBody>
       </p:sp>
@@ -11911,12 +10359,25 @@
         </p:blipFill>
         <p:spPr>
           <a:xfrm>
-            <a:off x="5867400" y="4812426"/>
-            <a:ext cx="6992272" cy="662147"/>
-          </a:xfrm>
-          <a:prstGeom prst="rect">
-            <a:avLst/>
+            <a:off x="1523999" y="4797037"/>
+            <a:ext cx="15776449" cy="1493982"/>
+          </a:xfrm>
+          <a:prstGeom prst="roundRect">
+            <a:avLst>
+              <a:gd name="adj" fmla="val 8594"/>
+            </a:avLst>
           </a:prstGeom>
+          <a:solidFill>
+            <a:srgbClr val="FFFFFF">
+              <a:shade val="85000"/>
+            </a:srgbClr>
+          </a:solidFill>
+          <a:ln>
+            <a:noFill/>
+          </a:ln>
+          <a:effectLst>
+            <a:reflection blurRad="12700" stA="38000" endPos="28000" dist="5000" dir="5400000" sy="-100000" algn="bl" rotWithShape="0"/>
+          </a:effectLst>
         </p:spPr>
       </p:pic>
       <p:pic>
@@ -11941,12 +10402,25 @@
         </p:blipFill>
         <p:spPr>
           <a:xfrm>
-            <a:off x="5867400" y="7022623"/>
-            <a:ext cx="6992272" cy="662147"/>
-          </a:xfrm>
-          <a:prstGeom prst="rect">
-            <a:avLst/>
+            <a:off x="1506793" y="7778962"/>
+            <a:ext cx="15776449" cy="1493982"/>
+          </a:xfrm>
+          <a:prstGeom prst="roundRect">
+            <a:avLst>
+              <a:gd name="adj" fmla="val 8594"/>
+            </a:avLst>
           </a:prstGeom>
+          <a:solidFill>
+            <a:srgbClr val="FFFFFF">
+              <a:shade val="85000"/>
+            </a:srgbClr>
+          </a:solidFill>
+          <a:ln>
+            <a:noFill/>
+          </a:ln>
+          <a:effectLst>
+            <a:reflection blurRad="12700" stA="38000" endPos="28000" dist="5000" dir="5400000" sy="-100000" algn="bl" rotWithShape="0"/>
+          </a:effectLst>
         </p:spPr>
       </p:pic>
       <p:sp>
@@ -11963,7 +10437,7 @@
         </p:nvSpPr>
         <p:spPr>
           <a:xfrm rot="5400000">
-            <a:off x="8951893" y="6007298"/>
+            <a:off x="8872467" y="6806390"/>
             <a:ext cx="823286" cy="457200"/>
           </a:xfrm>
           <a:prstGeom prst="rightArrow">
@@ -12026,7 +10500,7 @@
         </p:nvSpPr>
         <p:spPr>
           <a:xfrm>
-            <a:off x="8763000" y="4037588"/>
+            <a:off x="8669273" y="3989922"/>
             <a:ext cx="1485900" cy="584775"/>
           </a:xfrm>
           <a:prstGeom prst="rect">
@@ -12324,540 +10798,119 @@
         </p:nvSpPr>
         <p:spPr>
           <a:xfrm>
-            <a:off x="2655914" y="4565992"/>
-            <a:ext cx="7543800" cy="2308324"/>
+            <a:off x="4321229" y="3874659"/>
+            <a:ext cx="11582400" cy="5016758"/>
           </a:xfrm>
           <a:prstGeom prst="rect">
             <a:avLst/>
           </a:prstGeom>
         </p:spPr>
         <p:txBody>
-          <a:bodyPr wrap="square">
+          <a:bodyPr wrap="square" numCol="1">
             <a:spAutoFit/>
           </a:bodyPr>
           <a:lstStyle/>
           <a:p>
-            <a:r>
-              <a:rPr lang="ko-KR" altLang="en-US" sz="2400" dirty="0"/>
-              <a:t> // 1. 원본 파일명, 확장자 추출</a:t>
-            </a:r>
-          </a:p>
-          <a:p>
-            <a:r>
-              <a:rPr lang="ko-KR" altLang="en-US" sz="2400" dirty="0"/>
-              <a:t>    </a:t>
-            </a:r>
-            <a:r>
-              <a:rPr lang="ko-KR" altLang="en-US" sz="2400" dirty="0" err="1"/>
-              <a:t>String</a:t>
-            </a:r>
-            <a:r>
-              <a:rPr lang="ko-KR" altLang="en-US" sz="2400" dirty="0"/>
-              <a:t> </a:t>
-            </a:r>
-            <a:r>
-              <a:rPr lang="ko-KR" altLang="en-US" sz="2400" dirty="0" err="1"/>
-              <a:t>originalName</a:t>
-            </a:r>
-            <a:r>
-              <a:rPr lang="ko-KR" altLang="en-US" sz="2400" dirty="0"/>
-              <a:t> = </a:t>
-            </a:r>
-            <a:r>
-              <a:rPr lang="ko-KR" altLang="en-US" sz="2400" dirty="0" err="1"/>
-              <a:t>menudto.getImg</a:t>
-            </a:r>
-            <a:r>
-              <a:rPr lang="ko-KR" altLang="en-US" sz="2400" dirty="0"/>
-              <a:t>().</a:t>
-            </a:r>
-            <a:r>
-              <a:rPr lang="ko-KR" altLang="en-US" sz="2400" dirty="0" err="1"/>
-              <a:t>getOriginalFilename</a:t>
-            </a:r>
-            <a:r>
-              <a:rPr lang="ko-KR" altLang="en-US" sz="2400" dirty="0"/>
-              <a:t>();</a:t>
-            </a:r>
-          </a:p>
-          <a:p>
-            <a:r>
-              <a:rPr lang="ko-KR" altLang="en-US" sz="2400" dirty="0"/>
-              <a:t>    </a:t>
-            </a:r>
-            <a:r>
-              <a:rPr lang="ko-KR" altLang="en-US" sz="2400" dirty="0" err="1"/>
-              <a:t>String</a:t>
-            </a:r>
-            <a:r>
-              <a:rPr lang="ko-KR" altLang="en-US" sz="2400" dirty="0"/>
-              <a:t> </a:t>
-            </a:r>
-            <a:r>
-              <a:rPr lang="ko-KR" altLang="en-US" sz="2400" dirty="0" err="1"/>
-              <a:t>ext</a:t>
-            </a:r>
-            <a:r>
-              <a:rPr lang="ko-KR" altLang="en-US" sz="2400" dirty="0"/>
-              <a:t> = </a:t>
-            </a:r>
-            <a:r>
-              <a:rPr lang="ko-KR" altLang="en-US" sz="2400" dirty="0" err="1"/>
-              <a:t>originalName.substring</a:t>
-            </a:r>
-            <a:r>
-              <a:rPr lang="ko-KR" altLang="en-US" sz="2400" dirty="0"/>
-              <a:t>(</a:t>
-            </a:r>
-            <a:r>
-              <a:rPr lang="ko-KR" altLang="en-US" sz="2400" dirty="0" err="1"/>
-              <a:t>originalName.lastIndexOf</a:t>
-            </a:r>
-            <a:r>
-              <a:rPr lang="ko-KR" altLang="en-US" sz="2400" dirty="0"/>
-              <a:t>(".") + 1).</a:t>
-            </a:r>
-            <a:r>
-              <a:rPr lang="ko-KR" altLang="en-US" sz="2400" dirty="0" err="1"/>
-              <a:t>toLowerCase</a:t>
-            </a:r>
-            <a:r>
-              <a:rPr lang="ko-KR" altLang="en-US" sz="2400" dirty="0"/>
-              <a:t>();</a:t>
-            </a:r>
-          </a:p>
-        </p:txBody>
-      </p:sp>
-      <p:sp>
-        <p:nvSpPr>
-          <p:cNvPr id="20" name="직사각형 19">
-            <a:extLst>
-              <a:ext uri="{FF2B5EF4-FFF2-40B4-BE49-F238E27FC236}">
-                <a16:creationId xmlns:a16="http://schemas.microsoft.com/office/drawing/2014/main" id="{FF5EB84F-3ADE-45B0-9661-B44E3467C5D0}"/>
-              </a:ext>
-            </a:extLst>
-          </p:cNvPr>
-          <p:cNvSpPr/>
-          <p:nvPr/>
-        </p:nvSpPr>
-        <p:spPr>
-          <a:xfrm>
-            <a:off x="10165555" y="4565992"/>
-            <a:ext cx="7543800" cy="2308324"/>
-          </a:xfrm>
-          <a:prstGeom prst="rect">
-            <a:avLst/>
-          </a:prstGeom>
-        </p:spPr>
-        <p:txBody>
-          <a:bodyPr wrap="square">
-            <a:spAutoFit/>
-          </a:bodyPr>
-          <a:lstStyle/>
-          <a:p>
-            <a:r>
-              <a:rPr lang="ko-KR" altLang="en-US" sz="2400" dirty="0"/>
-              <a:t>// 2. 확장자 검사 (</a:t>
-            </a:r>
-            <a:r>
-              <a:rPr lang="ko-KR" altLang="en-US" sz="2400" dirty="0" err="1"/>
+            <a:pPr marL="571500" indent="-571500">
+              <a:lnSpc>
+                <a:spcPct val="200000"/>
+              </a:lnSpc>
+              <a:buFont typeface="Arial" panose="020B0604020202020204" pitchFamily="34" charset="0"/>
+              <a:buChar char="•"/>
+            </a:pPr>
+            <a:r>
+              <a:rPr lang="ko-KR" altLang="en-US" sz="4000" dirty="0"/>
+              <a:t>원본 파일명, 확장자 추출</a:t>
+            </a:r>
+            <a:endParaRPr lang="en-US" altLang="ko-KR" sz="4000" dirty="0"/>
+          </a:p>
+          <a:p>
+            <a:pPr marL="571500" indent="-571500">
+              <a:lnSpc>
+                <a:spcPct val="200000"/>
+              </a:lnSpc>
+              <a:buFont typeface="Arial" panose="020B0604020202020204" pitchFamily="34" charset="0"/>
+              <a:buChar char="•"/>
+            </a:pPr>
+            <a:r>
+              <a:rPr lang="ko-KR" altLang="en-US" sz="4000" dirty="0"/>
+              <a:t>확장자 검사 (</a:t>
+            </a:r>
+            <a:r>
+              <a:rPr lang="ko-KR" altLang="en-US" sz="4000" dirty="0" err="1"/>
               <a:t>jpg</a:t>
             </a:r>
             <a:r>
-              <a:rPr lang="ko-KR" altLang="en-US" sz="2400" dirty="0"/>
+              <a:rPr lang="ko-KR" altLang="en-US" sz="4000" dirty="0"/>
               <a:t>, </a:t>
             </a:r>
             <a:r>
-              <a:rPr lang="ko-KR" altLang="en-US" sz="2400" dirty="0" err="1"/>
+              <a:rPr lang="ko-KR" altLang="en-US" sz="4000" dirty="0" err="1"/>
               <a:t>jpeg</a:t>
             </a:r>
             <a:r>
-              <a:rPr lang="ko-KR" altLang="en-US" sz="2400" dirty="0"/>
+              <a:rPr lang="ko-KR" altLang="en-US" sz="4000" dirty="0"/>
               <a:t>, </a:t>
             </a:r>
             <a:r>
-              <a:rPr lang="ko-KR" altLang="en-US" sz="2400" dirty="0" err="1"/>
+              <a:rPr lang="ko-KR" altLang="en-US" sz="4000" dirty="0" err="1"/>
               <a:t>png</a:t>
             </a:r>
             <a:r>
-              <a:rPr lang="ko-KR" altLang="en-US" sz="2400" dirty="0"/>
+              <a:rPr lang="ko-KR" altLang="en-US" sz="4000" dirty="0"/>
               <a:t>, </a:t>
             </a:r>
             <a:r>
-              <a:rPr lang="ko-KR" altLang="en-US" sz="2400" dirty="0" err="1"/>
+              <a:rPr lang="ko-KR" altLang="en-US" sz="4000" dirty="0" err="1"/>
               <a:t>gif만</a:t>
             </a:r>
             <a:r>
-              <a:rPr lang="ko-KR" altLang="en-US" sz="2400" dirty="0"/>
+              <a:rPr lang="ko-KR" altLang="en-US" sz="4000" dirty="0"/>
               <a:t> 허용)</a:t>
             </a:r>
-          </a:p>
-          <a:p>
-            <a:r>
-              <a:rPr lang="ko-KR" altLang="en-US" sz="2400" dirty="0"/>
-              <a:t>    </a:t>
-            </a:r>
-            <a:r>
-              <a:rPr lang="ko-KR" altLang="en-US" sz="2400" dirty="0" err="1"/>
-              <a:t>if</a:t>
-            </a:r>
-            <a:r>
-              <a:rPr lang="ko-KR" altLang="en-US" sz="2400" dirty="0"/>
-              <a:t> (!</a:t>
-            </a:r>
-            <a:r>
-              <a:rPr lang="ko-KR" altLang="en-US" sz="2400" dirty="0" err="1"/>
-              <a:t>List.of</a:t>
-            </a:r>
-            <a:r>
-              <a:rPr lang="ko-KR" altLang="en-US" sz="2400" dirty="0"/>
-              <a:t>("</a:t>
-            </a:r>
-            <a:r>
-              <a:rPr lang="ko-KR" altLang="en-US" sz="2400" dirty="0" err="1"/>
-              <a:t>jpg</a:t>
-            </a:r>
-            <a:r>
-              <a:rPr lang="ko-KR" altLang="en-US" sz="2400" dirty="0"/>
-              <a:t>", "</a:t>
-            </a:r>
-            <a:r>
-              <a:rPr lang="ko-KR" altLang="en-US" sz="2400" dirty="0" err="1"/>
-              <a:t>jpeg</a:t>
-            </a:r>
-            <a:r>
-              <a:rPr lang="ko-KR" altLang="en-US" sz="2400" dirty="0"/>
-              <a:t>", "</a:t>
-            </a:r>
-            <a:r>
-              <a:rPr lang="ko-KR" altLang="en-US" sz="2400" dirty="0" err="1"/>
-              <a:t>png</a:t>
-            </a:r>
-            <a:r>
-              <a:rPr lang="ko-KR" altLang="en-US" sz="2400" dirty="0"/>
-              <a:t>", "</a:t>
-            </a:r>
-            <a:r>
-              <a:rPr lang="ko-KR" altLang="en-US" sz="2400" dirty="0" err="1"/>
-              <a:t>gif</a:t>
-            </a:r>
-            <a:r>
-              <a:rPr lang="ko-KR" altLang="en-US" sz="2400" dirty="0"/>
-              <a:t>").</a:t>
-            </a:r>
-            <a:r>
-              <a:rPr lang="ko-KR" altLang="en-US" sz="2400" dirty="0" err="1"/>
-              <a:t>contains</a:t>
-            </a:r>
-            <a:r>
-              <a:rPr lang="ko-KR" altLang="en-US" sz="2400" dirty="0"/>
-              <a:t>(</a:t>
-            </a:r>
-            <a:r>
-              <a:rPr lang="ko-KR" altLang="en-US" sz="2400" dirty="0" err="1"/>
-              <a:t>ext</a:t>
-            </a:r>
-            <a:r>
-              <a:rPr lang="ko-KR" altLang="en-US" sz="2400" dirty="0"/>
-              <a:t>)) {</a:t>
-            </a:r>
-          </a:p>
-          <a:p>
-            <a:r>
-              <a:rPr lang="ko-KR" altLang="en-US" sz="2400" dirty="0"/>
-              <a:t>        </a:t>
-            </a:r>
-            <a:r>
-              <a:rPr lang="ko-KR" altLang="en-US" sz="2400" dirty="0" err="1"/>
-              <a:t>System.out.println</a:t>
-            </a:r>
-            <a:r>
-              <a:rPr lang="ko-KR" altLang="en-US" sz="2400" dirty="0"/>
-              <a:t>("❌ 허용되지 않은 확장자: " + </a:t>
-            </a:r>
-            <a:r>
-              <a:rPr lang="ko-KR" altLang="en-US" sz="2400" dirty="0" err="1"/>
-              <a:t>ext</a:t>
-            </a:r>
-            <a:r>
-              <a:rPr lang="ko-KR" altLang="en-US" sz="2400" dirty="0"/>
-              <a:t>);</a:t>
-            </a:r>
-          </a:p>
-          <a:p>
-            <a:r>
-              <a:rPr lang="ko-KR" altLang="en-US" sz="2400" dirty="0"/>
-              <a:t>        </a:t>
-            </a:r>
-            <a:r>
-              <a:rPr lang="ko-KR" altLang="en-US" sz="2400" dirty="0" err="1"/>
-              <a:t>return</a:t>
-            </a:r>
-            <a:r>
-              <a:rPr lang="ko-KR" altLang="en-US" sz="2400" dirty="0"/>
-              <a:t> 0;</a:t>
-            </a:r>
-          </a:p>
-          <a:p>
-            <a:r>
-              <a:rPr lang="ko-KR" altLang="en-US" sz="2400" dirty="0"/>
-              <a:t>    }</a:t>
-            </a:r>
-          </a:p>
-        </p:txBody>
-      </p:sp>
-      <p:sp>
-        <p:nvSpPr>
-          <p:cNvPr id="21" name="직사각형 20">
-            <a:extLst>
-              <a:ext uri="{FF2B5EF4-FFF2-40B4-BE49-F238E27FC236}">
-                <a16:creationId xmlns:a16="http://schemas.microsoft.com/office/drawing/2014/main" id="{DEB08325-DE18-47B5-ACF4-E5BD556B779D}"/>
-              </a:ext>
-            </a:extLst>
-          </p:cNvPr>
-          <p:cNvSpPr/>
-          <p:nvPr/>
-        </p:nvSpPr>
-        <p:spPr>
-          <a:xfrm>
-            <a:off x="2666424" y="6993111"/>
-            <a:ext cx="7543800" cy="3046988"/>
-          </a:xfrm>
-          <a:prstGeom prst="rect">
-            <a:avLst/>
-          </a:prstGeom>
-        </p:spPr>
-        <p:txBody>
-          <a:bodyPr wrap="square">
-            <a:spAutoFit/>
-          </a:bodyPr>
-          <a:lstStyle/>
-          <a:p>
-            <a:r>
-              <a:rPr lang="ko-KR" altLang="en-US" sz="2400" dirty="0"/>
-              <a:t>// 3. MIME 타입 검사 (</a:t>
-            </a:r>
-            <a:r>
-              <a:rPr lang="ko-KR" altLang="en-US" sz="2400" dirty="0" err="1"/>
+            <a:endParaRPr lang="en-US" altLang="ko-KR" sz="4000" dirty="0"/>
+          </a:p>
+          <a:p>
+            <a:pPr marL="571500" indent="-571500">
+              <a:lnSpc>
+                <a:spcPct val="200000"/>
+              </a:lnSpc>
+              <a:buFont typeface="Arial" panose="020B0604020202020204" pitchFamily="34" charset="0"/>
+              <a:buChar char="•"/>
+            </a:pPr>
+            <a:r>
+              <a:rPr lang="ko-KR" altLang="en-US" sz="4000" dirty="0"/>
+              <a:t>MIME 타입 검사 (</a:t>
+            </a:r>
+            <a:r>
+              <a:rPr lang="ko-KR" altLang="en-US" sz="4000" dirty="0" err="1"/>
               <a:t>image</a:t>
             </a:r>
             <a:r>
-              <a:rPr lang="ko-KR" altLang="en-US" sz="2400" dirty="0"/>
+              <a:rPr lang="ko-KR" altLang="en-US" sz="4000" dirty="0"/>
               <a:t>/*)</a:t>
             </a:r>
-          </a:p>
-          <a:p>
-            <a:r>
-              <a:rPr lang="ko-KR" altLang="en-US" sz="2400" dirty="0"/>
-              <a:t>    </a:t>
-            </a:r>
-            <a:r>
-              <a:rPr lang="ko-KR" altLang="en-US" sz="2400" dirty="0" err="1"/>
-              <a:t>String</a:t>
-            </a:r>
-            <a:r>
-              <a:rPr lang="ko-KR" altLang="en-US" sz="2400" dirty="0"/>
-              <a:t> </a:t>
-            </a:r>
-            <a:r>
-              <a:rPr lang="ko-KR" altLang="en-US" sz="2400" dirty="0" err="1"/>
-              <a:t>mimeType</a:t>
-            </a:r>
-            <a:r>
-              <a:rPr lang="ko-KR" altLang="en-US" sz="2400" dirty="0"/>
-              <a:t> = </a:t>
-            </a:r>
-            <a:r>
-              <a:rPr lang="ko-KR" altLang="en-US" sz="2400" dirty="0" err="1"/>
-              <a:t>menudto.getImg</a:t>
-            </a:r>
-            <a:r>
-              <a:rPr lang="ko-KR" altLang="en-US" sz="2400" dirty="0"/>
-              <a:t>().</a:t>
-            </a:r>
-            <a:r>
-              <a:rPr lang="ko-KR" altLang="en-US" sz="2400" dirty="0" err="1"/>
-              <a:t>getContentType</a:t>
-            </a:r>
-            <a:r>
-              <a:rPr lang="ko-KR" altLang="en-US" sz="2400" dirty="0"/>
-              <a:t>();</a:t>
-            </a:r>
-          </a:p>
-          <a:p>
-            <a:r>
-              <a:rPr lang="ko-KR" altLang="en-US" sz="2400" dirty="0"/>
-              <a:t>    </a:t>
-            </a:r>
-            <a:r>
-              <a:rPr lang="ko-KR" altLang="en-US" sz="2400" dirty="0" err="1"/>
-              <a:t>if</a:t>
-            </a:r>
-            <a:r>
-              <a:rPr lang="ko-KR" altLang="en-US" sz="2400" dirty="0"/>
-              <a:t> (</a:t>
-            </a:r>
-            <a:r>
-              <a:rPr lang="ko-KR" altLang="en-US" sz="2400" dirty="0" err="1"/>
-              <a:t>mimeType</a:t>
-            </a:r>
-            <a:r>
-              <a:rPr lang="ko-KR" altLang="en-US" sz="2400" dirty="0"/>
-              <a:t> == </a:t>
-            </a:r>
-            <a:r>
-              <a:rPr lang="ko-KR" altLang="en-US" sz="2400" dirty="0" err="1"/>
-              <a:t>null</a:t>
-            </a:r>
-            <a:r>
-              <a:rPr lang="ko-KR" altLang="en-US" sz="2400" dirty="0"/>
-              <a:t> || !</a:t>
-            </a:r>
-            <a:r>
-              <a:rPr lang="ko-KR" altLang="en-US" sz="2400" dirty="0" err="1"/>
-              <a:t>mimeType.startsWith</a:t>
-            </a:r>
-            <a:r>
-              <a:rPr lang="ko-KR" altLang="en-US" sz="2400" dirty="0"/>
-              <a:t>("</a:t>
-            </a:r>
-            <a:r>
-              <a:rPr lang="ko-KR" altLang="en-US" sz="2400" dirty="0" err="1"/>
-              <a:t>image</a:t>
-            </a:r>
-            <a:r>
-              <a:rPr lang="ko-KR" altLang="en-US" sz="2400" dirty="0"/>
-              <a:t>/")) {</a:t>
-            </a:r>
-          </a:p>
-          <a:p>
-            <a:r>
-              <a:rPr lang="ko-KR" altLang="en-US" sz="2400" dirty="0"/>
-              <a:t>        </a:t>
-            </a:r>
-            <a:r>
-              <a:rPr lang="ko-KR" altLang="en-US" sz="2400" dirty="0" err="1"/>
-              <a:t>System.out.println</a:t>
-            </a:r>
-            <a:r>
-              <a:rPr lang="ko-KR" altLang="en-US" sz="2400" dirty="0"/>
-              <a:t>("이미지 MIME 타입 아님: " + </a:t>
-            </a:r>
-            <a:r>
-              <a:rPr lang="ko-KR" altLang="en-US" sz="2400" dirty="0" err="1"/>
-              <a:t>mimeType</a:t>
-            </a:r>
-            <a:r>
-              <a:rPr lang="ko-KR" altLang="en-US" sz="2400" dirty="0"/>
-              <a:t>);</a:t>
-            </a:r>
-          </a:p>
-          <a:p>
-            <a:r>
-              <a:rPr lang="ko-KR" altLang="en-US" sz="2400" dirty="0"/>
-              <a:t>        </a:t>
-            </a:r>
-            <a:r>
-              <a:rPr lang="ko-KR" altLang="en-US" sz="2400" dirty="0" err="1"/>
-              <a:t>return</a:t>
-            </a:r>
-            <a:r>
-              <a:rPr lang="ko-KR" altLang="en-US" sz="2400" dirty="0"/>
-              <a:t> 0;</a:t>
-            </a:r>
-          </a:p>
-          <a:p>
-            <a:r>
-              <a:rPr lang="ko-KR" altLang="en-US" sz="2400" dirty="0"/>
-              <a:t>    }</a:t>
-            </a:r>
-          </a:p>
-        </p:txBody>
-      </p:sp>
-      <p:sp>
-        <p:nvSpPr>
-          <p:cNvPr id="22" name="직사각형 21">
-            <a:extLst>
-              <a:ext uri="{FF2B5EF4-FFF2-40B4-BE49-F238E27FC236}">
-                <a16:creationId xmlns:a16="http://schemas.microsoft.com/office/drawing/2014/main" id="{86B147BB-6CA9-41B1-88E5-28291C8DF2A5}"/>
-              </a:ext>
-            </a:extLst>
-          </p:cNvPr>
-          <p:cNvSpPr/>
-          <p:nvPr/>
-        </p:nvSpPr>
-        <p:spPr>
-          <a:xfrm>
-            <a:off x="10199714" y="6993111"/>
-            <a:ext cx="7543800" cy="1200329"/>
-          </a:xfrm>
-          <a:prstGeom prst="rect">
-            <a:avLst/>
-          </a:prstGeom>
-        </p:spPr>
-        <p:txBody>
-          <a:bodyPr wrap="square">
-            <a:spAutoFit/>
-          </a:bodyPr>
-          <a:lstStyle/>
-          <a:p>
-            <a:r>
-              <a:rPr lang="ko-KR" altLang="en-US" sz="2400" dirty="0"/>
-              <a:t> // 4. 파일명 </a:t>
-            </a:r>
-            <a:r>
-              <a:rPr lang="ko-KR" altLang="en-US" sz="2400" dirty="0" err="1"/>
+            <a:endParaRPr lang="en-US" altLang="ko-KR" sz="4000" dirty="0"/>
+          </a:p>
+          <a:p>
+            <a:pPr marL="571500" indent="-571500">
+              <a:lnSpc>
+                <a:spcPct val="200000"/>
+              </a:lnSpc>
+              <a:buFont typeface="Arial" panose="020B0604020202020204" pitchFamily="34" charset="0"/>
+              <a:buChar char="•"/>
+            </a:pPr>
+            <a:r>
+              <a:rPr lang="ko-KR" altLang="en-US" sz="4000" dirty="0"/>
+              <a:t>파일명 </a:t>
+            </a:r>
+            <a:r>
+              <a:rPr lang="ko-KR" altLang="en-US" sz="4000" dirty="0" err="1"/>
               <a:t>UUID로</a:t>
             </a:r>
             <a:r>
-              <a:rPr lang="ko-KR" altLang="en-US" sz="2400" dirty="0"/>
+              <a:rPr lang="ko-KR" altLang="en-US" sz="4000" dirty="0"/>
               <a:t> 랜덤화</a:t>
-            </a:r>
-          </a:p>
-          <a:p>
-            <a:r>
-              <a:rPr lang="ko-KR" altLang="en-US" sz="2400" dirty="0"/>
-              <a:t>    </a:t>
-            </a:r>
-            <a:r>
-              <a:rPr lang="ko-KR" altLang="en-US" sz="2400" dirty="0" err="1"/>
-              <a:t>String</a:t>
-            </a:r>
-            <a:r>
-              <a:rPr lang="ko-KR" altLang="en-US" sz="2400" dirty="0"/>
-              <a:t> </a:t>
-            </a:r>
-            <a:r>
-              <a:rPr lang="ko-KR" altLang="en-US" sz="2400" dirty="0" err="1"/>
-              <a:t>newFileName</a:t>
-            </a:r>
-            <a:r>
-              <a:rPr lang="ko-KR" altLang="en-US" sz="2400" dirty="0"/>
-              <a:t> = </a:t>
-            </a:r>
-            <a:r>
-              <a:rPr lang="ko-KR" altLang="en-US" sz="2400" dirty="0" err="1"/>
-              <a:t>UUID.randomUUID</a:t>
-            </a:r>
-            <a:r>
-              <a:rPr lang="ko-KR" altLang="en-US" sz="2400" dirty="0"/>
-              <a:t>().</a:t>
-            </a:r>
-            <a:r>
-              <a:rPr lang="ko-KR" altLang="en-US" sz="2400" dirty="0" err="1"/>
-              <a:t>toString</a:t>
-            </a:r>
-            <a:r>
-              <a:rPr lang="ko-KR" altLang="en-US" sz="2400" dirty="0"/>
-              <a:t>() + "." + </a:t>
-            </a:r>
-            <a:r>
-              <a:rPr lang="ko-KR" altLang="en-US" sz="2400" dirty="0" err="1"/>
-              <a:t>ext</a:t>
-            </a:r>
-            <a:r>
-              <a:rPr lang="ko-KR" altLang="en-US" sz="2400" dirty="0"/>
-              <a:t>;</a:t>
             </a:r>
           </a:p>
         </p:txBody>
@@ -12876,8 +10929,8 @@
         </p:nvSpPr>
         <p:spPr>
           <a:xfrm>
-            <a:off x="6553200" y="2841079"/>
-            <a:ext cx="6791010" cy="1200329"/>
+            <a:off x="4419600" y="2855633"/>
+            <a:ext cx="11887200" cy="830997"/>
           </a:xfrm>
           <a:prstGeom prst="rect">
             <a:avLst/>
@@ -12892,14 +10945,85 @@
           <a:p>
             <a:r>
               <a:rPr lang="ko-KR" altLang="en-US" sz="2400" dirty="0"/>
-              <a:t>해당 코드를 적용시켜 </a:t>
-            </a:r>
-            <a:br>
+              <a:t>파일 업로드시 사진이 아닌 </a:t>
+            </a:r>
+            <a:r>
+              <a:rPr lang="ko-KR" altLang="en-US" sz="2400" b="1" dirty="0">
+                <a:solidFill>
+                  <a:srgbClr val="FF0000"/>
+                </a:solidFill>
+              </a:rPr>
+              <a:t>다른 파일</a:t>
+            </a:r>
+            <a:r>
+              <a:rPr lang="ko-KR" altLang="en-US" sz="2400" dirty="0"/>
+              <a:t>이 서버에 올라가거나</a:t>
+            </a:r>
+            <a:r>
               <a:rPr lang="en-US" altLang="ko-KR" sz="2400" dirty="0"/>
-            </a:br>
+              <a:t>,</a:t>
+            </a:r>
+          </a:p>
+          <a:p>
             <a:r>
               <a:rPr lang="ko-KR" altLang="en-US" sz="2400" dirty="0"/>
-              <a:t>파일 업로드시 사진이 아닌 다른 파일이 올라가 서버에서 실행시킬 수도 있는 보안처리 완료</a:t>
+              <a:t>사진의 이름이 같을 경우 </a:t>
+            </a:r>
+            <a:r>
+              <a:rPr lang="ko-KR" altLang="en-US" sz="2400" b="1" dirty="0">
+                <a:solidFill>
+                  <a:srgbClr val="FF0000"/>
+                </a:solidFill>
+              </a:rPr>
+              <a:t>파일을 덮어씌울 수 있는</a:t>
+            </a:r>
+            <a:r>
+              <a:rPr lang="ko-KR" altLang="en-US" sz="2400" dirty="0">
+                <a:solidFill>
+                  <a:srgbClr val="FF0000"/>
+                </a:solidFill>
+              </a:rPr>
+              <a:t> </a:t>
+            </a:r>
+            <a:r>
+              <a:rPr lang="ko-KR" altLang="en-US" sz="2400" dirty="0"/>
+              <a:t>문제점 해결</a:t>
+            </a:r>
+            <a:endParaRPr lang="en-US" altLang="ko-KR" sz="2400" dirty="0"/>
+          </a:p>
+        </p:txBody>
+      </p:sp>
+      <p:sp>
+        <p:nvSpPr>
+          <p:cNvPr id="2" name="TextBox 1">
+            <a:extLst>
+              <a:ext uri="{FF2B5EF4-FFF2-40B4-BE49-F238E27FC236}">
+                <a16:creationId xmlns:a16="http://schemas.microsoft.com/office/drawing/2014/main" id="{312C54EF-FCB9-4FE4-B9ED-AC412615748A}"/>
+              </a:ext>
+            </a:extLst>
+          </p:cNvPr>
+          <p:cNvSpPr txBox="1"/>
+          <p:nvPr/>
+        </p:nvSpPr>
+        <p:spPr>
+          <a:xfrm>
+            <a:off x="6591300" y="1395583"/>
+            <a:ext cx="7543800" cy="1169551"/>
+          </a:xfrm>
+          <a:prstGeom prst="rect">
+            <a:avLst/>
+          </a:prstGeom>
+          <a:noFill/>
+        </p:spPr>
+        <p:txBody>
+          <a:bodyPr wrap="square" rtlCol="0">
+            <a:spAutoFit/>
+          </a:bodyPr>
+          <a:lstStyle/>
+          <a:p>
+            <a:r>
+              <a:rPr lang="ko-KR" altLang="en-US" sz="7000" b="1" dirty="0"/>
+              <a:t>파일 업로드</a:t>
             </a:r>
           </a:p>
         </p:txBody>
@@ -13189,8 +11313,8 @@
         </p:blipFill>
         <p:spPr>
           <a:xfrm>
-            <a:off x="4191000" y="2372458"/>
-            <a:ext cx="11599966" cy="5252286"/>
+            <a:off x="3733800" y="2364036"/>
+            <a:ext cx="13431981" cy="6081794"/>
           </a:xfrm>
           <a:prstGeom prst="rect">
             <a:avLst/>
@@ -13211,8 +11335,8 @@
         </p:nvSpPr>
         <p:spPr>
           <a:xfrm>
-            <a:off x="2199401" y="7984165"/>
-            <a:ext cx="7070888" cy="923330"/>
+            <a:off x="2667000" y="8612066"/>
+            <a:ext cx="13868400" cy="1477328"/>
           </a:xfrm>
           <a:prstGeom prst="rect">
             <a:avLst/>
@@ -13225,178 +11349,70 @@
           </a:bodyPr>
           <a:lstStyle/>
           <a:p>
-            <a:r>
-              <a:rPr lang="en-US" altLang="ko-KR" dirty="0" err="1"/>
-              <a:t>ResponseEntity</a:t>
-            </a:r>
-            <a:r>
-              <a:rPr lang="en-US" altLang="ko-KR" dirty="0"/>
-              <a:t>&lt;?&gt; -&gt; </a:t>
-            </a:r>
-            <a:r>
-              <a:rPr lang="en-US" altLang="ko-KR" dirty="0" err="1"/>
-              <a:t>ResponseEntity</a:t>
-            </a:r>
-            <a:r>
-              <a:rPr lang="en-US" altLang="ko-KR" dirty="0"/>
-              <a:t>&lt;List&lt;Pay&gt;&gt; </a:t>
-            </a:r>
-            <a:r>
-              <a:rPr lang="ko-KR" altLang="en-US" dirty="0"/>
-              <a:t>같은 형식으로 명확한 리턴 값으로 </a:t>
-            </a:r>
-            <a:r>
-              <a:rPr lang="ko-KR" altLang="en-US" dirty="0" err="1"/>
-              <a:t>바꾸어주지</a:t>
-            </a:r>
-            <a:r>
-              <a:rPr lang="ko-KR" altLang="en-US" dirty="0"/>
-              <a:t> 않으면</a:t>
-            </a:r>
-            <a:r>
-              <a:rPr lang="en-US" altLang="ko-KR" dirty="0"/>
-              <a:t> </a:t>
-            </a:r>
-            <a:r>
-              <a:rPr lang="ko-KR" altLang="en-US" dirty="0"/>
-              <a:t>프로그램의 안정성</a:t>
-            </a:r>
-            <a:r>
-              <a:rPr lang="en-US" altLang="ko-KR" dirty="0"/>
-              <a:t>, </a:t>
-            </a:r>
-            <a:r>
-              <a:rPr lang="ko-KR" altLang="en-US" dirty="0"/>
-              <a:t>보안</a:t>
-            </a:r>
-            <a:r>
-              <a:rPr lang="en-US" altLang="ko-KR" dirty="0"/>
-              <a:t>, </a:t>
-            </a:r>
-            <a:r>
-              <a:rPr lang="ko-KR" altLang="en-US" dirty="0"/>
-              <a:t>유지보수에 직접적인 영향을 주기 때문에 수정</a:t>
-            </a:r>
-          </a:p>
-        </p:txBody>
-      </p:sp>
-      <p:sp>
-        <p:nvSpPr>
-          <p:cNvPr id="20" name="직사각형 19">
-            <a:extLst>
-              <a:ext uri="{FF2B5EF4-FFF2-40B4-BE49-F238E27FC236}">
-                <a16:creationId xmlns:a16="http://schemas.microsoft.com/office/drawing/2014/main" id="{48DBA26F-3282-407F-AFFF-07FB8A91972A}"/>
-              </a:ext>
-            </a:extLst>
-          </p:cNvPr>
-          <p:cNvSpPr/>
-          <p:nvPr/>
-        </p:nvSpPr>
-        <p:spPr>
-          <a:xfrm>
-            <a:off x="10134600" y="7983067"/>
-            <a:ext cx="8153400" cy="2031325"/>
-          </a:xfrm>
-          <a:prstGeom prst="rect">
-            <a:avLst/>
-          </a:prstGeom>
-        </p:spPr>
-        <p:txBody>
-          <a:bodyPr wrap="square">
-            <a:spAutoFit/>
-          </a:bodyPr>
-          <a:lstStyle/>
-          <a:p>
-            <a:r>
-              <a:rPr lang="en-US" altLang="ko-KR" dirty="0"/>
-              <a:t>Add a nested comment explaining why this method is empty : </a:t>
-            </a:r>
-            <a:r>
-              <a:rPr lang="ko-KR" altLang="en-US" dirty="0" err="1"/>
-              <a:t>매서드가</a:t>
-            </a:r>
-            <a:r>
-              <a:rPr lang="ko-KR" altLang="en-US" dirty="0"/>
-              <a:t> </a:t>
-            </a:r>
-            <a:r>
-              <a:rPr lang="ko-KR" altLang="en-US" dirty="0" err="1"/>
-              <a:t>비어있음</a:t>
-            </a:r>
-            <a:r>
-              <a:rPr lang="ko-KR" altLang="en-US" dirty="0"/>
-              <a:t> </a:t>
-            </a:r>
-            <a:r>
-              <a:rPr lang="en-US" altLang="ko-KR" dirty="0"/>
-              <a:t>/ </a:t>
-            </a:r>
-            <a:r>
-              <a:rPr lang="en-US" altLang="ko-KR" b="1" dirty="0"/>
-              <a:t>public</a:t>
-            </a:r>
-            <a:r>
-              <a:rPr lang="en-US" altLang="ko-KR" dirty="0"/>
-              <a:t> </a:t>
-            </a:r>
-            <a:r>
-              <a:rPr lang="en-US" altLang="ko-KR" b="1" dirty="0"/>
-              <a:t>void</a:t>
-            </a:r>
-            <a:r>
-              <a:rPr lang="en-US" altLang="ko-KR" dirty="0"/>
-              <a:t> </a:t>
-            </a:r>
-            <a:r>
-              <a:rPr lang="en-US" altLang="ko-KR" u="sng" dirty="0"/>
-              <a:t>Method</a:t>
-            </a:r>
-            <a:r>
-              <a:rPr lang="en-US" altLang="ko-KR" dirty="0"/>
-              <a:t>() {</a:t>
-            </a:r>
-          </a:p>
-          <a:p>
-            <a:r>
-              <a:rPr lang="en-US" altLang="ko-KR" dirty="0"/>
-              <a:t>}</a:t>
-            </a:r>
-          </a:p>
-          <a:p>
-            <a:r>
-              <a:rPr lang="en-US" altLang="ko-KR" dirty="0"/>
-              <a:t>  </a:t>
-            </a:r>
-          </a:p>
-          <a:p>
-            <a:r>
-              <a:rPr lang="ko-KR" altLang="en-US" dirty="0"/>
-              <a:t>해결 방법 </a:t>
-            </a:r>
-            <a:r>
-              <a:rPr lang="en-US" altLang="ko-KR" dirty="0"/>
-              <a:t>: </a:t>
-            </a:r>
-          </a:p>
-          <a:p>
-            <a:r>
-              <a:rPr lang="en-US" altLang="ko-KR" dirty="0"/>
+            <a:pPr>
+              <a:lnSpc>
+                <a:spcPct val="150000"/>
+              </a:lnSpc>
+            </a:pPr>
+            <a:r>
+              <a:rPr lang="en-US" altLang="ko-KR" sz="3000" dirty="0"/>
               <a:t>1. </a:t>
             </a:r>
             <a:r>
-              <a:rPr lang="ko-KR" altLang="en-US" dirty="0"/>
-              <a:t>주석 추가</a:t>
-            </a:r>
-            <a:endParaRPr lang="en-US" altLang="ko-KR" dirty="0"/>
-          </a:p>
-          <a:p>
-            <a:r>
-              <a:rPr lang="en-US" altLang="ko-KR" dirty="0"/>
+              <a:rPr lang="en-US" altLang="ko-KR" sz="3000" dirty="0" err="1"/>
+              <a:t>ResponsEntity</a:t>
+            </a:r>
+            <a:r>
+              <a:rPr lang="en-US" altLang="ko-KR" sz="3000" dirty="0"/>
+              <a:t>&lt;</a:t>
+            </a:r>
+            <a:r>
+              <a:rPr lang="en-US" altLang="ko-KR" sz="3000" b="1" u="sng" dirty="0">
+                <a:solidFill>
+                  <a:srgbClr val="FF0000"/>
+                </a:solidFill>
+              </a:rPr>
+              <a:t>?</a:t>
+            </a:r>
+            <a:r>
+              <a:rPr lang="en-US" altLang="ko-KR" sz="3000" dirty="0"/>
+              <a:t>&gt; </a:t>
+            </a:r>
+            <a:r>
+              <a:rPr lang="ko-KR" altLang="en-US" sz="3000" dirty="0"/>
+              <a:t>와 같은 불명확한 리턴 값을 명확한 리턴 값으로 변경</a:t>
+            </a:r>
+            <a:endParaRPr lang="en-US" altLang="ko-KR" sz="3000" dirty="0"/>
+          </a:p>
+          <a:p>
+            <a:pPr>
+              <a:lnSpc>
+                <a:spcPct val="150000"/>
+              </a:lnSpc>
+            </a:pPr>
+            <a:r>
+              <a:rPr lang="en-US" altLang="ko-KR" sz="3000" dirty="0"/>
               <a:t>2. </a:t>
             </a:r>
             <a:r>
-              <a:rPr lang="ko-KR" altLang="en-US" dirty="0"/>
-              <a:t>기능 구현</a:t>
+              <a:rPr lang="ko-KR" altLang="en-US" sz="3000" b="1" dirty="0">
+                <a:solidFill>
+                  <a:srgbClr val="FF0000"/>
+                </a:solidFill>
+              </a:rPr>
+              <a:t>메서드가 비어 있는 함수의 </a:t>
+            </a:r>
+            <a:r>
+              <a:rPr lang="ko-KR" altLang="en-US" sz="3000" dirty="0"/>
+              <a:t>경우 주석 처리 </a:t>
+            </a:r>
+            <a:r>
+              <a:rPr lang="en-US" altLang="ko-KR" sz="3000" dirty="0"/>
+              <a:t>or </a:t>
+            </a:r>
+            <a:r>
+              <a:rPr lang="ko-KR" altLang="en-US" sz="3000" dirty="0"/>
+              <a:t>삭제</a:t>
             </a:r>
           </a:p>
         </p:txBody>
@@ -13415,8 +11431,8 @@
         </p:nvSpPr>
         <p:spPr>
           <a:xfrm>
-            <a:off x="4114800" y="1780713"/>
-            <a:ext cx="3505200" cy="523220"/>
+            <a:off x="5749593" y="1295183"/>
+            <a:ext cx="9009166" cy="1169551"/>
           </a:xfrm>
           <a:prstGeom prst="rect">
             <a:avLst/>
@@ -13430,16 +11446,215 @@
           <a:lstStyle/>
           <a:p>
             <a:r>
-              <a:rPr lang="ko-KR" altLang="en-US" sz="2800" b="1" dirty="0" err="1"/>
+              <a:rPr lang="ko-KR" altLang="en-US" sz="7000" b="1" dirty="0" err="1"/>
               <a:t>소나큐브</a:t>
             </a:r>
             <a:r>
-              <a:rPr lang="ko-KR" altLang="en-US" sz="2800" b="1" dirty="0"/>
+              <a:rPr lang="ko-KR" altLang="en-US" sz="7000" b="1" dirty="0"/>
               <a:t> 코드 체크</a:t>
             </a:r>
           </a:p>
         </p:txBody>
       </p:sp>
+      <p:sp>
+        <p:nvSpPr>
+          <p:cNvPr id="2" name="타원 1">
+            <a:extLst>
+              <a:ext uri="{FF2B5EF4-FFF2-40B4-BE49-F238E27FC236}">
+                <a16:creationId xmlns:a16="http://schemas.microsoft.com/office/drawing/2014/main" id="{57372CCD-337B-4E65-B628-028AA44D336A}"/>
+              </a:ext>
+            </a:extLst>
+          </p:cNvPr>
+          <p:cNvSpPr/>
+          <p:nvPr/>
+        </p:nvSpPr>
+        <p:spPr>
+          <a:xfrm>
+            <a:off x="6019800" y="3205682"/>
+            <a:ext cx="381000" cy="327905"/>
+          </a:xfrm>
+          <a:prstGeom prst="ellipse">
+            <a:avLst/>
+          </a:prstGeom>
+          <a:solidFill>
+            <a:srgbClr val="FF0000"/>
+          </a:solidFill>
+          <a:ln>
+            <a:solidFill>
+              <a:schemeClr val="tx1"/>
+            </a:solidFill>
+          </a:ln>
+        </p:spPr>
+        <p:style>
+          <a:lnRef idx="2">
+            <a:schemeClr val="accent1">
+              <a:shade val="50000"/>
+            </a:schemeClr>
+          </a:lnRef>
+          <a:fillRef idx="1">
+            <a:schemeClr val="accent1"/>
+          </a:fillRef>
+          <a:effectRef idx="0">
+            <a:schemeClr val="accent1"/>
+          </a:effectRef>
+          <a:fontRef idx="minor">
+            <a:schemeClr val="lt1"/>
+          </a:fontRef>
+        </p:style>
+        <p:txBody>
+          <a:bodyPr rtlCol="0" anchor="ctr"/>
+          <a:lstStyle/>
+          <a:p>
+            <a:pPr algn="ctr"/>
+            <a:r>
+              <a:rPr lang="en-US" altLang="ko-KR" dirty="0"/>
+              <a:t>1</a:t>
+            </a:r>
+            <a:endParaRPr lang="ko-KR" altLang="en-US" dirty="0"/>
+          </a:p>
+        </p:txBody>
+      </p:sp>
+      <p:sp>
+        <p:nvSpPr>
+          <p:cNvPr id="18" name="타원 17">
+            <a:extLst>
+              <a:ext uri="{FF2B5EF4-FFF2-40B4-BE49-F238E27FC236}">
+                <a16:creationId xmlns:a16="http://schemas.microsoft.com/office/drawing/2014/main" id="{00BDDD29-A859-474A-B3D7-33761C7483F1}"/>
+              </a:ext>
+            </a:extLst>
+          </p:cNvPr>
+          <p:cNvSpPr/>
+          <p:nvPr/>
+        </p:nvSpPr>
+        <p:spPr>
+          <a:xfrm>
+            <a:off x="6019800" y="6962690"/>
+            <a:ext cx="381000" cy="327905"/>
+          </a:xfrm>
+          <a:prstGeom prst="ellipse">
+            <a:avLst/>
+          </a:prstGeom>
+          <a:solidFill>
+            <a:srgbClr val="FF0000"/>
+          </a:solidFill>
+          <a:ln>
+            <a:solidFill>
+              <a:schemeClr val="tx1"/>
+            </a:solidFill>
+          </a:ln>
+        </p:spPr>
+        <p:style>
+          <a:lnRef idx="2">
+            <a:schemeClr val="accent1">
+              <a:shade val="50000"/>
+            </a:schemeClr>
+          </a:lnRef>
+          <a:fillRef idx="1">
+            <a:schemeClr val="accent1"/>
+          </a:fillRef>
+          <a:effectRef idx="0">
+            <a:schemeClr val="accent1"/>
+          </a:effectRef>
+          <a:fontRef idx="minor">
+            <a:schemeClr val="lt1"/>
+          </a:fontRef>
+        </p:style>
+        <p:txBody>
+          <a:bodyPr rtlCol="0" anchor="ctr"/>
+          <a:lstStyle/>
+          <a:p>
+            <a:pPr algn="ctr"/>
+            <a:r>
+              <a:rPr lang="en-US" altLang="ko-KR" dirty="0"/>
+              <a:t>2</a:t>
+            </a:r>
+            <a:endParaRPr lang="ko-KR" altLang="en-US" dirty="0"/>
+          </a:p>
+        </p:txBody>
+      </p:sp>
+      <p:cxnSp>
+        <p:nvCxnSpPr>
+          <p:cNvPr id="7" name="직선 화살표 연결선 6">
+            <a:extLst>
+              <a:ext uri="{FF2B5EF4-FFF2-40B4-BE49-F238E27FC236}">
+                <a16:creationId xmlns:a16="http://schemas.microsoft.com/office/drawing/2014/main" id="{08EA3B08-9F97-4754-A49F-0739173E0D46}"/>
+              </a:ext>
+            </a:extLst>
+          </p:cNvPr>
+          <p:cNvCxnSpPr>
+            <a:cxnSpLocks/>
+            <a:stCxn id="2" idx="6"/>
+          </p:cNvCxnSpPr>
+          <p:nvPr/>
+        </p:nvCxnSpPr>
+        <p:spPr>
+          <a:xfrm flipV="1">
+            <a:off x="6400800" y="3369634"/>
+            <a:ext cx="392192" cy="1"/>
+          </a:xfrm>
+          <a:prstGeom prst="straightConnector1">
+            <a:avLst/>
+          </a:prstGeom>
+          <a:ln w="25400">
+            <a:tailEnd type="triangle"/>
+          </a:ln>
+        </p:spPr>
+        <p:style>
+          <a:lnRef idx="1">
+            <a:schemeClr val="dk1"/>
+          </a:lnRef>
+          <a:fillRef idx="0">
+            <a:schemeClr val="dk1"/>
+          </a:fillRef>
+          <a:effectRef idx="0">
+            <a:schemeClr val="dk1"/>
+          </a:effectRef>
+          <a:fontRef idx="minor">
+            <a:schemeClr val="tx1"/>
+          </a:fontRef>
+        </p:style>
+      </p:cxnSp>
+      <p:cxnSp>
+        <p:nvCxnSpPr>
+          <p:cNvPr id="21" name="직선 화살표 연결선 20">
+            <a:extLst>
+              <a:ext uri="{FF2B5EF4-FFF2-40B4-BE49-F238E27FC236}">
+                <a16:creationId xmlns:a16="http://schemas.microsoft.com/office/drawing/2014/main" id="{3450CBD8-9A91-47F4-9ED8-BE31768C0173}"/>
+              </a:ext>
+            </a:extLst>
+          </p:cNvPr>
+          <p:cNvCxnSpPr>
+            <a:cxnSpLocks/>
+          </p:cNvCxnSpPr>
+          <p:nvPr/>
+        </p:nvCxnSpPr>
+        <p:spPr>
+          <a:xfrm flipV="1">
+            <a:off x="6400800" y="7126641"/>
+            <a:ext cx="392192" cy="1"/>
+          </a:xfrm>
+          <a:prstGeom prst="straightConnector1">
+            <a:avLst/>
+          </a:prstGeom>
+          <a:ln w="25400">
+            <a:tailEnd type="triangle"/>
+          </a:ln>
+        </p:spPr>
+        <p:style>
+          <a:lnRef idx="1">
+            <a:schemeClr val="dk1"/>
+          </a:lnRef>
+          <a:fillRef idx="0">
+            <a:schemeClr val="dk1"/>
+          </a:fillRef>
+          <a:effectRef idx="0">
+            <a:schemeClr val="dk1"/>
+          </a:effectRef>
+          <a:fontRef idx="minor">
+            <a:schemeClr val="tx1"/>
+          </a:fontRef>
+        </p:style>
+      </p:cxnSp>
     </p:spTree>
     <p:extLst>
       <p:ext uri="{BB962C8B-B14F-4D97-AF65-F5344CB8AC3E}">
@@ -14709,4 +12924,299 @@
   <a:objectDefaults/>
   <a:extraClrSchemeLst/>
 </a:theme>
+</file>
+
+<file path=ppt/theme/theme2.xml><?xml version="1.0" encoding="utf-8"?>
+<a:theme xmlns:a="http://schemas.openxmlformats.org/drawingml/2006/main" name="Office 테마">
+  <a:themeElements>
+    <a:clrScheme name="Office">
+      <a:dk1>
+        <a:sysClr val="windowText" lastClr="000000"/>
+      </a:dk1>
+      <a:lt1>
+        <a:sysClr val="window" lastClr="FFFFFF"/>
+      </a:lt1>
+      <a:dk2>
+        <a:srgbClr val="44546A"/>
+      </a:dk2>
+      <a:lt2>
+        <a:srgbClr val="E7E6E6"/>
+      </a:lt2>
+      <a:accent1>
+        <a:srgbClr val="4472C4"/>
+      </a:accent1>
+      <a:accent2>
+        <a:srgbClr val="ED7D31"/>
+      </a:accent2>
+      <a:accent3>
+        <a:srgbClr val="A5A5A5"/>
+      </a:accent3>
+      <a:accent4>
+        <a:srgbClr val="FFC000"/>
+      </a:accent4>
+      <a:accent5>
+        <a:srgbClr val="5B9BD5"/>
+      </a:accent5>
+      <a:accent6>
+        <a:srgbClr val="70AD47"/>
+      </a:accent6>
+      <a:hlink>
+        <a:srgbClr val="0563C1"/>
+      </a:hlink>
+      <a:folHlink>
+        <a:srgbClr val="954F72"/>
+      </a:folHlink>
+    </a:clrScheme>
+    <a:fontScheme name="Office">
+      <a:majorFont>
+        <a:latin typeface="맑은 고딕" panose="020F0302020204030204"/>
+        <a:ea typeface=""/>
+        <a:cs typeface=""/>
+        <a:font script="Jpan" typeface="游ゴシック Light"/>
+        <a:font script="Hang" typeface="맑은 고딕"/>
+        <a:font script="Hans" typeface="等线 Light"/>
+        <a:font script="Hant" typeface="新細明體"/>
+        <a:font script="Arab" typeface="Times New Roman"/>
+        <a:font script="Hebr" typeface="Times New Roman"/>
+        <a:font script="Thai" typeface="Angsana New"/>
+        <a:font script="Ethi" typeface="Nyala"/>
+        <a:font script="Beng" typeface="Vrinda"/>
+        <a:font script="Gujr" typeface="Shruti"/>
+        <a:font script="Khmr" typeface="MoolBoran"/>
+        <a:font script="Knda" typeface="Tunga"/>
+        <a:font script="Guru" typeface="Raavi"/>
+        <a:font script="Cans" typeface="Euphemia"/>
+        <a:font script="Cher" typeface="Plantagenet Cherokee"/>
+        <a:font script="Yiii" typeface="Microsoft Yi Baiti"/>
+        <a:font script="Tibt" typeface="Microsoft Himalaya"/>
+        <a:font script="Thaa" typeface="MV Boli"/>
+        <a:font script="Deva" typeface="Mangal"/>
+        <a:font script="Telu" typeface="Gautami"/>
+        <a:font script="Taml" typeface="Latha"/>
+        <a:font script="Syrc" typeface="Estrangelo Edessa"/>
+        <a:font script="Orya" typeface="Kalinga"/>
+        <a:font script="Mlym" typeface="Kartika"/>
+        <a:font script="Laoo" typeface="DokChampa"/>
+        <a:font script="Sinh" typeface="Iskoola Pota"/>
+        <a:font script="Mong" typeface="Mongolian Baiti"/>
+        <a:font script="Viet" typeface="Times New Roman"/>
+        <a:font script="Uigh" typeface="Microsoft Uighur"/>
+        <a:font script="Geor" typeface="Sylfaen"/>
+        <a:font script="Armn" typeface="Arial"/>
+        <a:font script="Bugi" typeface="Leelawadee UI"/>
+        <a:font script="Bopo" typeface="Microsoft JhengHei"/>
+        <a:font script="Java" typeface="Javanese Text"/>
+        <a:font script="Lisu" typeface="Segoe UI"/>
+        <a:font script="Mymr" typeface="Myanmar Text"/>
+        <a:font script="Nkoo" typeface="Ebrima"/>
+        <a:font script="Olck" typeface="Nirmala UI"/>
+        <a:font script="Osma" typeface="Ebrima"/>
+        <a:font script="Phag" typeface="Phagspa"/>
+        <a:font script="Syrn" typeface="Estrangelo Edessa"/>
+        <a:font script="Syrj" typeface="Estrangelo Edessa"/>
+        <a:font script="Syre" typeface="Estrangelo Edessa"/>
+        <a:font script="Sora" typeface="Nirmala UI"/>
+        <a:font script="Tale" typeface="Microsoft Tai Le"/>
+        <a:font script="Talu" typeface="Microsoft New Tai Lue"/>
+        <a:font script="Tfng" typeface="Ebrima"/>
+      </a:majorFont>
+      <a:minorFont>
+        <a:latin typeface="맑은 고딕" panose="020F0502020204030204"/>
+        <a:ea typeface=""/>
+        <a:cs typeface=""/>
+        <a:font script="Jpan" typeface="游ゴシック"/>
+        <a:font script="Hang" typeface="맑은 고딕"/>
+        <a:font script="Hans" typeface="等线"/>
+        <a:font script="Hant" typeface="新細明體"/>
+        <a:font script="Arab" typeface="Arial"/>
+        <a:font script="Hebr" typeface="Arial"/>
+        <a:font script="Thai" typeface="Cordia New"/>
+        <a:font script="Ethi" typeface="Nyala"/>
+        <a:font script="Beng" typeface="Vrinda"/>
+        <a:font script="Gujr" typeface="Shruti"/>
+        <a:font script="Khmr" typeface="DaunPenh"/>
+        <a:font script="Knda" typeface="Tunga"/>
+        <a:font script="Guru" typeface="Raavi"/>
+        <a:font script="Cans" typeface="Euphemia"/>
+        <a:font script="Cher" typeface="Plantagenet Cherokee"/>
+        <a:font script="Yiii" typeface="Microsoft Yi Baiti"/>
+        <a:font script="Tibt" typeface="Microsoft Himalaya"/>
+        <a:font script="Thaa" typeface="MV Boli"/>
+        <a:font script="Deva" typeface="Mangal"/>
+        <a:font script="Telu" typeface="Gautami"/>
+        <a:font script="Taml" typeface="Latha"/>
+        <a:font script="Syrc" typeface="Estrangelo Edessa"/>
+        <a:font script="Orya" typeface="Kalinga"/>
+        <a:font script="Mlym" typeface="Kartika"/>
+        <a:font script="Laoo" typeface="DokChampa"/>
+        <a:font script="Sinh" typeface="Iskoola Pota"/>
+        <a:font script="Mong" typeface="Mongolian Baiti"/>
+        <a:font script="Viet" typeface="Arial"/>
+        <a:font script="Uigh" typeface="Microsoft Uighur"/>
+        <a:font script="Geor" typeface="Sylfaen"/>
+        <a:font script="Armn" typeface="Arial"/>
+        <a:font script="Bugi" typeface="Leelawadee UI"/>
+        <a:font script="Bopo" typeface="Microsoft JhengHei"/>
+        <a:font script="Java" typeface="Javanese Text"/>
+        <a:font script="Lisu" typeface="Segoe UI"/>
+        <a:font script="Mymr" typeface="Myanmar Text"/>
+        <a:font script="Nkoo" typeface="Ebrima"/>
+        <a:font script="Olck" typeface="Nirmala UI"/>
+        <a:font script="Osma" typeface="Ebrima"/>
+        <a:font script="Phag" typeface="Phagspa"/>
+        <a:font script="Syrn" typeface="Estrangelo Edessa"/>
+        <a:font script="Syrj" typeface="Estrangelo Edessa"/>
+        <a:font script="Syre" typeface="Estrangelo Edessa"/>
+        <a:font script="Sora" typeface="Nirmala UI"/>
+        <a:font script="Tale" typeface="Microsoft Tai Le"/>
+        <a:font script="Talu" typeface="Microsoft New Tai Lue"/>
+        <a:font script="Tfng" typeface="Ebrima"/>
+      </a:minorFont>
+    </a:fontScheme>
+    <a:fmtScheme name="Office">
+      <a:fillStyleLst>
+        <a:solidFill>
+          <a:schemeClr val="phClr"/>
+        </a:solidFill>
+        <a:gradFill rotWithShape="1">
+          <a:gsLst>
+            <a:gs pos="0">
+              <a:schemeClr val="phClr">
+                <a:lumMod val="110000"/>
+                <a:satMod val="105000"/>
+                <a:tint val="67000"/>
+              </a:schemeClr>
+            </a:gs>
+            <a:gs pos="50000">
+              <a:schemeClr val="phClr">
+                <a:lumMod val="105000"/>
+                <a:satMod val="103000"/>
+                <a:tint val="73000"/>
+              </a:schemeClr>
+            </a:gs>
+            <a:gs pos="100000">
+              <a:schemeClr val="phClr">
+                <a:lumMod val="105000"/>
+                <a:satMod val="109000"/>
+                <a:tint val="81000"/>
+              </a:schemeClr>
+            </a:gs>
+          </a:gsLst>
+          <a:lin ang="5400000" scaled="0"/>
+        </a:gradFill>
+        <a:gradFill rotWithShape="1">
+          <a:gsLst>
+            <a:gs pos="0">
+              <a:schemeClr val="phClr">
+                <a:satMod val="103000"/>
+                <a:lumMod val="102000"/>
+                <a:tint val="94000"/>
+              </a:schemeClr>
+            </a:gs>
+            <a:gs pos="50000">
+              <a:schemeClr val="phClr">
+                <a:satMod val="110000"/>
+                <a:lumMod val="100000"/>
+                <a:shade val="100000"/>
+              </a:schemeClr>
+            </a:gs>
+            <a:gs pos="100000">
+              <a:schemeClr val="phClr">
+                <a:lumMod val="99000"/>
+                <a:satMod val="120000"/>
+                <a:shade val="78000"/>
+              </a:schemeClr>
+            </a:gs>
+          </a:gsLst>
+          <a:lin ang="5400000" scaled="0"/>
+        </a:gradFill>
+      </a:fillStyleLst>
+      <a:lnStyleLst>
+        <a:ln w="6350" cap="flat" cmpd="sng" algn="ctr">
+          <a:solidFill>
+            <a:schemeClr val="phClr"/>
+          </a:solidFill>
+          <a:prstDash val="solid"/>
+          <a:miter lim="800000"/>
+        </a:ln>
+        <a:ln w="12700" cap="flat" cmpd="sng" algn="ctr">
+          <a:solidFill>
+            <a:schemeClr val="phClr"/>
+          </a:solidFill>
+          <a:prstDash val="solid"/>
+          <a:miter lim="800000"/>
+        </a:ln>
+        <a:ln w="19050" cap="flat" cmpd="sng" algn="ctr">
+          <a:solidFill>
+            <a:schemeClr val="phClr"/>
+          </a:solidFill>
+          <a:prstDash val="solid"/>
+          <a:miter lim="800000"/>
+        </a:ln>
+      </a:lnStyleLst>
+      <a:effectStyleLst>
+        <a:effectStyle>
+          <a:effectLst/>
+        </a:effectStyle>
+        <a:effectStyle>
+          <a:effectLst/>
+        </a:effectStyle>
+        <a:effectStyle>
+          <a:effectLst>
+            <a:outerShdw blurRad="57150" dist="19050" dir="5400000" algn="ctr" rotWithShape="0">
+              <a:srgbClr val="000000">
+                <a:alpha val="63000"/>
+              </a:srgbClr>
+            </a:outerShdw>
+          </a:effectLst>
+        </a:effectStyle>
+      </a:effectStyleLst>
+      <a:bgFillStyleLst>
+        <a:solidFill>
+          <a:schemeClr val="phClr"/>
+        </a:solidFill>
+        <a:solidFill>
+          <a:schemeClr val="phClr">
+            <a:tint val="95000"/>
+            <a:satMod val="170000"/>
+          </a:schemeClr>
+        </a:solidFill>
+        <a:gradFill rotWithShape="1">
+          <a:gsLst>
+            <a:gs pos="0">
+              <a:schemeClr val="phClr">
+                <a:tint val="93000"/>
+                <a:satMod val="150000"/>
+                <a:shade val="98000"/>
+                <a:lumMod val="102000"/>
+              </a:schemeClr>
+            </a:gs>
+            <a:gs pos="50000">
+              <a:schemeClr val="phClr">
+                <a:tint val="98000"/>
+                <a:satMod val="130000"/>
+                <a:shade val="90000"/>
+                <a:lumMod val="103000"/>
+              </a:schemeClr>
+            </a:gs>
+            <a:gs pos="100000">
+              <a:schemeClr val="phClr">
+                <a:shade val="63000"/>
+                <a:satMod val="120000"/>
+              </a:schemeClr>
+            </a:gs>
+          </a:gsLst>
+          <a:lin ang="5400000" scaled="0"/>
+        </a:gradFill>
+      </a:bgFillStyleLst>
+    </a:fmtScheme>
+  </a:themeElements>
+  <a:objectDefaults/>
+  <a:extraClrSchemeLst/>
+  <a:extLst>
+    <a:ext uri="{05A4C25C-085E-4340-85A3-A5531E510DB2}">
+      <thm15:themeFamily xmlns:thm15="http://schemas.microsoft.com/office/thememl/2012/main" name="Office Theme" id="{62F939B6-93AF-4DB8-9C6B-D6C7DFDC589F}" vid="{4A3C46E8-61CC-4603-A589-7422A47A8E4A}"/>
+    </a:ext>
+  </a:extLst>
+</a:theme>
 </file>